--- a/Report/AI.pptx
+++ b/Report/AI.pptx
@@ -212,7 +212,7 @@
             <a:fld id="{754ACA1A-A7CA-4A28-8CE1-9A04B3D1DDE3}" type="datetimeFigureOut">
               <a:rPr lang="fr-FR" smtClean="0"/>
               <a:pPr/>
-              <a:t>20/05/2014</a:t>
+              <a:t>21/05/2014</a:t>
             </a:fld>
             <a:endParaRPr lang="fr-FR"/>
           </a:p>
@@ -383,7 +383,7 @@
     </p:spTree>
     <p:extLst>
       <p:ext uri="{BB962C8B-B14F-4D97-AF65-F5344CB8AC3E}">
-        <p14:creationId xmlns="" xmlns:p14="http://schemas.microsoft.com/office/powerpoint/2010/main" val="3535397208"/>
+        <p14:creationId xmlns:p14="http://schemas.microsoft.com/office/powerpoint/2010/main" val="3535397208"/>
       </p:ext>
     </p:extLst>
   </p:cSld>
@@ -512,7 +512,7 @@
           <a:blip r:embed="rId2" cstate="print">
             <a:extLst>
               <a:ext uri="{28A0092B-C50C-407E-A947-70E740481C1C}">
-                <a14:useLocalDpi xmlns="" xmlns:a14="http://schemas.microsoft.com/office/drawing/2010/main" val="0"/>
+                <a14:useLocalDpi xmlns:a14="http://schemas.microsoft.com/office/drawing/2010/main" val="0"/>
               </a:ext>
             </a:extLst>
           </a:blip>
@@ -535,14 +535,14 @@
           </a:ln>
           <a:extLst>
             <a:ext uri="{909E8E84-426E-40DD-AFC4-6F175D3DCCD1}">
-              <a14:hiddenFill xmlns="" xmlns:a14="http://schemas.microsoft.com/office/drawing/2010/main">
+              <a14:hiddenFill xmlns:a14="http://schemas.microsoft.com/office/drawing/2010/main">
                 <a:solidFill>
                   <a:srgbClr val="FFFFFF"/>
                 </a:solidFill>
               </a14:hiddenFill>
             </a:ext>
             <a:ext uri="{91240B29-F687-4F45-9708-019B960494DF}">
-              <a14:hiddenLine xmlns="" xmlns:a14="http://schemas.microsoft.com/office/drawing/2010/main" w="9525">
+              <a14:hiddenLine xmlns:a14="http://schemas.microsoft.com/office/drawing/2010/main" w="9525">
                 <a:solidFill>
                   <a:srgbClr val="000000"/>
                 </a:solidFill>
@@ -590,7 +590,7 @@
           <a:effectLst/>
           <a:extLst>
             <a:ext uri="{91240B29-F687-4F45-9708-019B960494DF}">
-              <a14:hiddenLine xmlns="" xmlns:a14="http://schemas.microsoft.com/office/drawing/2010/main" w="9525">
+              <a14:hiddenLine xmlns:a14="http://schemas.microsoft.com/office/drawing/2010/main" w="9525">
                 <a:solidFill>
                   <a:schemeClr val="tx1"/>
                 </a:solidFill>
@@ -600,7 +600,7 @@
               </a14:hiddenLine>
             </a:ext>
             <a:ext uri="{AF507438-7753-43E0-B8FC-AC1667EBCBE1}">
-              <a14:hiddenEffects xmlns="" xmlns:a14="http://schemas.microsoft.com/office/drawing/2010/main">
+              <a14:hiddenEffects xmlns:a14="http://schemas.microsoft.com/office/drawing/2010/main">
                 <a:effectLst>
                   <a:outerShdw dist="35921" dir="2700000" algn="ctr" rotWithShape="0">
                     <a:schemeClr val="bg2"/>
@@ -635,14 +635,14 @@
           </a:xfrm>
           <a:extLst>
             <a:ext uri="{909E8E84-426E-40DD-AFC4-6F175D3DCCD1}">
-              <a14:hiddenFill xmlns="" xmlns:a14="http://schemas.microsoft.com/office/drawing/2010/main">
+              <a14:hiddenFill xmlns:a14="http://schemas.microsoft.com/office/drawing/2010/main">
                 <a:solidFill>
                   <a:schemeClr val="accent1"/>
                 </a:solidFill>
               </a14:hiddenFill>
             </a:ext>
             <a:ext uri="{91240B29-F687-4F45-9708-019B960494DF}">
-              <a14:hiddenLine xmlns="" xmlns:a14="http://schemas.microsoft.com/office/drawing/2010/main" w="9525">
+              <a14:hiddenLine xmlns:a14="http://schemas.microsoft.com/office/drawing/2010/main" w="9525">
                 <a:solidFill>
                   <a:schemeClr val="tx1"/>
                 </a:solidFill>
@@ -652,7 +652,7 @@
               </a14:hiddenLine>
             </a:ext>
             <a:ext uri="{AF507438-7753-43E0-B8FC-AC1667EBCBE1}">
-              <a14:hiddenEffects xmlns="" xmlns:a14="http://schemas.microsoft.com/office/drawing/2010/main">
+              <a14:hiddenEffects xmlns:a14="http://schemas.microsoft.com/office/drawing/2010/main">
                 <a:effectLst>
                   <a:outerShdw dist="35921" dir="2700000" algn="ctr" rotWithShape="0">
                     <a:schemeClr val="bg2"/>
@@ -700,14 +700,14 @@
           </a:xfrm>
           <a:extLst>
             <a:ext uri="{909E8E84-426E-40DD-AFC4-6F175D3DCCD1}">
-              <a14:hiddenFill xmlns="" xmlns:a14="http://schemas.microsoft.com/office/drawing/2010/main">
+              <a14:hiddenFill xmlns:a14="http://schemas.microsoft.com/office/drawing/2010/main">
                 <a:solidFill>
                   <a:schemeClr val="accent1"/>
                 </a:solidFill>
               </a14:hiddenFill>
             </a:ext>
             <a:ext uri="{91240B29-F687-4F45-9708-019B960494DF}">
-              <a14:hiddenLine xmlns="" xmlns:a14="http://schemas.microsoft.com/office/drawing/2010/main" w="9525">
+              <a14:hiddenLine xmlns:a14="http://schemas.microsoft.com/office/drawing/2010/main" w="9525">
                 <a:solidFill>
                   <a:schemeClr val="tx1"/>
                 </a:solidFill>
@@ -740,7 +740,7 @@
     </p:spTree>
     <p:extLst>
       <p:ext uri="{BB962C8B-B14F-4D97-AF65-F5344CB8AC3E}">
-        <p14:creationId xmlns="" xmlns:p14="http://schemas.microsoft.com/office/powerpoint/2010/main" val="1724044781"/>
+        <p14:creationId xmlns:p14="http://schemas.microsoft.com/office/powerpoint/2010/main" val="1724044781"/>
       </p:ext>
     </p:extLst>
   </p:cSld>
@@ -878,7 +878,7 @@
     </p:spTree>
     <p:extLst>
       <p:ext uri="{BB962C8B-B14F-4D97-AF65-F5344CB8AC3E}">
-        <p14:creationId xmlns="" xmlns:p14="http://schemas.microsoft.com/office/powerpoint/2010/main" val="1860755746"/>
+        <p14:creationId xmlns:p14="http://schemas.microsoft.com/office/powerpoint/2010/main" val="1860755746"/>
       </p:ext>
     </p:extLst>
   </p:cSld>
@@ -1134,7 +1134,7 @@
     </p:spTree>
     <p:extLst>
       <p:ext uri="{BB962C8B-B14F-4D97-AF65-F5344CB8AC3E}">
-        <p14:creationId xmlns="" xmlns:p14="http://schemas.microsoft.com/office/powerpoint/2010/main" val="3435413785"/>
+        <p14:creationId xmlns:p14="http://schemas.microsoft.com/office/powerpoint/2010/main" val="3435413785"/>
       </p:ext>
     </p:extLst>
   </p:cSld>
@@ -1220,7 +1220,7 @@
     </p:spTree>
     <p:extLst>
       <p:ext uri="{BB962C8B-B14F-4D97-AF65-F5344CB8AC3E}">
-        <p14:creationId xmlns="" xmlns:p14="http://schemas.microsoft.com/office/powerpoint/2010/main" val="1122840971"/>
+        <p14:creationId xmlns:p14="http://schemas.microsoft.com/office/powerpoint/2010/main" val="1122840971"/>
       </p:ext>
     </p:extLst>
   </p:cSld>
@@ -1430,7 +1430,7 @@
             <a:fld id="{9AB09DB4-46DD-43C5-AC9F-19D2F9D5F930}" type="datetimeFigureOut">
               <a:rPr lang="fr-FR" smtClean="0"/>
               <a:pPr/>
-              <a:t>20/05/2014</a:t>
+              <a:t>21/05/2014</a:t>
             </a:fld>
             <a:endParaRPr lang="fr-FR"/>
           </a:p>
@@ -1545,7 +1545,7 @@
           <a:effectLst/>
           <a:extLst>
             <a:ext uri="{91240B29-F687-4F45-9708-019B960494DF}">
-              <a14:hiddenLine xmlns="" xmlns:a14="http://schemas.microsoft.com/office/drawing/2010/main" w="9525">
+              <a14:hiddenLine xmlns:a14="http://schemas.microsoft.com/office/drawing/2010/main" w="9525">
                 <a:solidFill>
                   <a:srgbClr val="FFFFFF"/>
                 </a:solidFill>
@@ -1555,7 +1555,7 @@
               </a14:hiddenLine>
             </a:ext>
             <a:ext uri="{AF507438-7753-43E0-B8FC-AC1667EBCBE1}">
-              <a14:hiddenEffects xmlns="" xmlns:a14="http://schemas.microsoft.com/office/drawing/2010/main">
+              <a14:hiddenEffects xmlns:a14="http://schemas.microsoft.com/office/drawing/2010/main">
                 <a:effectLst>
                   <a:outerShdw dist="35921" dir="2700000" algn="ctr" rotWithShape="0">
                     <a:srgbClr val="808080"/>
@@ -1602,14 +1602,14 @@
           <a:effectLst/>
           <a:extLst>
             <a:ext uri="{909E8E84-426E-40DD-AFC4-6F175D3DCCD1}">
-              <a14:hiddenFill xmlns="" xmlns:a14="http://schemas.microsoft.com/office/drawing/2010/main">
+              <a14:hiddenFill xmlns:a14="http://schemas.microsoft.com/office/drawing/2010/main">
                 <a:solidFill>
                   <a:srgbClr val="00477F"/>
                 </a:solidFill>
               </a14:hiddenFill>
             </a:ext>
             <a:ext uri="{91240B29-F687-4F45-9708-019B960494DF}">
-              <a14:hiddenLine xmlns="" xmlns:a14="http://schemas.microsoft.com/office/drawing/2010/main" w="9525">
+              <a14:hiddenLine xmlns:a14="http://schemas.microsoft.com/office/drawing/2010/main" w="9525">
                 <a:solidFill>
                   <a:srgbClr val="35024A"/>
                 </a:solidFill>
@@ -1619,7 +1619,7 @@
               </a14:hiddenLine>
             </a:ext>
             <a:ext uri="{AF507438-7753-43E0-B8FC-AC1667EBCBE1}">
-              <a14:hiddenEffects xmlns="" xmlns:a14="http://schemas.microsoft.com/office/drawing/2010/main">
+              <a14:hiddenEffects xmlns:a14="http://schemas.microsoft.com/office/drawing/2010/main">
                 <a:effectLst>
                   <a:outerShdw dist="35921" dir="2700000" algn="ctr" rotWithShape="0">
                     <a:srgbClr val="808080"/>
@@ -1670,14 +1670,14 @@
           <a:effectLst/>
           <a:extLst>
             <a:ext uri="{909E8E84-426E-40DD-AFC4-6F175D3DCCD1}">
-              <a14:hiddenFill xmlns="" xmlns:a14="http://schemas.microsoft.com/office/drawing/2010/main">
+              <a14:hiddenFill xmlns:a14="http://schemas.microsoft.com/office/drawing/2010/main">
                 <a:solidFill>
                   <a:srgbClr val="C0C0C0"/>
                 </a:solidFill>
               </a14:hiddenFill>
             </a:ext>
             <a:ext uri="{91240B29-F687-4F45-9708-019B960494DF}">
-              <a14:hiddenLine xmlns="" xmlns:a14="http://schemas.microsoft.com/office/drawing/2010/main" w="9525">
+              <a14:hiddenLine xmlns:a14="http://schemas.microsoft.com/office/drawing/2010/main" w="9525">
                 <a:solidFill>
                   <a:srgbClr val="5F5F5F"/>
                 </a:solidFill>
@@ -1687,7 +1687,7 @@
               </a14:hiddenLine>
             </a:ext>
             <a:ext uri="{AF507438-7753-43E0-B8FC-AC1667EBCBE1}">
-              <a14:hiddenEffects xmlns="" xmlns:a14="http://schemas.microsoft.com/office/drawing/2010/main">
+              <a14:hiddenEffects xmlns:a14="http://schemas.microsoft.com/office/drawing/2010/main">
                 <a:effectLst>
                   <a:outerShdw dist="35921" dir="2700000" algn="ctr" rotWithShape="0">
                     <a:schemeClr val="bg2"/>
@@ -1766,14 +1766,14 @@
           <a:effectLst/>
           <a:extLst>
             <a:ext uri="{909E8E84-426E-40DD-AFC4-6F175D3DCCD1}">
-              <a14:hiddenFill xmlns="" xmlns:a14="http://schemas.microsoft.com/office/drawing/2010/main">
+              <a14:hiddenFill xmlns:a14="http://schemas.microsoft.com/office/drawing/2010/main">
                 <a:solidFill>
                   <a:schemeClr val="accent1"/>
                 </a:solidFill>
               </a14:hiddenFill>
             </a:ext>
             <a:ext uri="{91240B29-F687-4F45-9708-019B960494DF}">
-              <a14:hiddenLine xmlns="" xmlns:a14="http://schemas.microsoft.com/office/drawing/2010/main" w="9525">
+              <a14:hiddenLine xmlns:a14="http://schemas.microsoft.com/office/drawing/2010/main" w="9525">
                 <a:solidFill>
                   <a:schemeClr val="tx1"/>
                 </a:solidFill>
@@ -1783,7 +1783,7 @@
               </a14:hiddenLine>
             </a:ext>
             <a:ext uri="{AF507438-7753-43E0-B8FC-AC1667EBCBE1}">
-              <a14:hiddenEffects xmlns="" xmlns:a14="http://schemas.microsoft.com/office/drawing/2010/main">
+              <a14:hiddenEffects xmlns:a14="http://schemas.microsoft.com/office/drawing/2010/main">
                 <a:effectLst>
                   <a:outerShdw dist="35921" dir="2700000" algn="ctr" rotWithShape="0">
                     <a:schemeClr val="bg2"/>
@@ -1837,14 +1837,14 @@
           <a:effectLst/>
           <a:extLst>
             <a:ext uri="{909E8E84-426E-40DD-AFC4-6F175D3DCCD1}">
-              <a14:hiddenFill xmlns="" xmlns:a14="http://schemas.microsoft.com/office/drawing/2010/main">
+              <a14:hiddenFill xmlns:a14="http://schemas.microsoft.com/office/drawing/2010/main">
                 <a:solidFill>
                   <a:srgbClr val="C0C0C0"/>
                 </a:solidFill>
               </a14:hiddenFill>
             </a:ext>
             <a:ext uri="{91240B29-F687-4F45-9708-019B960494DF}">
-              <a14:hiddenLine xmlns="" xmlns:a14="http://schemas.microsoft.com/office/drawing/2010/main" w="9525">
+              <a14:hiddenLine xmlns:a14="http://schemas.microsoft.com/office/drawing/2010/main" w="9525">
                 <a:solidFill>
                   <a:srgbClr val="5F5F5F"/>
                 </a:solidFill>
@@ -1854,7 +1854,7 @@
               </a14:hiddenLine>
             </a:ext>
             <a:ext uri="{AF507438-7753-43E0-B8FC-AC1667EBCBE1}">
-              <a14:hiddenEffects xmlns="" xmlns:a14="http://schemas.microsoft.com/office/drawing/2010/main">
+              <a14:hiddenEffects xmlns:a14="http://schemas.microsoft.com/office/drawing/2010/main">
                 <a:effectLst>
                   <a:outerShdw dist="35921" dir="2700000" algn="ctr" rotWithShape="0">
                     <a:schemeClr val="bg2"/>
@@ -2561,7 +2561,15 @@
           <a:p>
             <a:r>
               <a:rPr lang="en-GB" sz="2000" dirty="0" smtClean="0"/>
-              <a:t>Further, we have some rules to see if an object is e.g. besides any other object </a:t>
+              <a:t>Further, we have some rules to see if an object is e.g. </a:t>
+            </a:r>
+            <a:r>
+              <a:rPr lang="en-GB" sz="2000" dirty="0" smtClean="0"/>
+              <a:t>beside </a:t>
+            </a:r>
+            <a:r>
+              <a:rPr lang="en-GB" sz="2000" dirty="0" smtClean="0"/>
+              <a:t>any other object </a:t>
             </a:r>
             <a:endParaRPr lang="en-GB" sz="2000" dirty="0"/>
           </a:p>
@@ -2668,7 +2676,7 @@
     </p:spTree>
     <p:extLst>
       <p:ext uri="{BB962C8B-B14F-4D97-AF65-F5344CB8AC3E}">
-        <p14:creationId xmlns="" xmlns:p14="http://schemas.microsoft.com/office/powerpoint/2010/main" val="699135888"/>
+        <p14:creationId xmlns:p14="http://schemas.microsoft.com/office/powerpoint/2010/main" val="699135888"/>
       </p:ext>
     </p:extLst>
   </p:cSld>
@@ -3228,7 +3236,7 @@
     </p:custDataLst>
     <p:extLst>
       <p:ext uri="{BB962C8B-B14F-4D97-AF65-F5344CB8AC3E}">
-        <p14:creationId xmlns="" xmlns:p14="http://schemas.microsoft.com/office/powerpoint/2010/main" val="195894452"/>
+        <p14:creationId xmlns:p14="http://schemas.microsoft.com/office/powerpoint/2010/main" val="195894452"/>
       </p:ext>
     </p:extLst>
   </p:cSld>
@@ -4060,7 +4068,7 @@
     </p:spTree>
     <p:extLst>
       <p:ext uri="{BB962C8B-B14F-4D97-AF65-F5344CB8AC3E}">
-        <p14:creationId xmlns="" xmlns:p14="http://schemas.microsoft.com/office/powerpoint/2010/main" val="1658291248"/>
+        <p14:creationId xmlns:p14="http://schemas.microsoft.com/office/powerpoint/2010/main" val="1658291248"/>
       </p:ext>
     </p:extLst>
   </p:cSld>
@@ -4540,7 +4548,7 @@
     </p:custDataLst>
     <p:extLst>
       <p:ext uri="{BB962C8B-B14F-4D97-AF65-F5344CB8AC3E}">
-        <p14:creationId xmlns="" xmlns:p14="http://schemas.microsoft.com/office/powerpoint/2010/main" val="2855133909"/>
+        <p14:creationId xmlns:p14="http://schemas.microsoft.com/office/powerpoint/2010/main" val="2855133909"/>
       </p:ext>
     </p:extLst>
   </p:cSld>
@@ -4692,14 +4700,14 @@
           <a:effectLst/>
           <a:extLst>
             <a:ext uri="{909E8E84-426E-40DD-AFC4-6F175D3DCCD1}">
-              <a14:hiddenFill xmlns="" xmlns:a14="http://schemas.microsoft.com/office/drawing/2010/main">
+              <a14:hiddenFill xmlns:a14="http://schemas.microsoft.com/office/drawing/2010/main">
                 <a:solidFill>
                   <a:srgbClr val="C0C0C0"/>
                 </a:solidFill>
               </a14:hiddenFill>
             </a:ext>
             <a:ext uri="{91240B29-F687-4F45-9708-019B960494DF}">
-              <a14:hiddenLine xmlns="" xmlns:a14="http://schemas.microsoft.com/office/drawing/2010/main" w="9525">
+              <a14:hiddenLine xmlns:a14="http://schemas.microsoft.com/office/drawing/2010/main" w="9525">
                 <a:solidFill>
                   <a:srgbClr val="5F5F5F"/>
                 </a:solidFill>
@@ -4709,7 +4717,7 @@
               </a14:hiddenLine>
             </a:ext>
             <a:ext uri="{AF507438-7753-43E0-B8FC-AC1667EBCBE1}">
-              <a14:hiddenEffects xmlns="" xmlns:a14="http://schemas.microsoft.com/office/drawing/2010/main">
+              <a14:hiddenEffects xmlns:a14="http://schemas.microsoft.com/office/drawing/2010/main">
                 <a:effectLst>
                   <a:outerShdw dist="35921" dir="2700000" algn="ctr" rotWithShape="0">
                     <a:schemeClr val="bg2"/>
@@ -4952,15 +4960,7 @@
             </a:pPr>
             <a:r>
               <a:rPr lang="en-US" sz="2000" dirty="0" smtClean="0"/>
-              <a:t>And </a:t>
-            </a:r>
-            <a:r>
-              <a:rPr lang="en-US" sz="2000" dirty="0" smtClean="0"/>
-              <a:t>the output of the planner is</a:t>
-            </a:r>
-            <a:r>
-              <a:rPr lang="en-US" sz="2000" dirty="0" smtClean="0"/>
-              <a:t>:</a:t>
+              <a:t>And the output of the planner is:</a:t>
             </a:r>
           </a:p>
           <a:p>
@@ -4974,11 +4974,7 @@
             </a:pPr>
             <a:r>
               <a:rPr lang="en-US" sz="1700" i="1" dirty="0" smtClean="0"/>
-              <a:t>“</a:t>
-            </a:r>
-            <a:r>
-              <a:rPr lang="en-US" sz="1700" i="1" dirty="0" smtClean="0"/>
-              <a:t>Plan: pick,2 drop,1”  where 2 is the position of the black ball (Stack 2) and 1 the position of the red box (Stack 1)</a:t>
+              <a:t>“Plan: pick,2 drop,1”  where 2 is the position of the black ball (Stack 2) and 1 the position of the red box (Stack 1)</a:t>
             </a:r>
             <a:r>
               <a:rPr lang="en-GB" sz="2200" i="1" dirty="0"/>
@@ -5041,7 +5037,7 @@
     </p:spTree>
     <p:extLst>
       <p:ext uri="{BB962C8B-B14F-4D97-AF65-F5344CB8AC3E}">
-        <p14:creationId xmlns="" xmlns:p14="http://schemas.microsoft.com/office/powerpoint/2010/main" val="464845552"/>
+        <p14:creationId xmlns:p14="http://schemas.microsoft.com/office/powerpoint/2010/main" val="464845552"/>
       </p:ext>
     </p:extLst>
   </p:cSld>
@@ -5211,7 +5207,7 @@
     </p:spTree>
     <p:extLst>
       <p:ext uri="{BB962C8B-B14F-4D97-AF65-F5344CB8AC3E}">
-        <p14:creationId xmlns="" xmlns:p14="http://schemas.microsoft.com/office/powerpoint/2010/main" val="92392103"/>
+        <p14:creationId xmlns:p14="http://schemas.microsoft.com/office/powerpoint/2010/main" val="92392103"/>
       </p:ext>
     </p:extLst>
   </p:cSld>
@@ -5691,7 +5687,7 @@
     </p:custDataLst>
     <p:extLst>
       <p:ext uri="{BB962C8B-B14F-4D97-AF65-F5344CB8AC3E}">
-        <p14:creationId xmlns="" xmlns:p14="http://schemas.microsoft.com/office/powerpoint/2010/main" val="1022584412"/>
+        <p14:creationId xmlns:p14="http://schemas.microsoft.com/office/powerpoint/2010/main" val="1022584412"/>
       </p:ext>
     </p:extLst>
   </p:cSld>
@@ -5903,14 +5899,14 @@
           <a:effectLst/>
           <a:extLst>
             <a:ext uri="{909E8E84-426E-40DD-AFC4-6F175D3DCCD1}">
-              <a14:hiddenFill xmlns="" xmlns:a14="http://schemas.microsoft.com/office/drawing/2010/main">
+              <a14:hiddenFill xmlns:a14="http://schemas.microsoft.com/office/drawing/2010/main">
                 <a:solidFill>
                   <a:srgbClr val="C0C0C0"/>
                 </a:solidFill>
               </a14:hiddenFill>
             </a:ext>
             <a:ext uri="{91240B29-F687-4F45-9708-019B960494DF}">
-              <a14:hiddenLine xmlns="" xmlns:a14="http://schemas.microsoft.com/office/drawing/2010/main" w="9525">
+              <a14:hiddenLine xmlns:a14="http://schemas.microsoft.com/office/drawing/2010/main" w="9525">
                 <a:solidFill>
                   <a:srgbClr val="5F5F5F"/>
                 </a:solidFill>
@@ -5920,7 +5916,7 @@
               </a14:hiddenLine>
             </a:ext>
             <a:ext uri="{AF507438-7753-43E0-B8FC-AC1667EBCBE1}">
-              <a14:hiddenEffects xmlns="" xmlns:a14="http://schemas.microsoft.com/office/drawing/2010/main">
+              <a14:hiddenEffects xmlns:a14="http://schemas.microsoft.com/office/drawing/2010/main">
                 <a:effectLst>
                   <a:outerShdw dist="35921" dir="2700000" algn="ctr" rotWithShape="0">
                     <a:schemeClr val="bg2"/>
@@ -6154,7 +6150,7 @@
     </p:spTree>
     <p:extLst>
       <p:ext uri="{BB962C8B-B14F-4D97-AF65-F5344CB8AC3E}">
-        <p14:creationId xmlns="" xmlns:p14="http://schemas.microsoft.com/office/powerpoint/2010/main" val="3489243514"/>
+        <p14:creationId xmlns:p14="http://schemas.microsoft.com/office/powerpoint/2010/main" val="3489243514"/>
       </p:ext>
     </p:extLst>
   </p:cSld>
@@ -6634,7 +6630,7 @@
     </p:custDataLst>
     <p:extLst>
       <p:ext uri="{BB962C8B-B14F-4D97-AF65-F5344CB8AC3E}">
-        <p14:creationId xmlns="" xmlns:p14="http://schemas.microsoft.com/office/powerpoint/2010/main" val="59264784"/>
+        <p14:creationId xmlns:p14="http://schemas.microsoft.com/office/powerpoint/2010/main" val="59264784"/>
       </p:ext>
     </p:extLst>
   </p:cSld>
@@ -6806,7 +6802,7 @@
     </p:spTree>
     <p:extLst>
       <p:ext uri="{BB962C8B-B14F-4D97-AF65-F5344CB8AC3E}">
-        <p14:creationId xmlns="" xmlns:p14="http://schemas.microsoft.com/office/powerpoint/2010/main" val="1008876803"/>
+        <p14:creationId xmlns:p14="http://schemas.microsoft.com/office/powerpoint/2010/main" val="1008876803"/>
       </p:ext>
     </p:extLst>
   </p:cSld>
@@ -7286,7 +7282,7 @@
     </p:custDataLst>
     <p:extLst>
       <p:ext uri="{BB962C8B-B14F-4D97-AF65-F5344CB8AC3E}">
-        <p14:creationId xmlns="" xmlns:p14="http://schemas.microsoft.com/office/powerpoint/2010/main" val="1294863535"/>
+        <p14:creationId xmlns:p14="http://schemas.microsoft.com/office/powerpoint/2010/main" val="1294863535"/>
       </p:ext>
     </p:extLst>
   </p:cSld>
@@ -7538,7 +7534,7 @@
     </p:spTree>
     <p:extLst>
       <p:ext uri="{BB962C8B-B14F-4D97-AF65-F5344CB8AC3E}">
-        <p14:creationId xmlns="" xmlns:p14="http://schemas.microsoft.com/office/powerpoint/2010/main" val="2242799157"/>
+        <p14:creationId xmlns:p14="http://schemas.microsoft.com/office/powerpoint/2010/main" val="2242799157"/>
       </p:ext>
     </p:extLst>
   </p:cSld>
@@ -8018,7 +8014,7 @@
     </p:custDataLst>
     <p:extLst>
       <p:ext uri="{BB962C8B-B14F-4D97-AF65-F5344CB8AC3E}">
-        <p14:creationId xmlns="" xmlns:p14="http://schemas.microsoft.com/office/powerpoint/2010/main" val="3974514376"/>
+        <p14:creationId xmlns:p14="http://schemas.microsoft.com/office/powerpoint/2010/main" val="3974514376"/>
       </p:ext>
     </p:extLst>
   </p:cSld>
@@ -8132,11 +8128,7 @@
             </a:r>
             <a:r>
               <a:rPr lang="en-US" sz="1848" dirty="0" smtClean="0"/>
-              <a:t> </a:t>
-            </a:r>
-            <a:r>
-              <a:rPr lang="en-US" sz="1848" dirty="0" smtClean="0"/>
-              <a:t>and </a:t>
+              <a:t> and </a:t>
             </a:r>
             <a:r>
               <a:rPr lang="en-US" sz="1848" b="1" dirty="0" smtClean="0">
@@ -8173,11 +8165,7 @@
             </a:pPr>
             <a:r>
               <a:rPr lang="en-US" sz="1540" i="1" dirty="0" smtClean="0"/>
-              <a:t>Colors: </a:t>
-            </a:r>
-            <a:r>
-              <a:rPr lang="en-US" sz="1540" i="1" dirty="0" smtClean="0"/>
-              <a:t>red, black, blue, green, yellow, white. </a:t>
+              <a:t>Colors: red, black, blue, green, yellow, white. </a:t>
             </a:r>
             <a:endParaRPr lang="en-US" sz="1848" dirty="0" smtClean="0"/>
           </a:p>
@@ -8299,7 +8287,7 @@
           </a:ln>
           <a:extLst>
             <a:ext uri="{C572A759-6A51-4108-AA02-DFA0A04FC94B}">
-              <ma14:wrappingTextBoxFlag xmlns="" xmlns:ma14="http://schemas.microsoft.com/office/mac/drawingml/2011/main" val="1"/>
+              <ma14:wrappingTextBoxFlag xmlns:ma14="http://schemas.microsoft.com/office/mac/drawingml/2011/main" xmlns="" val="1"/>
             </a:ext>
           </a:extLst>
         </p:spPr>
@@ -8338,7 +8326,7 @@
     </p:spTree>
     <p:extLst>
       <p:ext uri="{BB962C8B-B14F-4D97-AF65-F5344CB8AC3E}">
-        <p14:creationId xmlns="" xmlns:p14="http://schemas.microsoft.com/office/powerpoint/2010/main" val="1099653964"/>
+        <p14:creationId xmlns:p14="http://schemas.microsoft.com/office/powerpoint/2010/main" val="1099653964"/>
       </p:ext>
     </p:extLst>
   </p:cSld>
@@ -8818,7 +8806,7 @@
     </p:custDataLst>
     <p:extLst>
       <p:ext uri="{BB962C8B-B14F-4D97-AF65-F5344CB8AC3E}">
-        <p14:creationId xmlns="" xmlns:p14="http://schemas.microsoft.com/office/powerpoint/2010/main" val="3079118635"/>
+        <p14:creationId xmlns:p14="http://schemas.microsoft.com/office/powerpoint/2010/main" val="3079118635"/>
       </p:ext>
     </p:extLst>
   </p:cSld>
@@ -8987,15 +8975,7 @@
             </a:pPr>
             <a:r>
               <a:rPr lang="en-US" sz="1800" dirty="0" smtClean="0"/>
-              <a:t>The user can also perform request to obtain </a:t>
-            </a:r>
-            <a:r>
-              <a:rPr lang="en-US" sz="1800" dirty="0" smtClean="0"/>
-              <a:t>information </a:t>
-            </a:r>
-            <a:r>
-              <a:rPr lang="en-US" sz="1800" dirty="0" smtClean="0"/>
-              <a:t>about an entire </a:t>
+              <a:t>The user can also perform request to obtain information about an entire </a:t>
             </a:r>
             <a:r>
               <a:rPr lang="en-US" sz="1800" b="1" dirty="0" smtClean="0">
@@ -9009,7 +8989,6 @@
               <a:rPr lang="en-US" sz="1800" dirty="0" smtClean="0"/>
               <a:t>.</a:t>
             </a:r>
-            <a:endParaRPr lang="en-US" sz="1800" dirty="0" smtClean="0"/>
           </a:p>
           <a:p>
             <a:pPr marL="685800" lvl="2" indent="-285750">
@@ -9048,7 +9027,7 @@
     </p:spTree>
     <p:extLst>
       <p:ext uri="{BB962C8B-B14F-4D97-AF65-F5344CB8AC3E}">
-        <p14:creationId xmlns="" xmlns:p14="http://schemas.microsoft.com/office/powerpoint/2010/main" val="427125282"/>
+        <p14:creationId xmlns:p14="http://schemas.microsoft.com/office/powerpoint/2010/main" val="427125282"/>
       </p:ext>
     </p:extLst>
   </p:cSld>
@@ -9608,7 +9587,7 @@
     </p:custDataLst>
     <p:extLst>
       <p:ext uri="{BB962C8B-B14F-4D97-AF65-F5344CB8AC3E}">
-        <p14:creationId xmlns="" xmlns:p14="http://schemas.microsoft.com/office/powerpoint/2010/main" val="1123953762"/>
+        <p14:creationId xmlns:p14="http://schemas.microsoft.com/office/powerpoint/2010/main" val="1123953762"/>
       </p:ext>
     </p:extLst>
   </p:cSld>
@@ -9866,8 +9845,77 @@
                   <a:srgbClr val="5F5F5F"/>
                 </a:solidFill>
               </a:rPr>
-              <a:t>Handle the any or all cases for basic entities. </a:t>
-            </a:r>
+              <a:t>Handle </a:t>
+            </a:r>
+            <a:r>
+              <a:rPr kumimoji="1" lang="en-GB" sz="2000" b="1" i="1" dirty="0" smtClean="0">
+                <a:solidFill>
+                  <a:srgbClr val="5F5F5F"/>
+                </a:solidFill>
+              </a:rPr>
+              <a:t>the</a:t>
+            </a:r>
+            <a:r>
+              <a:rPr kumimoji="1" lang="en-GB" sz="2000" i="1" dirty="0" smtClean="0">
+                <a:solidFill>
+                  <a:srgbClr val="5F5F5F"/>
+                </a:solidFill>
+              </a:rPr>
+              <a:t>,</a:t>
+            </a:r>
+            <a:r>
+              <a:rPr kumimoji="1" lang="en-GB" sz="2000" b="1" i="1" dirty="0" smtClean="0">
+                <a:solidFill>
+                  <a:srgbClr val="5F5F5F"/>
+                </a:solidFill>
+              </a:rPr>
+              <a:t> </a:t>
+            </a:r>
+            <a:r>
+              <a:rPr kumimoji="1" lang="en-GB" sz="2000" b="1" i="1" dirty="0" smtClean="0">
+                <a:solidFill>
+                  <a:srgbClr val="5F5F5F"/>
+                </a:solidFill>
+              </a:rPr>
+              <a:t>any </a:t>
+            </a:r>
+            <a:r>
+              <a:rPr kumimoji="1" lang="en-GB" sz="2000" i="1" dirty="0" smtClean="0">
+                <a:solidFill>
+                  <a:srgbClr val="5F5F5F"/>
+                </a:solidFill>
+              </a:rPr>
+              <a:t>or </a:t>
+            </a:r>
+            <a:r>
+              <a:rPr kumimoji="1" lang="en-GB" sz="2000" b="1" i="1" dirty="0" smtClean="0">
+                <a:solidFill>
+                  <a:srgbClr val="5F5F5F"/>
+                </a:solidFill>
+              </a:rPr>
+              <a:t>all</a:t>
+            </a:r>
+            <a:r>
+              <a:rPr kumimoji="1" lang="en-GB" sz="2000" i="1" dirty="0" smtClean="0">
+                <a:solidFill>
+                  <a:srgbClr val="5F5F5F"/>
+                </a:solidFill>
+              </a:rPr>
+              <a:t> </a:t>
+            </a:r>
+            <a:r>
+              <a:rPr kumimoji="1" lang="en-GB" sz="2000" i="1" dirty="0" smtClean="0">
+                <a:solidFill>
+                  <a:srgbClr val="5F5F5F"/>
+                </a:solidFill>
+              </a:rPr>
+              <a:t>cases. </a:t>
+            </a:r>
+            <a:endParaRPr kumimoji="1" lang="en-GB" sz="2000" i="1" dirty="0" smtClean="0">
+              <a:solidFill>
+                <a:srgbClr val="5F5F5F"/>
+              </a:solidFill>
+            </a:endParaRPr>
           </a:p>
           <a:p>
             <a:pPr marL="685800" lvl="2" indent="-285750" fontAlgn="base">
@@ -9968,7 +10016,7 @@
     </p:spTree>
     <p:extLst>
       <p:ext uri="{BB962C8B-B14F-4D97-AF65-F5344CB8AC3E}">
-        <p14:creationId xmlns="" xmlns:p14="http://schemas.microsoft.com/office/powerpoint/2010/main" val="566941740"/>
+        <p14:creationId xmlns:p14="http://schemas.microsoft.com/office/powerpoint/2010/main" val="566941740"/>
       </p:ext>
     </p:extLst>
   </p:cSld>

--- a/Report/AI.pptx
+++ b/Report/AI.pptx
@@ -5,29 +5,27 @@
     <p:sldMasterId id="2147483660" r:id="rId1"/>
   </p:sldMasterIdLst>
   <p:notesMasterIdLst>
-    <p:notesMasterId r:id="rId22"/>
+    <p:notesMasterId r:id="rId20"/>
   </p:notesMasterIdLst>
   <p:sldIdLst>
     <p:sldId id="256" r:id="rId2"/>
-    <p:sldId id="269" r:id="rId3"/>
+    <p:sldId id="295" r:id="rId3"/>
     <p:sldId id="278" r:id="rId4"/>
-    <p:sldId id="270" r:id="rId5"/>
-    <p:sldId id="279" r:id="rId6"/>
-    <p:sldId id="271" r:id="rId7"/>
-    <p:sldId id="280" r:id="rId8"/>
-    <p:sldId id="273" r:id="rId9"/>
-    <p:sldId id="288" r:id="rId10"/>
-    <p:sldId id="289" r:id="rId11"/>
-    <p:sldId id="274" r:id="rId12"/>
-    <p:sldId id="283" r:id="rId13"/>
-    <p:sldId id="275" r:id="rId14"/>
-    <p:sldId id="290" r:id="rId15"/>
-    <p:sldId id="294" r:id="rId16"/>
-    <p:sldId id="276" r:id="rId17"/>
-    <p:sldId id="292" r:id="rId18"/>
-    <p:sldId id="277" r:id="rId19"/>
-    <p:sldId id="295" r:id="rId20"/>
-    <p:sldId id="268" r:id="rId21"/>
+    <p:sldId id="296" r:id="rId5"/>
+    <p:sldId id="280" r:id="rId6"/>
+    <p:sldId id="298" r:id="rId7"/>
+    <p:sldId id="288" r:id="rId8"/>
+    <p:sldId id="289" r:id="rId9"/>
+    <p:sldId id="299" r:id="rId10"/>
+    <p:sldId id="283" r:id="rId11"/>
+    <p:sldId id="300" r:id="rId12"/>
+    <p:sldId id="290" r:id="rId13"/>
+    <p:sldId id="294" r:id="rId14"/>
+    <p:sldId id="301" r:id="rId15"/>
+    <p:sldId id="292" r:id="rId16"/>
+    <p:sldId id="302" r:id="rId17"/>
+    <p:sldId id="303" r:id="rId18"/>
+    <p:sldId id="268" r:id="rId19"/>
   </p:sldIdLst>
   <p:sldSz cx="9144000" cy="6858000" type="screen4x3"/>
   <p:notesSz cx="6858000" cy="9144000"/>
@@ -374,7 +372,7 @@
             <a:fld id="{B5CEBB35-97B0-4DB6-9694-58AC45BC233A}" type="slidenum">
               <a:rPr lang="fr-FR" smtClean="0"/>
               <a:pPr/>
-              <a:t>‹#›</a:t>
+              <a:t>‹N°›</a:t>
             </a:fld>
             <a:endParaRPr lang="fr-FR"/>
           </a:p>
@@ -1481,7 +1479,7 @@
             <a:fld id="{E2774EAB-4026-4916-B878-A83249560AC6}" type="slidenum">
               <a:rPr lang="fr-FR" smtClean="0"/>
               <a:pPr/>
-              <a:t>‹#›</a:t>
+              <a:t>‹N°›</a:t>
             </a:fld>
             <a:endParaRPr lang="fr-FR"/>
           </a:p>
@@ -1877,7 +1875,7 @@
                 <a:cs typeface="Arial" charset="0"/>
               </a:rPr>
               <a:pPr algn="r" eaLnBrk="0" hangingPunct="0"/>
-              <a:t>‹#›</a:t>
+              <a:t>‹N°›</a:t>
             </a:fld>
             <a:endParaRPr kumimoji="1" lang="fr-CA" sz="800">
               <a:solidFill>
@@ -2524,767 +2522,6 @@
         </p:nvSpPr>
         <p:spPr/>
         <p:txBody>
-          <a:bodyPr>
-            <a:normAutofit/>
-          </a:bodyPr>
-          <a:lstStyle/>
-          <a:p>
-            <a:r>
-              <a:rPr lang="en-GB" dirty="0" smtClean="0"/>
-              <a:t>Interpreter – Interpretation rules (2/2)</a:t>
-            </a:r>
-            <a:endParaRPr lang="en-GB" dirty="0"/>
-          </a:p>
-        </p:txBody>
-      </p:sp>
-      <p:sp>
-        <p:nvSpPr>
-          <p:cNvPr id="3" name="Content Placeholder 2"/>
-          <p:cNvSpPr>
-            <a:spLocks noGrp="1"/>
-          </p:cNvSpPr>
-          <p:nvPr>
-            <p:ph idx="1"/>
-          </p:nvPr>
-        </p:nvSpPr>
-        <p:spPr>
-          <a:xfrm>
-            <a:off x="457200" y="1493837"/>
-            <a:ext cx="8229600" cy="830997"/>
-          </a:xfrm>
-        </p:spPr>
-        <p:txBody>
-          <a:bodyPr vert="horz" lIns="91440" tIns="45720" rIns="91440" bIns="45720" rtlCol="0" anchor="ctr">
-            <a:noAutofit/>
-          </a:bodyPr>
-          <a:lstStyle/>
-          <a:p>
-            <a:r>
-              <a:rPr lang="en-GB" sz="2000" dirty="0" smtClean="0"/>
-              <a:t>Further, we have some rules to see if an object is e.g. </a:t>
-            </a:r>
-            <a:r>
-              <a:rPr lang="en-GB" sz="2000" dirty="0" smtClean="0"/>
-              <a:t>beside </a:t>
-            </a:r>
-            <a:r>
-              <a:rPr lang="en-GB" sz="2000" dirty="0" smtClean="0"/>
-              <a:t>any other object </a:t>
-            </a:r>
-            <a:endParaRPr lang="en-GB" sz="2000" dirty="0"/>
-          </a:p>
-        </p:txBody>
-      </p:sp>
-      <p:sp>
-        <p:nvSpPr>
-          <p:cNvPr id="5" name="Content Placeholder 2"/>
-          <p:cNvSpPr txBox="1">
-            <a:spLocks/>
-          </p:cNvSpPr>
-          <p:nvPr/>
-        </p:nvSpPr>
-        <p:spPr>
-          <a:xfrm>
-            <a:off x="457200" y="3421558"/>
-            <a:ext cx="8229600" cy="707886"/>
-          </a:xfrm>
-          <a:prstGeom prst="rect">
-            <a:avLst/>
-          </a:prstGeom>
-        </p:spPr>
-        <p:txBody>
-          <a:bodyPr vert="horz" lIns="91440" tIns="45720" rIns="91440" bIns="45720" rtlCol="0" anchor="ctr">
-            <a:spAutoFit/>
-          </a:bodyPr>
-          <a:lstStyle/>
-          <a:p>
-            <a:pPr marL="274638" lvl="0" indent="-274638" fontAlgn="base">
-              <a:spcBef>
-                <a:spcPct val="50000"/>
-              </a:spcBef>
-              <a:spcAft>
-                <a:spcPct val="0"/>
-              </a:spcAft>
-              <a:buClr>
-                <a:srgbClr val="004780"/>
-              </a:buClr>
-              <a:buFont typeface="Wingdings" pitchFamily="2" charset="2"/>
-              <a:buChar char="§"/>
-            </a:pPr>
-            <a:r>
-              <a:rPr kumimoji="1" lang="en-GB" sz="2000" dirty="0" smtClean="0">
-                <a:solidFill>
-                  <a:srgbClr val="5F5F5F"/>
-                </a:solidFill>
-              </a:rPr>
-              <a:t>We also added rules to support the new count, where and what questions. </a:t>
-            </a:r>
-          </a:p>
-        </p:txBody>
-      </p:sp>
-      <p:pic>
-        <p:nvPicPr>
-          <p:cNvPr id="5122" name="Picture 2"/>
-          <p:cNvPicPr>
-            <a:picLocks noChangeAspect="1" noChangeArrowheads="1"/>
-          </p:cNvPicPr>
-          <p:nvPr/>
-        </p:nvPicPr>
-        <p:blipFill>
-          <a:blip r:embed="rId2" cstate="print"/>
-          <a:srcRect/>
-          <a:stretch>
-            <a:fillRect/>
-          </a:stretch>
-        </p:blipFill>
-        <p:spPr bwMode="auto">
-          <a:xfrm>
-            <a:off x="2071688" y="2333625"/>
-            <a:ext cx="5000625" cy="714375"/>
-          </a:xfrm>
-          <a:prstGeom prst="rect">
-            <a:avLst/>
-          </a:prstGeom>
-          <a:noFill/>
-          <a:ln w="9525">
-            <a:noFill/>
-            <a:miter lim="800000"/>
-            <a:headEnd/>
-            <a:tailEnd/>
-          </a:ln>
-        </p:spPr>
-      </p:pic>
-      <p:sp>
-        <p:nvSpPr>
-          <p:cNvPr id="6" name="Espace réservé du pied de page 5"/>
-          <p:cNvSpPr>
-            <a:spLocks noGrp="1"/>
-          </p:cNvSpPr>
-          <p:nvPr>
-            <p:ph type="ftr" sz="quarter" idx="10"/>
-          </p:nvPr>
-        </p:nvSpPr>
-        <p:spPr/>
-        <p:txBody>
-          <a:bodyPr/>
-          <a:lstStyle/>
-          <a:p>
-            <a:endParaRPr lang="fr-FR"/>
-          </a:p>
-        </p:txBody>
-      </p:sp>
-    </p:spTree>
-    <p:extLst>
-      <p:ext uri="{BB962C8B-B14F-4D97-AF65-F5344CB8AC3E}">
-        <p14:creationId xmlns:p14="http://schemas.microsoft.com/office/powerpoint/2010/main" val="699135888"/>
-      </p:ext>
-    </p:extLst>
-  </p:cSld>
-  <p:clrMapOvr>
-    <a:masterClrMapping/>
-  </p:clrMapOvr>
-  <p:transition>
-    <p:wipe dir="d"/>
-  </p:transition>
-  <p:timing>
-    <p:tnLst>
-      <p:par>
-        <p:cTn id="1" dur="indefinite" restart="never" nodeType="tmRoot"/>
-      </p:par>
-    </p:tnLst>
-  </p:timing>
-</p:sld>
-</file>
-
-<file path=ppt/slides/slide11.xml><?xml version="1.0" encoding="utf-8"?>
-<p:sld xmlns:a="http://schemas.openxmlformats.org/drawingml/2006/main" xmlns:r="http://schemas.openxmlformats.org/officeDocument/2006/relationships" xmlns:p="http://schemas.openxmlformats.org/presentationml/2006/main">
-  <p:cSld>
-    <p:spTree>
-      <p:nvGrpSpPr>
-        <p:cNvPr id="1" name=""/>
-        <p:cNvGrpSpPr/>
-        <p:nvPr/>
-      </p:nvGrpSpPr>
-      <p:grpSpPr>
-        <a:xfrm>
-          <a:off x="0" y="0"/>
-          <a:ext cx="0" cy="0"/>
-          <a:chOff x="0" y="0"/>
-          <a:chExt cx="0" cy="0"/>
-        </a:xfrm>
-      </p:grpSpPr>
-      <p:cxnSp>
-        <p:nvCxnSpPr>
-          <p:cNvPr id="13" name="Connecteur droit 12"/>
-          <p:cNvCxnSpPr/>
-          <p:nvPr/>
-        </p:nvCxnSpPr>
-        <p:spPr>
-          <a:xfrm>
-            <a:off x="2032000" y="1714500"/>
-            <a:ext cx="0" cy="4533900"/>
-          </a:xfrm>
-          <a:prstGeom prst="line">
-            <a:avLst/>
-          </a:prstGeom>
-          <a:ln>
-            <a:solidFill>
-              <a:srgbClr val="B2B2B2"/>
-            </a:solidFill>
-          </a:ln>
-        </p:spPr>
-        <p:style>
-          <a:lnRef idx="1">
-            <a:schemeClr val="accent1"/>
-          </a:lnRef>
-          <a:fillRef idx="0">
-            <a:schemeClr val="accent1"/>
-          </a:fillRef>
-          <a:effectRef idx="0">
-            <a:schemeClr val="accent1"/>
-          </a:effectRef>
-          <a:fontRef idx="minor">
-            <a:schemeClr val="tx1"/>
-          </a:fontRef>
-        </p:style>
-      </p:cxnSp>
-      <p:sp>
-        <p:nvSpPr>
-          <p:cNvPr id="2" name="Titre 1"/>
-          <p:cNvSpPr>
-            <a:spLocks noGrp="1"/>
-          </p:cNvSpPr>
-          <p:nvPr>
-            <p:ph type="title"/>
-          </p:nvPr>
-        </p:nvSpPr>
-        <p:spPr/>
-        <p:txBody>
-          <a:bodyPr/>
-          <a:lstStyle/>
-          <a:p>
-            <a:r>
-              <a:rPr lang="en-GB" smtClean="0">
-                <a:latin typeface="Arial"/>
-              </a:rPr>
-              <a:t>Agenda</a:t>
-            </a:r>
-            <a:endParaRPr lang="en-GB">
-              <a:latin typeface="Arial"/>
-            </a:endParaRPr>
-          </a:p>
-        </p:txBody>
-      </p:sp>
-      <p:sp>
-        <p:nvSpPr>
-          <p:cNvPr id="3" name="ZoneTexte 2"/>
-          <p:cNvSpPr txBox="1"/>
-          <p:nvPr/>
-        </p:nvSpPr>
-        <p:spPr>
-          <a:xfrm>
-            <a:off x="2286000" y="1612900"/>
-            <a:ext cx="5224507" cy="424732"/>
-          </a:xfrm>
-          <a:prstGeom prst="rect">
-            <a:avLst/>
-          </a:prstGeom>
-          <a:noFill/>
-        </p:spPr>
-        <p:txBody>
-          <a:bodyPr vert="horz" wrap="none" rtlCol="0">
-            <a:spAutoFit/>
-          </a:bodyPr>
-          <a:lstStyle/>
-          <a:p>
-            <a:pPr>
-              <a:lnSpc>
-                <a:spcPct val="80000"/>
-              </a:lnSpc>
-            </a:pPr>
-            <a:r>
-              <a:rPr lang="en-GB" sz="2700" smtClean="0">
-                <a:solidFill>
-                  <a:srgbClr val="C0C0C0"/>
-                </a:solidFill>
-                <a:latin typeface="Arial"/>
-              </a:rPr>
-              <a:t>1. Presentation of the application</a:t>
-            </a:r>
-            <a:endParaRPr lang="en-GB" sz="2700">
-              <a:solidFill>
-                <a:srgbClr val="C0C0C0"/>
-              </a:solidFill>
-              <a:latin typeface="Arial"/>
-            </a:endParaRPr>
-          </a:p>
-        </p:txBody>
-      </p:sp>
-      <p:sp>
-        <p:nvSpPr>
-          <p:cNvPr id="4" name="ZoneTexte 3"/>
-          <p:cNvSpPr txBox="1"/>
-          <p:nvPr/>
-        </p:nvSpPr>
-        <p:spPr>
-          <a:xfrm>
-            <a:off x="2286000" y="2247900"/>
-            <a:ext cx="2082750" cy="424732"/>
-          </a:xfrm>
-          <a:prstGeom prst="rect">
-            <a:avLst/>
-          </a:prstGeom>
-          <a:noFill/>
-        </p:spPr>
-        <p:txBody>
-          <a:bodyPr vert="horz" wrap="none" rtlCol="0">
-            <a:spAutoFit/>
-          </a:bodyPr>
-          <a:lstStyle/>
-          <a:p>
-            <a:pPr>
-              <a:lnSpc>
-                <a:spcPct val="80000"/>
-              </a:lnSpc>
-            </a:pPr>
-            <a:r>
-              <a:rPr lang="en-GB" sz="2700" smtClean="0">
-                <a:solidFill>
-                  <a:srgbClr val="C0C0C0"/>
-                </a:solidFill>
-                <a:latin typeface="Arial"/>
-              </a:rPr>
-              <a:t>2. The world</a:t>
-            </a:r>
-            <a:endParaRPr lang="en-GB" sz="2700">
-              <a:solidFill>
-                <a:srgbClr val="C0C0C0"/>
-              </a:solidFill>
-              <a:latin typeface="Arial"/>
-            </a:endParaRPr>
-          </a:p>
-        </p:txBody>
-      </p:sp>
-      <p:sp>
-        <p:nvSpPr>
-          <p:cNvPr id="5" name="ZoneTexte 4"/>
-          <p:cNvSpPr txBox="1"/>
-          <p:nvPr/>
-        </p:nvSpPr>
-        <p:spPr>
-          <a:xfrm>
-            <a:off x="2286000" y="2882900"/>
-            <a:ext cx="2031325" cy="424732"/>
-          </a:xfrm>
-          <a:prstGeom prst="rect">
-            <a:avLst/>
-          </a:prstGeom>
-          <a:noFill/>
-        </p:spPr>
-        <p:txBody>
-          <a:bodyPr vert="horz" wrap="none" rtlCol="0">
-            <a:spAutoFit/>
-          </a:bodyPr>
-          <a:lstStyle/>
-          <a:p>
-            <a:pPr>
-              <a:lnSpc>
-                <a:spcPct val="80000"/>
-              </a:lnSpc>
-            </a:pPr>
-            <a:r>
-              <a:rPr lang="en-GB" sz="2700" smtClean="0">
-                <a:solidFill>
-                  <a:srgbClr val="C0C0C0"/>
-                </a:solidFill>
-                <a:latin typeface="Arial"/>
-              </a:rPr>
-              <a:t>3. Grammar</a:t>
-            </a:r>
-            <a:endParaRPr lang="en-GB" sz="2700">
-              <a:solidFill>
-                <a:srgbClr val="C0C0C0"/>
-              </a:solidFill>
-              <a:latin typeface="Arial"/>
-            </a:endParaRPr>
-          </a:p>
-        </p:txBody>
-      </p:sp>
-      <p:sp>
-        <p:nvSpPr>
-          <p:cNvPr id="6" name="ZoneTexte 5"/>
-          <p:cNvSpPr txBox="1"/>
-          <p:nvPr/>
-        </p:nvSpPr>
-        <p:spPr>
-          <a:xfrm>
-            <a:off x="2286000" y="3517900"/>
-            <a:ext cx="2165978" cy="424732"/>
-          </a:xfrm>
-          <a:prstGeom prst="rect">
-            <a:avLst/>
-          </a:prstGeom>
-          <a:noFill/>
-        </p:spPr>
-        <p:txBody>
-          <a:bodyPr vert="horz" wrap="none" rtlCol="0">
-            <a:spAutoFit/>
-          </a:bodyPr>
-          <a:lstStyle/>
-          <a:p>
-            <a:pPr>
-              <a:lnSpc>
-                <a:spcPct val="80000"/>
-              </a:lnSpc>
-            </a:pPr>
-            <a:r>
-              <a:rPr lang="en-GB" sz="2700" smtClean="0">
-                <a:solidFill>
-                  <a:srgbClr val="00477F"/>
-                </a:solidFill>
-                <a:latin typeface="Arial"/>
-              </a:rPr>
-              <a:t>4. Interpreter</a:t>
-            </a:r>
-            <a:endParaRPr lang="en-GB" sz="2700">
-              <a:solidFill>
-                <a:srgbClr val="00477F"/>
-              </a:solidFill>
-              <a:latin typeface="Arial"/>
-            </a:endParaRPr>
-          </a:p>
-        </p:txBody>
-      </p:sp>
-      <p:sp>
-        <p:nvSpPr>
-          <p:cNvPr id="7" name="ZoneTexte 6"/>
-          <p:cNvSpPr txBox="1"/>
-          <p:nvPr/>
-        </p:nvSpPr>
-        <p:spPr>
-          <a:xfrm>
-            <a:off x="1892300" y="3479800"/>
-            <a:ext cx="635000" cy="461665"/>
-          </a:xfrm>
-          <a:prstGeom prst="rect">
-            <a:avLst/>
-          </a:prstGeom>
-          <a:noFill/>
-        </p:spPr>
-        <p:txBody>
-          <a:bodyPr vert="horz" rtlCol="0">
-            <a:spAutoFit/>
-          </a:bodyPr>
-          <a:lstStyle/>
-          <a:p>
-            <a:r>
-              <a:rPr lang="en-GB" sz="2400" smtClean="0">
-                <a:solidFill>
-                  <a:srgbClr val="00477F"/>
-                </a:solidFill>
-                <a:latin typeface="Arial"/>
-                <a:cs typeface="Arial"/>
-              </a:rPr>
-              <a:t>►</a:t>
-            </a:r>
-            <a:endParaRPr lang="en-GB" sz="2400">
-              <a:solidFill>
-                <a:srgbClr val="00477F"/>
-              </a:solidFill>
-              <a:latin typeface="Arial"/>
-            </a:endParaRPr>
-          </a:p>
-        </p:txBody>
-      </p:sp>
-      <p:sp>
-        <p:nvSpPr>
-          <p:cNvPr id="8" name="ZoneTexte 7"/>
-          <p:cNvSpPr txBox="1"/>
-          <p:nvPr/>
-        </p:nvSpPr>
-        <p:spPr>
-          <a:xfrm>
-            <a:off x="2667000" y="3962400"/>
-            <a:ext cx="1763624" cy="276999"/>
-          </a:xfrm>
-          <a:prstGeom prst="rect">
-            <a:avLst/>
-          </a:prstGeom>
-          <a:noFill/>
-        </p:spPr>
-        <p:txBody>
-          <a:bodyPr vert="horz" wrap="none" rtlCol="0">
-            <a:spAutoFit/>
-          </a:bodyPr>
-          <a:lstStyle/>
-          <a:p>
-            <a:r>
-              <a:rPr lang="en-GB" sz="1200" i="1" smtClean="0">
-                <a:solidFill>
-                  <a:srgbClr val="C0C0C0"/>
-                </a:solidFill>
-                <a:latin typeface="Arial"/>
-              </a:rPr>
-              <a:t>4. 1 Interpretation rules</a:t>
-            </a:r>
-            <a:endParaRPr lang="en-GB" sz="1200" i="1">
-              <a:solidFill>
-                <a:srgbClr val="C0C0C0"/>
-              </a:solidFill>
-              <a:latin typeface="Arial"/>
-            </a:endParaRPr>
-          </a:p>
-        </p:txBody>
-      </p:sp>
-      <p:sp>
-        <p:nvSpPr>
-          <p:cNvPr id="9" name="ZoneTexte 8"/>
-          <p:cNvSpPr txBox="1"/>
-          <p:nvPr/>
-        </p:nvSpPr>
-        <p:spPr>
-          <a:xfrm>
-            <a:off x="2667000" y="4216400"/>
-            <a:ext cx="1226618" cy="276999"/>
-          </a:xfrm>
-          <a:prstGeom prst="rect">
-            <a:avLst/>
-          </a:prstGeom>
-          <a:noFill/>
-        </p:spPr>
-        <p:txBody>
-          <a:bodyPr vert="horz" wrap="none" rtlCol="0">
-            <a:spAutoFit/>
-          </a:bodyPr>
-          <a:lstStyle/>
-          <a:p>
-            <a:r>
-              <a:rPr lang="en-GB" sz="1200" i="1" smtClean="0">
-                <a:solidFill>
-                  <a:srgbClr val="00477F"/>
-                </a:solidFill>
-                <a:latin typeface="Arial"/>
-              </a:rPr>
-              <a:t>4. 2 Quantifiers</a:t>
-            </a:r>
-            <a:endParaRPr lang="en-GB" sz="1200" i="1">
-              <a:solidFill>
-                <a:srgbClr val="00477F"/>
-              </a:solidFill>
-              <a:latin typeface="Arial"/>
-            </a:endParaRPr>
-          </a:p>
-        </p:txBody>
-      </p:sp>
-      <p:sp>
-        <p:nvSpPr>
-          <p:cNvPr id="10" name="ZoneTexte 9"/>
-          <p:cNvSpPr txBox="1"/>
-          <p:nvPr/>
-        </p:nvSpPr>
-        <p:spPr>
-          <a:xfrm>
-            <a:off x="2286000" y="4660900"/>
-            <a:ext cx="1762021" cy="424732"/>
-          </a:xfrm>
-          <a:prstGeom prst="rect">
-            <a:avLst/>
-          </a:prstGeom>
-          <a:noFill/>
-        </p:spPr>
-        <p:txBody>
-          <a:bodyPr vert="horz" wrap="none" rtlCol="0">
-            <a:spAutoFit/>
-          </a:bodyPr>
-          <a:lstStyle/>
-          <a:p>
-            <a:pPr>
-              <a:lnSpc>
-                <a:spcPct val="80000"/>
-              </a:lnSpc>
-            </a:pPr>
-            <a:r>
-              <a:rPr lang="en-GB" sz="2700" smtClean="0">
-                <a:solidFill>
-                  <a:srgbClr val="C0C0C0"/>
-                </a:solidFill>
-                <a:latin typeface="Arial"/>
-              </a:rPr>
-              <a:t>5. Planner</a:t>
-            </a:r>
-            <a:endParaRPr lang="en-GB" sz="2700">
-              <a:solidFill>
-                <a:srgbClr val="C0C0C0"/>
-              </a:solidFill>
-              <a:latin typeface="Arial"/>
-            </a:endParaRPr>
-          </a:p>
-        </p:txBody>
-      </p:sp>
-      <p:sp>
-        <p:nvSpPr>
-          <p:cNvPr id="11" name="ZoneTexte 10"/>
-          <p:cNvSpPr txBox="1"/>
-          <p:nvPr/>
-        </p:nvSpPr>
-        <p:spPr>
-          <a:xfrm>
-            <a:off x="2286000" y="5295900"/>
-            <a:ext cx="3743461" cy="424732"/>
-          </a:xfrm>
-          <a:prstGeom prst="rect">
-            <a:avLst/>
-          </a:prstGeom>
-          <a:noFill/>
-        </p:spPr>
-        <p:txBody>
-          <a:bodyPr vert="horz" wrap="none" rtlCol="0">
-            <a:spAutoFit/>
-          </a:bodyPr>
-          <a:lstStyle/>
-          <a:p>
-            <a:pPr>
-              <a:lnSpc>
-                <a:spcPct val="80000"/>
-              </a:lnSpc>
-            </a:pPr>
-            <a:r>
-              <a:rPr lang="en-GB" sz="2700" smtClean="0">
-                <a:solidFill>
-                  <a:srgbClr val="C0C0C0"/>
-                </a:solidFill>
-                <a:latin typeface="Arial"/>
-              </a:rPr>
-              <a:t>6. Ambiguities handling</a:t>
-            </a:r>
-            <a:endParaRPr lang="en-GB" sz="2700">
-              <a:solidFill>
-                <a:srgbClr val="C0C0C0"/>
-              </a:solidFill>
-              <a:latin typeface="Arial"/>
-            </a:endParaRPr>
-          </a:p>
-        </p:txBody>
-      </p:sp>
-      <p:sp>
-        <p:nvSpPr>
-          <p:cNvPr id="12" name="ZoneTexte 11"/>
-          <p:cNvSpPr txBox="1"/>
-          <p:nvPr/>
-        </p:nvSpPr>
-        <p:spPr>
-          <a:xfrm>
-            <a:off x="2286000" y="5930900"/>
-            <a:ext cx="1608133" cy="424732"/>
-          </a:xfrm>
-          <a:prstGeom prst="rect">
-            <a:avLst/>
-          </a:prstGeom>
-          <a:noFill/>
-        </p:spPr>
-        <p:txBody>
-          <a:bodyPr vert="horz" wrap="none" rtlCol="0">
-            <a:spAutoFit/>
-          </a:bodyPr>
-          <a:lstStyle/>
-          <a:p>
-            <a:pPr>
-              <a:lnSpc>
-                <a:spcPct val="80000"/>
-              </a:lnSpc>
-            </a:pPr>
-            <a:r>
-              <a:rPr lang="en-GB" sz="2700" smtClean="0">
-                <a:solidFill>
-                  <a:srgbClr val="C0C0C0"/>
-                </a:solidFill>
-                <a:latin typeface="Arial"/>
-              </a:rPr>
-              <a:t>7. Output</a:t>
-            </a:r>
-            <a:endParaRPr lang="en-GB" sz="2700">
-              <a:solidFill>
-                <a:srgbClr val="C0C0C0"/>
-              </a:solidFill>
-              <a:latin typeface="Arial"/>
-            </a:endParaRPr>
-          </a:p>
-        </p:txBody>
-      </p:sp>
-      <p:sp>
-        <p:nvSpPr>
-          <p:cNvPr id="14" name="Espace réservé du pied de page 13"/>
-          <p:cNvSpPr>
-            <a:spLocks noGrp="1"/>
-          </p:cNvSpPr>
-          <p:nvPr>
-            <p:ph type="ftr" sz="quarter" idx="10"/>
-          </p:nvPr>
-        </p:nvSpPr>
-        <p:spPr/>
-        <p:txBody>
-          <a:bodyPr/>
-          <a:lstStyle/>
-          <a:p>
-            <a:endParaRPr lang="fr-FR"/>
-          </a:p>
-        </p:txBody>
-      </p:sp>
-    </p:spTree>
-    <p:custDataLst>
-      <p:tags r:id="rId1"/>
-    </p:custDataLst>
-    <p:extLst>
-      <p:ext uri="{BB962C8B-B14F-4D97-AF65-F5344CB8AC3E}">
-        <p14:creationId xmlns:p14="http://schemas.microsoft.com/office/powerpoint/2010/main" val="195894452"/>
-      </p:ext>
-    </p:extLst>
-  </p:cSld>
-  <p:clrMapOvr>
-    <a:masterClrMapping/>
-  </p:clrMapOvr>
-  <p:transition>
-    <p:wipe dir="d"/>
-  </p:transition>
-  <p:timing>
-    <p:tnLst>
-      <p:par>
-        <p:cTn id="1" dur="indefinite" restart="never" nodeType="tmRoot"/>
-      </p:par>
-    </p:tnLst>
-  </p:timing>
-</p:sld>
-</file>
-
-<file path=ppt/slides/slide12.xml><?xml version="1.0" encoding="utf-8"?>
-<p:sld xmlns:a="http://schemas.openxmlformats.org/drawingml/2006/main" xmlns:r="http://schemas.openxmlformats.org/officeDocument/2006/relationships" xmlns:p="http://schemas.openxmlformats.org/presentationml/2006/main">
-  <p:cSld>
-    <p:spTree>
-      <p:nvGrpSpPr>
-        <p:cNvPr id="1" name=""/>
-        <p:cNvGrpSpPr/>
-        <p:nvPr/>
-      </p:nvGrpSpPr>
-      <p:grpSpPr>
-        <a:xfrm>
-          <a:off x="0" y="0"/>
-          <a:ext cx="0" cy="0"/>
-          <a:chOff x="0" y="0"/>
-          <a:chExt cx="0" cy="0"/>
-        </a:xfrm>
-      </p:grpSpPr>
-      <p:sp>
-        <p:nvSpPr>
-          <p:cNvPr id="2" name="Title 1"/>
-          <p:cNvSpPr>
-            <a:spLocks noGrp="1"/>
-          </p:cNvSpPr>
-          <p:nvPr>
-            <p:ph type="title"/>
-          </p:nvPr>
-        </p:nvSpPr>
-        <p:spPr/>
-        <p:txBody>
           <a:bodyPr/>
           <a:lstStyle/>
           <a:p>
@@ -4088,7 +3325,7 @@
 </p:sld>
 </file>
 
-<file path=ppt/slides/slide13.xml><?xml version="1.0" encoding="utf-8"?>
+<file path=ppt/slides/slide11.xml><?xml version="1.0" encoding="utf-8"?>
 <p:sld xmlns:a="http://schemas.openxmlformats.org/drawingml/2006/main" xmlns:r="http://schemas.openxmlformats.org/officeDocument/2006/relationships" xmlns:p="http://schemas.openxmlformats.org/presentationml/2006/main">
   <p:cSld>
     <p:spTree>
@@ -4107,14 +3344,14 @@
       </p:grpSpPr>
       <p:cxnSp>
         <p:nvCxnSpPr>
-          <p:cNvPr id="11" name="Connecteur droit 10"/>
+          <p:cNvPr id="10" name="Connecteur droit 9"/>
           <p:cNvCxnSpPr/>
           <p:nvPr/>
         </p:nvCxnSpPr>
         <p:spPr>
           <a:xfrm>
-            <a:off x="2032000" y="1943100"/>
-            <a:ext cx="0" cy="4025900"/>
+            <a:off x="2667000" y="2133600"/>
+            <a:ext cx="0" cy="3390900"/>
           </a:xfrm>
           <a:prstGeom prst="line">
             <a:avLst/>
@@ -4175,7 +3412,7 @@
         </p:nvSpPr>
         <p:spPr>
           <a:xfrm>
-            <a:off x="2286000" y="1841500"/>
+            <a:off x="2921000" y="2032000"/>
             <a:ext cx="5224507" cy="424732"/>
           </a:xfrm>
           <a:prstGeom prst="rect">
@@ -4220,8 +3457,8 @@
         </p:nvSpPr>
         <p:spPr>
           <a:xfrm>
-            <a:off x="2286000" y="2476500"/>
-            <a:ext cx="2082750" cy="424732"/>
+            <a:off x="2921000" y="2667000"/>
+            <a:ext cx="2031325" cy="424732"/>
           </a:xfrm>
           <a:prstGeom prst="rect">
             <a:avLst/>
@@ -4246,7 +3483,7 @@
                 </a:solidFill>
                 <a:latin typeface="Arial"/>
               </a:rPr>
-              <a:t>2. The world</a:t>
+              <a:t>2. Grammar</a:t>
             </a:r>
             <a:endParaRPr lang="en-GB" sz="2700">
               <a:solidFill>
@@ -4265,8 +3502,8 @@
         </p:nvSpPr>
         <p:spPr>
           <a:xfrm>
-            <a:off x="2286000" y="3111500"/>
-            <a:ext cx="2031325" cy="424732"/>
+            <a:off x="2921000" y="3302000"/>
+            <a:ext cx="2165978" cy="424732"/>
           </a:xfrm>
           <a:prstGeom prst="rect">
             <a:avLst/>
@@ -4291,7 +3528,7 @@
                 </a:solidFill>
                 <a:latin typeface="Arial"/>
               </a:rPr>
-              <a:t>3. Grammar</a:t>
+              <a:t>3. Interpreter</a:t>
             </a:r>
             <a:endParaRPr lang="en-GB" sz="2700">
               <a:solidFill>
@@ -4310,8 +3547,8 @@
         </p:nvSpPr>
         <p:spPr>
           <a:xfrm>
-            <a:off x="2286000" y="3746500"/>
-            <a:ext cx="2165978" cy="424732"/>
+            <a:off x="2921000" y="3937000"/>
+            <a:ext cx="1762021" cy="424732"/>
           </a:xfrm>
           <a:prstGeom prst="rect">
             <a:avLst/>
@@ -4332,11 +3569,97 @@
             <a:r>
               <a:rPr lang="en-GB" sz="2700" smtClean="0">
                 <a:solidFill>
-                  <a:srgbClr val="C0C0C0"/>
+                  <a:srgbClr val="00477F"/>
                 </a:solidFill>
                 <a:latin typeface="Arial"/>
               </a:rPr>
-              <a:t>4. Interpreter</a:t>
+              <a:t>4. Planner</a:t>
+            </a:r>
+            <a:endParaRPr lang="en-GB" sz="2700">
+              <a:solidFill>
+                <a:srgbClr val="00477F"/>
+              </a:solidFill>
+              <a:latin typeface="Arial"/>
+            </a:endParaRPr>
+          </a:p>
+        </p:txBody>
+      </p:sp>
+      <p:sp>
+        <p:nvSpPr>
+          <p:cNvPr id="7" name="ZoneTexte 6"/>
+          <p:cNvSpPr txBox="1"/>
+          <p:nvPr/>
+        </p:nvSpPr>
+        <p:spPr>
+          <a:xfrm>
+            <a:off x="2527300" y="3898900"/>
+            <a:ext cx="635000" cy="461665"/>
+          </a:xfrm>
+          <a:prstGeom prst="rect">
+            <a:avLst/>
+          </a:prstGeom>
+          <a:noFill/>
+        </p:spPr>
+        <p:txBody>
+          <a:bodyPr vert="horz" rtlCol="0">
+            <a:spAutoFit/>
+          </a:bodyPr>
+          <a:lstStyle/>
+          <a:p>
+            <a:r>
+              <a:rPr lang="en-GB" sz="2400" smtClean="0">
+                <a:solidFill>
+                  <a:srgbClr val="00477F"/>
+                </a:solidFill>
+                <a:latin typeface="Arial"/>
+                <a:cs typeface="Arial"/>
+              </a:rPr>
+              <a:t>►</a:t>
+            </a:r>
+            <a:endParaRPr lang="en-GB" sz="2400">
+              <a:solidFill>
+                <a:srgbClr val="00477F"/>
+              </a:solidFill>
+              <a:latin typeface="Arial"/>
+            </a:endParaRPr>
+          </a:p>
+        </p:txBody>
+      </p:sp>
+      <p:sp>
+        <p:nvSpPr>
+          <p:cNvPr id="8" name="ZoneTexte 7"/>
+          <p:cNvSpPr txBox="1"/>
+          <p:nvPr/>
+        </p:nvSpPr>
+        <p:spPr>
+          <a:xfrm>
+            <a:off x="2921000" y="4572000"/>
+            <a:ext cx="3743461" cy="424732"/>
+          </a:xfrm>
+          <a:prstGeom prst="rect">
+            <a:avLst/>
+          </a:prstGeom>
+          <a:noFill/>
+        </p:spPr>
+        <p:txBody>
+          <a:bodyPr vert="horz" wrap="none" rtlCol="0">
+            <a:spAutoFit/>
+          </a:bodyPr>
+          <a:lstStyle/>
+          <a:p>
+            <a:pPr>
+              <a:lnSpc>
+                <a:spcPct val="80000"/>
+              </a:lnSpc>
+            </a:pPr>
+            <a:r>
+              <a:rPr lang="en-GB" sz="2700" smtClean="0">
+                <a:solidFill>
+                  <a:srgbClr val="C0C0C0"/>
+                </a:solidFill>
+                <a:latin typeface="Arial"/>
+              </a:rPr>
+              <a:t>5. Ambiguities handling</a:t>
             </a:r>
             <a:endParaRPr lang="en-GB" sz="2700">
               <a:solidFill>
@@ -4349,14 +3672,14 @@
       </p:sp>
       <p:sp>
         <p:nvSpPr>
-          <p:cNvPr id="7" name="ZoneTexte 6"/>
+          <p:cNvPr id="9" name="ZoneTexte 8"/>
           <p:cNvSpPr txBox="1"/>
           <p:nvPr/>
         </p:nvSpPr>
         <p:spPr>
           <a:xfrm>
-            <a:off x="2286000" y="4381500"/>
-            <a:ext cx="1762021" cy="424732"/>
+            <a:off x="2921000" y="5207000"/>
+            <a:ext cx="4147289" cy="424732"/>
           </a:xfrm>
           <a:prstGeom prst="rect">
             <a:avLst/>
@@ -4377,97 +3700,11 @@
             <a:r>
               <a:rPr lang="en-GB" sz="2700" smtClean="0">
                 <a:solidFill>
-                  <a:srgbClr val="00477F"/>
+                  <a:srgbClr val="C0C0C0"/>
                 </a:solidFill>
                 <a:latin typeface="Arial"/>
               </a:rPr>
-              <a:t>5. Planner</a:t>
-            </a:r>
-            <a:endParaRPr lang="en-GB" sz="2700">
-              <a:solidFill>
-                <a:srgbClr val="00477F"/>
-              </a:solidFill>
-              <a:latin typeface="Arial"/>
-            </a:endParaRPr>
-          </a:p>
-        </p:txBody>
-      </p:sp>
-      <p:sp>
-        <p:nvSpPr>
-          <p:cNvPr id="8" name="ZoneTexte 7"/>
-          <p:cNvSpPr txBox="1"/>
-          <p:nvPr/>
-        </p:nvSpPr>
-        <p:spPr>
-          <a:xfrm>
-            <a:off x="1892300" y="4343400"/>
-            <a:ext cx="635000" cy="461665"/>
-          </a:xfrm>
-          <a:prstGeom prst="rect">
-            <a:avLst/>
-          </a:prstGeom>
-          <a:noFill/>
-        </p:spPr>
-        <p:txBody>
-          <a:bodyPr vert="horz" rtlCol="0">
-            <a:spAutoFit/>
-          </a:bodyPr>
-          <a:lstStyle/>
-          <a:p>
-            <a:r>
-              <a:rPr lang="en-GB" sz="2400" smtClean="0">
-                <a:solidFill>
-                  <a:srgbClr val="00477F"/>
-                </a:solidFill>
-                <a:latin typeface="Arial"/>
-                <a:cs typeface="Arial"/>
-              </a:rPr>
-              <a:t>►</a:t>
-            </a:r>
-            <a:endParaRPr lang="en-GB" sz="2400">
-              <a:solidFill>
-                <a:srgbClr val="00477F"/>
-              </a:solidFill>
-              <a:latin typeface="Arial"/>
-            </a:endParaRPr>
-          </a:p>
-        </p:txBody>
-      </p:sp>
-      <p:sp>
-        <p:nvSpPr>
-          <p:cNvPr id="9" name="ZoneTexte 8"/>
-          <p:cNvSpPr txBox="1"/>
-          <p:nvPr/>
-        </p:nvSpPr>
-        <p:spPr>
-          <a:xfrm>
-            <a:off x="2286000" y="5016500"/>
-            <a:ext cx="3743461" cy="424732"/>
-          </a:xfrm>
-          <a:prstGeom prst="rect">
-            <a:avLst/>
-          </a:prstGeom>
-          <a:noFill/>
-        </p:spPr>
-        <p:txBody>
-          <a:bodyPr vert="horz" wrap="none" rtlCol="0">
-            <a:spAutoFit/>
-          </a:bodyPr>
-          <a:lstStyle/>
-          <a:p>
-            <a:pPr>
-              <a:lnSpc>
-                <a:spcPct val="80000"/>
-              </a:lnSpc>
-            </a:pPr>
-            <a:r>
-              <a:rPr lang="en-GB" sz="2700" smtClean="0">
-                <a:solidFill>
-                  <a:srgbClr val="C0C0C0"/>
-                </a:solidFill>
-                <a:latin typeface="Arial"/>
-              </a:rPr>
-              <a:t>6. Ambiguities handling</a:t>
+              <a:t>6. Possible improvements</a:t>
             </a:r>
             <a:endParaRPr lang="en-GB" sz="2700">
               <a:solidFill>
@@ -4478,54 +3715,475 @@
           </a:p>
         </p:txBody>
       </p:sp>
-      <p:sp>
-        <p:nvSpPr>
-          <p:cNvPr id="10" name="ZoneTexte 9"/>
-          <p:cNvSpPr txBox="1"/>
-          <p:nvPr/>
+    </p:spTree>
+    <p:custDataLst>
+      <p:tags r:id="rId1"/>
+    </p:custDataLst>
+    <p:extLst>
+      <p:ext uri="{BB962C8B-B14F-4D97-AF65-F5344CB8AC3E}">
+        <p14:creationId xmlns:p14="http://schemas.microsoft.com/office/powerpoint/2010/main" val="3530589458"/>
+      </p:ext>
+    </p:extLst>
+  </p:cSld>
+  <p:clrMapOvr>
+    <a:masterClrMapping/>
+  </p:clrMapOvr>
+  <p:transition>
+    <p:wipe dir="d"/>
+  </p:transition>
+</p:sld>
+</file>
+
+<file path=ppt/slides/slide12.xml><?xml version="1.0" encoding="utf-8"?>
+<p:sld xmlns:a="http://schemas.openxmlformats.org/drawingml/2006/main" xmlns:r="http://schemas.openxmlformats.org/officeDocument/2006/relationships" xmlns:p="http://schemas.openxmlformats.org/presentationml/2006/main">
+  <p:cSld>
+    <p:spTree>
+      <p:nvGrpSpPr>
+        <p:cNvPr id="1" name=""/>
+        <p:cNvGrpSpPr/>
+        <p:nvPr/>
+      </p:nvGrpSpPr>
+      <p:grpSpPr>
+        <a:xfrm>
+          <a:off x="0" y="0"/>
+          <a:ext cx="0" cy="0"/>
+          <a:chOff x="0" y="0"/>
+          <a:chExt cx="0" cy="0"/>
+        </a:xfrm>
+      </p:grpSpPr>
+      <p:sp>
+        <p:nvSpPr>
+          <p:cNvPr id="2" name="Title 1"/>
+          <p:cNvSpPr>
+            <a:spLocks noGrp="1"/>
+          </p:cNvSpPr>
+          <p:nvPr>
+            <p:ph type="title"/>
+          </p:nvPr>
+        </p:nvSpPr>
+        <p:spPr/>
+        <p:txBody>
+          <a:bodyPr/>
+          <a:lstStyle/>
+          <a:p>
+            <a:r>
+              <a:rPr lang="en-GB" dirty="0" smtClean="0"/>
+              <a:t>Planner</a:t>
+            </a:r>
+            <a:endParaRPr lang="en-GB" dirty="0"/>
+          </a:p>
+        </p:txBody>
+      </p:sp>
+      <p:sp>
+        <p:nvSpPr>
+          <p:cNvPr id="3" name="Content Placeholder 2"/>
+          <p:cNvSpPr>
+            <a:spLocks noGrp="1"/>
+          </p:cNvSpPr>
+          <p:nvPr>
+            <p:ph idx="1"/>
+          </p:nvPr>
         </p:nvSpPr>
         <p:spPr>
           <a:xfrm>
-            <a:off x="2286000" y="5651500"/>
-            <a:ext cx="1608133" cy="424732"/>
-          </a:xfrm>
-          <a:prstGeom prst="rect">
-            <a:avLst/>
-          </a:prstGeom>
-          <a:noFill/>
-        </p:spPr>
-        <p:txBody>
-          <a:bodyPr vert="horz" wrap="none" rtlCol="0">
+            <a:off x="457200" y="1052795"/>
+            <a:ext cx="8229600" cy="400110"/>
+          </a:xfrm>
+        </p:spPr>
+        <p:txBody>
+          <a:bodyPr vert="horz" wrap="square" lIns="91440" tIns="45720" rIns="91440" bIns="45720" rtlCol="0" anchor="ctr">
             <a:spAutoFit/>
           </a:bodyPr>
           <a:lstStyle/>
           <a:p>
-            <a:pPr>
-              <a:lnSpc>
-                <a:spcPct val="80000"/>
-              </a:lnSpc>
+            <a:r>
+              <a:rPr lang="en-GB" sz="2000" dirty="0" smtClean="0"/>
+              <a:t>The planner takes a query as an input and build </a:t>
+            </a:r>
+            <a:r>
+              <a:rPr lang="en-GB" sz="2000" b="1" dirty="0" smtClean="0">
+                <a:solidFill>
+                  <a:schemeClr val="tx2"/>
+                </a:solidFill>
+              </a:rPr>
+              <a:t>list of triplets</a:t>
+            </a:r>
+          </a:p>
+        </p:txBody>
+      </p:sp>
+      <p:pic>
+        <p:nvPicPr>
+          <p:cNvPr id="7170" name="Picture 2"/>
+          <p:cNvPicPr>
+            <a:picLocks noChangeAspect="1" noChangeArrowheads="1"/>
+          </p:cNvPicPr>
+          <p:nvPr/>
+        </p:nvPicPr>
+        <p:blipFill>
+          <a:blip r:embed="rId2" cstate="print"/>
+          <a:srcRect/>
+          <a:stretch>
+            <a:fillRect/>
+          </a:stretch>
+        </p:blipFill>
+        <p:spPr bwMode="auto">
+          <a:xfrm>
+            <a:off x="814388" y="1421212"/>
+            <a:ext cx="7515225" cy="1169588"/>
+          </a:xfrm>
+          <a:prstGeom prst="rect">
+            <a:avLst/>
+          </a:prstGeom>
+          <a:noFill/>
+          <a:ln w="9525">
+            <a:noFill/>
+            <a:miter lim="800000"/>
+            <a:headEnd/>
+            <a:tailEnd/>
+          </a:ln>
+        </p:spPr>
+      </p:pic>
+      <p:sp>
+        <p:nvSpPr>
+          <p:cNvPr id="26" name="Content Placeholder 2"/>
+          <p:cNvSpPr txBox="1">
+            <a:spLocks/>
+          </p:cNvSpPr>
+          <p:nvPr/>
+        </p:nvSpPr>
+        <p:spPr>
+          <a:xfrm>
+            <a:off x="457200" y="2730942"/>
+            <a:ext cx="8229600" cy="4053417"/>
+          </a:xfrm>
+          <a:prstGeom prst="rect">
+            <a:avLst/>
+          </a:prstGeom>
+          <a:noFill/>
+          <a:ln>
+            <a:noFill/>
+          </a:ln>
+          <a:effectLst/>
+          <a:extLst>
+            <a:ext uri="{909E8E84-426E-40DD-AFC4-6F175D3DCCD1}">
+              <a14:hiddenFill xmlns:a14="http://schemas.microsoft.com/office/drawing/2010/main">
+                <a:solidFill>
+                  <a:srgbClr val="C0C0C0"/>
+                </a:solidFill>
+              </a14:hiddenFill>
+            </a:ext>
+            <a:ext uri="{91240B29-F687-4F45-9708-019B960494DF}">
+              <a14:hiddenLine xmlns:a14="http://schemas.microsoft.com/office/drawing/2010/main" w="9525">
+                <a:solidFill>
+                  <a:srgbClr val="5F5F5F"/>
+                </a:solidFill>
+                <a:miter lim="800000"/>
+                <a:headEnd/>
+                <a:tailEnd/>
+              </a14:hiddenLine>
+            </a:ext>
+            <a:ext uri="{AF507438-7753-43E0-B8FC-AC1667EBCBE1}">
+              <a14:hiddenEffects xmlns:a14="http://schemas.microsoft.com/office/drawing/2010/main">
+                <a:effectLst>
+                  <a:outerShdw dist="35921" dir="2700000" algn="ctr" rotWithShape="0">
+                    <a:schemeClr val="bg2"/>
+                  </a:outerShdw>
+                </a:effectLst>
+              </a14:hiddenEffects>
+            </a:ext>
+          </a:extLst>
+        </p:spPr>
+        <p:txBody>
+          <a:bodyPr vert="horz" wrap="square" lIns="91440" tIns="45720" rIns="91440" bIns="45720" numCol="1" rtlCol="0" anchor="ctr" anchorCtr="0" compatLnSpc="1">
+            <a:prstTxWarp prst="textNoShape">
+              <a:avLst/>
+            </a:prstTxWarp>
+            <a:spAutoFit/>
+          </a:bodyPr>
+          <a:lstStyle>
+            <a:lvl1pPr marL="274638" indent="-274638" fontAlgn="base">
+              <a:spcBef>
+                <a:spcPct val="50000"/>
+              </a:spcBef>
+              <a:spcAft>
+                <a:spcPct val="0"/>
+              </a:spcAft>
+              <a:buClr>
+                <a:srgbClr val="004780"/>
+              </a:buClr>
+              <a:buFont typeface="Wingdings" pitchFamily="2" charset="2"/>
+              <a:buChar char="§"/>
+              <a:defRPr kumimoji="1" sz="2000">
+                <a:solidFill>
+                  <a:srgbClr val="5F5F5F"/>
+                </a:solidFill>
+              </a:defRPr>
+            </a:lvl1pPr>
+            <a:lvl2pPr marL="722313" indent="-268288" fontAlgn="base">
+              <a:spcBef>
+                <a:spcPct val="20000"/>
+              </a:spcBef>
+              <a:spcAft>
+                <a:spcPct val="0"/>
+              </a:spcAft>
+              <a:buClr>
+                <a:srgbClr val="004780"/>
+              </a:buClr>
+              <a:buSzPct val="65000"/>
+              <a:buFont typeface="Webdings" pitchFamily="18" charset="2"/>
+              <a:buChar char="4"/>
+              <a:defRPr kumimoji="1" sz="2000">
+                <a:solidFill>
+                  <a:srgbClr val="5F5F5F"/>
+                </a:solidFill>
+              </a:defRPr>
+            </a:lvl2pPr>
+            <a:lvl3pPr marL="1081088" indent="-179388" fontAlgn="base">
+              <a:spcBef>
+                <a:spcPct val="20000"/>
+              </a:spcBef>
+              <a:spcAft>
+                <a:spcPct val="0"/>
+              </a:spcAft>
+              <a:buClr>
+                <a:srgbClr val="004780"/>
+              </a:buClr>
+              <a:buSzPct val="50000"/>
+              <a:buFont typeface="Webdings" pitchFamily="18" charset="2"/>
+              <a:buChar char="="/>
+              <a:defRPr kumimoji="1" sz="1300">
+                <a:solidFill>
+                  <a:srgbClr val="5F5F5F"/>
+                </a:solidFill>
+              </a:defRPr>
+            </a:lvl3pPr>
+            <a:lvl4pPr marL="1344613" indent="-84138" fontAlgn="base">
+              <a:spcBef>
+                <a:spcPct val="20000"/>
+              </a:spcBef>
+              <a:spcAft>
+                <a:spcPct val="0"/>
+              </a:spcAft>
+              <a:buClr>
+                <a:srgbClr val="004780"/>
+              </a:buClr>
+              <a:buSzPct val="80000"/>
+              <a:buFont typeface="Microsoft Sans Serif" pitchFamily="34" charset="0"/>
+              <a:buChar char="-"/>
+              <a:defRPr kumimoji="1" sz="1000">
+                <a:solidFill>
+                  <a:srgbClr val="5F5F5F"/>
+                </a:solidFill>
+              </a:defRPr>
+            </a:lvl4pPr>
+            <a:lvl5pPr marL="1609725" indent="-85725" fontAlgn="base">
+              <a:spcBef>
+                <a:spcPct val="20000"/>
+              </a:spcBef>
+              <a:spcAft>
+                <a:spcPct val="0"/>
+              </a:spcAft>
+              <a:buClr>
+                <a:srgbClr val="004780"/>
+              </a:buClr>
+              <a:buSzPct val="80000"/>
+              <a:buChar char="•"/>
+              <a:defRPr kumimoji="1" sz="800">
+                <a:solidFill>
+                  <a:srgbClr val="5F5F5F"/>
+                </a:solidFill>
+              </a:defRPr>
+            </a:lvl5pPr>
+            <a:lvl6pPr marL="2066925" indent="-85725" fontAlgn="base">
+              <a:spcBef>
+                <a:spcPct val="20000"/>
+              </a:spcBef>
+              <a:spcAft>
+                <a:spcPct val="0"/>
+              </a:spcAft>
+              <a:buClr>
+                <a:srgbClr val="004780"/>
+              </a:buClr>
+              <a:buSzPct val="80000"/>
+              <a:buChar char="•"/>
+              <a:defRPr kumimoji="1" sz="800">
+                <a:solidFill>
+                  <a:srgbClr val="5F5F5F"/>
+                </a:solidFill>
+              </a:defRPr>
+            </a:lvl6pPr>
+            <a:lvl7pPr marL="2524125" indent="-85725" fontAlgn="base">
+              <a:spcBef>
+                <a:spcPct val="20000"/>
+              </a:spcBef>
+              <a:spcAft>
+                <a:spcPct val="0"/>
+              </a:spcAft>
+              <a:buClr>
+                <a:srgbClr val="004780"/>
+              </a:buClr>
+              <a:buSzPct val="80000"/>
+              <a:buChar char="•"/>
+              <a:defRPr kumimoji="1" sz="800">
+                <a:solidFill>
+                  <a:srgbClr val="5F5F5F"/>
+                </a:solidFill>
+              </a:defRPr>
+            </a:lvl7pPr>
+            <a:lvl8pPr marL="2981325" indent="-85725" fontAlgn="base">
+              <a:spcBef>
+                <a:spcPct val="20000"/>
+              </a:spcBef>
+              <a:spcAft>
+                <a:spcPct val="0"/>
+              </a:spcAft>
+              <a:buClr>
+                <a:srgbClr val="004780"/>
+              </a:buClr>
+              <a:buSzPct val="80000"/>
+              <a:buChar char="•"/>
+              <a:defRPr kumimoji="1" sz="800">
+                <a:solidFill>
+                  <a:srgbClr val="5F5F5F"/>
+                </a:solidFill>
+              </a:defRPr>
+            </a:lvl8pPr>
+            <a:lvl9pPr marL="3438525" indent="-85725" fontAlgn="base">
+              <a:spcBef>
+                <a:spcPct val="20000"/>
+              </a:spcBef>
+              <a:spcAft>
+                <a:spcPct val="0"/>
+              </a:spcAft>
+              <a:buClr>
+                <a:srgbClr val="004780"/>
+              </a:buClr>
+              <a:buSzPct val="80000"/>
+              <a:buChar char="•"/>
+              <a:defRPr kumimoji="1" sz="800">
+                <a:solidFill>
+                  <a:srgbClr val="5F5F5F"/>
+                </a:solidFill>
+              </a:defRPr>
+            </a:lvl9pPr>
+          </a:lstStyle>
+          <a:p>
+            <a:r>
+              <a:rPr lang="en-GB" dirty="0"/>
+              <a:t>Here is an example for a complex case:</a:t>
+            </a:r>
+          </a:p>
+          <a:p>
+            <a:pPr marL="538163" lvl="3" indent="-274638">
+              <a:spcBef>
+                <a:spcPct val="50000"/>
+              </a:spcBef>
+              <a:buSzPct val="100000"/>
+              <a:buFont typeface="Wingdings" pitchFamily="2" charset="2"/>
+              <a:buChar char="§"/>
             </a:pPr>
             <a:r>
-              <a:rPr lang="en-GB" sz="2700" smtClean="0">
-                <a:solidFill>
-                  <a:srgbClr val="C0C0C0"/>
-                </a:solidFill>
-                <a:latin typeface="Arial"/>
-              </a:rPr>
-              <a:t>7. Output</a:t>
-            </a:r>
-            <a:endParaRPr lang="en-GB" sz="2700">
-              <a:solidFill>
-                <a:srgbClr val="C0C0C0"/>
-              </a:solidFill>
-              <a:latin typeface="Arial"/>
-            </a:endParaRPr>
-          </a:p>
-        </p:txBody>
-      </p:sp>
-      <p:sp>
-        <p:nvSpPr>
-          <p:cNvPr id="12" name="Espace réservé du pied de page 11"/>
+              <a:rPr lang="en-US" sz="1700" i="1" dirty="0" smtClean="0"/>
+              <a:t>“Move the black ball in the red box”. </a:t>
+            </a:r>
+          </a:p>
+          <a:p>
+            <a:pPr lvl="2"/>
+            <a:endParaRPr lang="en-GB" sz="1600" dirty="0"/>
+          </a:p>
+          <a:p>
+            <a:pPr lvl="2"/>
+            <a:endParaRPr lang="en-GB" sz="1600" dirty="0"/>
+          </a:p>
+          <a:p>
+            <a:pPr lvl="2"/>
+            <a:endParaRPr lang="en-GB" sz="1600" dirty="0"/>
+          </a:p>
+          <a:p>
+            <a:pPr lvl="2"/>
+            <a:endParaRPr lang="en-GB" sz="1600" dirty="0"/>
+          </a:p>
+          <a:p>
+            <a:pPr lvl="2"/>
+            <a:endParaRPr lang="en-GB" sz="1600" dirty="0"/>
+          </a:p>
+          <a:p>
+            <a:pPr lvl="2"/>
+            <a:endParaRPr lang="en-GB" sz="1600" dirty="0"/>
+          </a:p>
+          <a:p>
+            <a:pPr lvl="2"/>
+            <a:endParaRPr lang="en-GB" sz="1600" dirty="0"/>
+          </a:p>
+          <a:p>
+            <a:pPr marL="274638" lvl="2" indent="-274638">
+              <a:spcBef>
+                <a:spcPct val="50000"/>
+              </a:spcBef>
+              <a:buSzTx/>
+              <a:buFont typeface="Wingdings" pitchFamily="2" charset="2"/>
+              <a:buChar char="§"/>
+            </a:pPr>
+            <a:r>
+              <a:rPr lang="en-US" sz="2000" dirty="0" smtClean="0"/>
+              <a:t>And the output of the planner is:</a:t>
+            </a:r>
+          </a:p>
+          <a:p>
+            <a:pPr marL="538163" lvl="3" indent="-274638">
+              <a:spcBef>
+                <a:spcPct val="50000"/>
+              </a:spcBef>
+              <a:buSzTx/>
+              <a:buFont typeface="Wingdings" pitchFamily="2" charset="2"/>
+              <a:buChar char="§"/>
+            </a:pPr>
+            <a:r>
+              <a:rPr lang="en-US" sz="1700" i="1" dirty="0" smtClean="0"/>
+              <a:t>“Plan: pick,2 drop,1”  where 2 is the position of the black ball (Stack 2) and 1 the position of the red box (Stack 1)</a:t>
+            </a:r>
+            <a:r>
+              <a:rPr lang="en-GB" sz="2200" i="1" dirty="0"/>
+              <a:t> </a:t>
+            </a:r>
+          </a:p>
+        </p:txBody>
+      </p:sp>
+      <p:pic>
+        <p:nvPicPr>
+          <p:cNvPr id="7171" name="Picture 3"/>
+          <p:cNvPicPr>
+            <a:picLocks noChangeAspect="1" noChangeArrowheads="1"/>
+          </p:cNvPicPr>
+          <p:nvPr/>
+        </p:nvPicPr>
+        <p:blipFill>
+          <a:blip r:embed="rId3" cstate="print"/>
+          <a:srcRect/>
+          <a:stretch>
+            <a:fillRect/>
+          </a:stretch>
+        </p:blipFill>
+        <p:spPr bwMode="auto">
+          <a:xfrm>
+            <a:off x="1604097" y="3505200"/>
+            <a:ext cx="5935806" cy="2252705"/>
+          </a:xfrm>
+          <a:prstGeom prst="rect">
+            <a:avLst/>
+          </a:prstGeom>
+          <a:noFill/>
+          <a:ln w="9525">
+            <a:noFill/>
+            <a:miter lim="800000"/>
+            <a:headEnd/>
+            <a:tailEnd/>
+          </a:ln>
+        </p:spPr>
+      </p:pic>
+      <p:sp>
+        <p:nvSpPr>
+          <p:cNvPr id="5" name="Espace réservé du pied de page 4"/>
           <p:cNvSpPr>
             <a:spLocks noGrp="1"/>
           </p:cNvSpPr>
@@ -4543,12 +4201,179 @@
         </p:txBody>
       </p:sp>
     </p:spTree>
-    <p:custDataLst>
-      <p:tags r:id="rId1"/>
-    </p:custDataLst>
     <p:extLst>
       <p:ext uri="{BB962C8B-B14F-4D97-AF65-F5344CB8AC3E}">
-        <p14:creationId xmlns:p14="http://schemas.microsoft.com/office/powerpoint/2010/main" val="2855133909"/>
+        <p14:creationId xmlns:p14="http://schemas.microsoft.com/office/powerpoint/2010/main" val="464845552"/>
+      </p:ext>
+    </p:extLst>
+  </p:cSld>
+  <p:clrMapOvr>
+    <a:masterClrMapping/>
+  </p:clrMapOvr>
+  <p:transition>
+    <p:wipe dir="d"/>
+  </p:transition>
+  <p:timing>
+    <p:tnLst>
+      <p:par>
+        <p:cTn id="1" dur="indefinite" restart="never" nodeType="tmRoot"/>
+      </p:par>
+    </p:tnLst>
+  </p:timing>
+</p:sld>
+</file>
+
+<file path=ppt/slides/slide13.xml><?xml version="1.0" encoding="utf-8"?>
+<p:sld xmlns:a="http://schemas.openxmlformats.org/drawingml/2006/main" xmlns:r="http://schemas.openxmlformats.org/officeDocument/2006/relationships" xmlns:p="http://schemas.openxmlformats.org/presentationml/2006/main">
+  <p:cSld>
+    <p:spTree>
+      <p:nvGrpSpPr>
+        <p:cNvPr id="1" name=""/>
+        <p:cNvGrpSpPr/>
+        <p:nvPr/>
+      </p:nvGrpSpPr>
+      <p:grpSpPr>
+        <a:xfrm>
+          <a:off x="0" y="0"/>
+          <a:ext cx="0" cy="0"/>
+          <a:chOff x="0" y="0"/>
+          <a:chExt cx="0" cy="0"/>
+        </a:xfrm>
+      </p:grpSpPr>
+      <p:sp>
+        <p:nvSpPr>
+          <p:cNvPr id="4" name="Title 1"/>
+          <p:cNvSpPr>
+            <a:spLocks noGrp="1"/>
+          </p:cNvSpPr>
+          <p:nvPr>
+            <p:ph type="title"/>
+          </p:nvPr>
+        </p:nvSpPr>
+        <p:spPr/>
+        <p:txBody>
+          <a:bodyPr/>
+          <a:lstStyle/>
+          <a:p>
+            <a:r>
+              <a:rPr lang="en-GB" dirty="0" smtClean="0"/>
+              <a:t>Planner - Heuristic</a:t>
+            </a:r>
+            <a:endParaRPr lang="en-GB" dirty="0"/>
+          </a:p>
+        </p:txBody>
+      </p:sp>
+      <p:sp>
+        <p:nvSpPr>
+          <p:cNvPr id="7" name="Content Placeholder 2"/>
+          <p:cNvSpPr>
+            <a:spLocks noGrp="1"/>
+          </p:cNvSpPr>
+          <p:nvPr>
+            <p:ph idx="1"/>
+          </p:nvPr>
+        </p:nvSpPr>
+        <p:spPr>
+          <a:xfrm>
+            <a:off x="457200" y="1171545"/>
+            <a:ext cx="8229600" cy="1169551"/>
+          </a:xfrm>
+        </p:spPr>
+        <p:txBody>
+          <a:bodyPr vert="horz" wrap="square" lIns="91440" tIns="45720" rIns="91440" bIns="45720" rtlCol="0" anchor="ctr">
+            <a:spAutoFit/>
+          </a:bodyPr>
+          <a:lstStyle/>
+          <a:p>
+            <a:r>
+              <a:rPr lang="en-GB" sz="2000" dirty="0" smtClean="0"/>
+              <a:t>The heuristic allows the robot to handle complex cases in a </a:t>
+            </a:r>
+            <a:r>
+              <a:rPr lang="en-GB" sz="2000" b="1" dirty="0" smtClean="0">
+                <a:solidFill>
+                  <a:schemeClr val="tx2"/>
+                </a:solidFill>
+              </a:rPr>
+              <a:t>smarter</a:t>
+            </a:r>
+            <a:r>
+              <a:rPr lang="en-GB" sz="2000" dirty="0" smtClean="0"/>
+              <a:t> way</a:t>
+            </a:r>
+          </a:p>
+          <a:p>
+            <a:r>
+              <a:rPr lang="en-GB" sz="2000" dirty="0" smtClean="0"/>
+              <a:t>For example, in case of a </a:t>
+            </a:r>
+            <a:r>
+              <a:rPr lang="en-GB" sz="2000" i="1" dirty="0" smtClean="0"/>
+              <a:t>move left </a:t>
+            </a:r>
+            <a:r>
+              <a:rPr lang="en-GB" sz="2000" dirty="0" smtClean="0"/>
+              <a:t>query:</a:t>
+            </a:r>
+            <a:endParaRPr lang="en-GB" sz="2000" dirty="0"/>
+          </a:p>
+        </p:txBody>
+      </p:sp>
+      <p:pic>
+        <p:nvPicPr>
+          <p:cNvPr id="8194" name="Picture 2"/>
+          <p:cNvPicPr>
+            <a:picLocks noChangeAspect="1" noChangeArrowheads="1"/>
+          </p:cNvPicPr>
+          <p:nvPr/>
+        </p:nvPicPr>
+        <p:blipFill>
+          <a:blip r:embed="rId2" cstate="print"/>
+          <a:srcRect/>
+          <a:stretch>
+            <a:fillRect/>
+          </a:stretch>
+        </p:blipFill>
+        <p:spPr bwMode="auto">
+          <a:xfrm>
+            <a:off x="904141" y="2321500"/>
+            <a:ext cx="7335718" cy="4314825"/>
+          </a:xfrm>
+          <a:prstGeom prst="rect">
+            <a:avLst/>
+          </a:prstGeom>
+          <a:noFill/>
+          <a:ln w="9525">
+            <a:noFill/>
+            <a:miter lim="800000"/>
+            <a:headEnd/>
+            <a:tailEnd/>
+          </a:ln>
+        </p:spPr>
+      </p:pic>
+      <p:sp>
+        <p:nvSpPr>
+          <p:cNvPr id="3" name="Espace réservé du pied de page 2"/>
+          <p:cNvSpPr>
+            <a:spLocks noGrp="1"/>
+          </p:cNvSpPr>
+          <p:nvPr>
+            <p:ph type="ftr" sz="quarter" idx="10"/>
+          </p:nvPr>
+        </p:nvSpPr>
+        <p:spPr/>
+        <p:txBody>
+          <a:bodyPr/>
+          <a:lstStyle/>
+          <a:p>
+            <a:endParaRPr lang="fr-FR"/>
+          </a:p>
+        </p:txBody>
+      </p:sp>
+    </p:spTree>
+    <p:extLst>
+      <p:ext uri="{BB962C8B-B14F-4D97-AF65-F5344CB8AC3E}">
+        <p14:creationId xmlns:p14="http://schemas.microsoft.com/office/powerpoint/2010/main" val="92392103"/>
       </p:ext>
     </p:extLst>
   </p:cSld>
@@ -4585,6 +4410,415 @@
           <a:chExt cx="0" cy="0"/>
         </a:xfrm>
       </p:grpSpPr>
+      <p:cxnSp>
+        <p:nvCxnSpPr>
+          <p:cNvPr id="10" name="Connecteur droit 9"/>
+          <p:cNvCxnSpPr/>
+          <p:nvPr/>
+        </p:nvCxnSpPr>
+        <p:spPr>
+          <a:xfrm>
+            <a:off x="2667000" y="2133600"/>
+            <a:ext cx="0" cy="3390900"/>
+          </a:xfrm>
+          <a:prstGeom prst="line">
+            <a:avLst/>
+          </a:prstGeom>
+          <a:ln>
+            <a:solidFill>
+              <a:srgbClr val="B2B2B2"/>
+            </a:solidFill>
+          </a:ln>
+        </p:spPr>
+        <p:style>
+          <a:lnRef idx="1">
+            <a:schemeClr val="accent1"/>
+          </a:lnRef>
+          <a:fillRef idx="0">
+            <a:schemeClr val="accent1"/>
+          </a:fillRef>
+          <a:effectRef idx="0">
+            <a:schemeClr val="accent1"/>
+          </a:effectRef>
+          <a:fontRef idx="minor">
+            <a:schemeClr val="tx1"/>
+          </a:fontRef>
+        </p:style>
+      </p:cxnSp>
+      <p:sp>
+        <p:nvSpPr>
+          <p:cNvPr id="2" name="Titre 1"/>
+          <p:cNvSpPr>
+            <a:spLocks noGrp="1"/>
+          </p:cNvSpPr>
+          <p:nvPr>
+            <p:ph type="title"/>
+          </p:nvPr>
+        </p:nvSpPr>
+        <p:spPr/>
+        <p:txBody>
+          <a:bodyPr/>
+          <a:lstStyle/>
+          <a:p>
+            <a:r>
+              <a:rPr lang="en-GB" smtClean="0">
+                <a:latin typeface="Arial"/>
+              </a:rPr>
+              <a:t>Agenda</a:t>
+            </a:r>
+            <a:endParaRPr lang="en-GB">
+              <a:latin typeface="Arial"/>
+            </a:endParaRPr>
+          </a:p>
+        </p:txBody>
+      </p:sp>
+      <p:sp>
+        <p:nvSpPr>
+          <p:cNvPr id="3" name="ZoneTexte 2"/>
+          <p:cNvSpPr txBox="1"/>
+          <p:nvPr/>
+        </p:nvSpPr>
+        <p:spPr>
+          <a:xfrm>
+            <a:off x="2921000" y="2032000"/>
+            <a:ext cx="5224507" cy="424732"/>
+          </a:xfrm>
+          <a:prstGeom prst="rect">
+            <a:avLst/>
+          </a:prstGeom>
+          <a:noFill/>
+        </p:spPr>
+        <p:txBody>
+          <a:bodyPr vert="horz" wrap="none" rtlCol="0">
+            <a:spAutoFit/>
+          </a:bodyPr>
+          <a:lstStyle/>
+          <a:p>
+            <a:pPr>
+              <a:lnSpc>
+                <a:spcPct val="80000"/>
+              </a:lnSpc>
+            </a:pPr>
+            <a:r>
+              <a:rPr lang="en-GB" sz="2700" smtClean="0">
+                <a:solidFill>
+                  <a:srgbClr val="C0C0C0"/>
+                </a:solidFill>
+                <a:latin typeface="Arial"/>
+              </a:rPr>
+              <a:t>1. Presentation of the application</a:t>
+            </a:r>
+            <a:endParaRPr lang="en-GB" sz="2700">
+              <a:solidFill>
+                <a:srgbClr val="C0C0C0"/>
+              </a:solidFill>
+              <a:latin typeface="Arial"/>
+            </a:endParaRPr>
+          </a:p>
+        </p:txBody>
+      </p:sp>
+      <p:sp>
+        <p:nvSpPr>
+          <p:cNvPr id="4" name="ZoneTexte 3"/>
+          <p:cNvSpPr txBox="1"/>
+          <p:nvPr/>
+        </p:nvSpPr>
+        <p:spPr>
+          <a:xfrm>
+            <a:off x="2921000" y="2667000"/>
+            <a:ext cx="2031325" cy="424732"/>
+          </a:xfrm>
+          <a:prstGeom prst="rect">
+            <a:avLst/>
+          </a:prstGeom>
+          <a:noFill/>
+        </p:spPr>
+        <p:txBody>
+          <a:bodyPr vert="horz" wrap="none" rtlCol="0">
+            <a:spAutoFit/>
+          </a:bodyPr>
+          <a:lstStyle/>
+          <a:p>
+            <a:pPr>
+              <a:lnSpc>
+                <a:spcPct val="80000"/>
+              </a:lnSpc>
+            </a:pPr>
+            <a:r>
+              <a:rPr lang="en-GB" sz="2700" smtClean="0">
+                <a:solidFill>
+                  <a:srgbClr val="C0C0C0"/>
+                </a:solidFill>
+                <a:latin typeface="Arial"/>
+              </a:rPr>
+              <a:t>2. Grammar</a:t>
+            </a:r>
+            <a:endParaRPr lang="en-GB" sz="2700">
+              <a:solidFill>
+                <a:srgbClr val="C0C0C0"/>
+              </a:solidFill>
+              <a:latin typeface="Arial"/>
+            </a:endParaRPr>
+          </a:p>
+        </p:txBody>
+      </p:sp>
+      <p:sp>
+        <p:nvSpPr>
+          <p:cNvPr id="5" name="ZoneTexte 4"/>
+          <p:cNvSpPr txBox="1"/>
+          <p:nvPr/>
+        </p:nvSpPr>
+        <p:spPr>
+          <a:xfrm>
+            <a:off x="2921000" y="3302000"/>
+            <a:ext cx="2165978" cy="424732"/>
+          </a:xfrm>
+          <a:prstGeom prst="rect">
+            <a:avLst/>
+          </a:prstGeom>
+          <a:noFill/>
+        </p:spPr>
+        <p:txBody>
+          <a:bodyPr vert="horz" wrap="none" rtlCol="0">
+            <a:spAutoFit/>
+          </a:bodyPr>
+          <a:lstStyle/>
+          <a:p>
+            <a:pPr>
+              <a:lnSpc>
+                <a:spcPct val="80000"/>
+              </a:lnSpc>
+            </a:pPr>
+            <a:r>
+              <a:rPr lang="en-GB" sz="2700" smtClean="0">
+                <a:solidFill>
+                  <a:srgbClr val="C0C0C0"/>
+                </a:solidFill>
+                <a:latin typeface="Arial"/>
+              </a:rPr>
+              <a:t>3. Interpreter</a:t>
+            </a:r>
+            <a:endParaRPr lang="en-GB" sz="2700">
+              <a:solidFill>
+                <a:srgbClr val="C0C0C0"/>
+              </a:solidFill>
+              <a:latin typeface="Arial"/>
+            </a:endParaRPr>
+          </a:p>
+        </p:txBody>
+      </p:sp>
+      <p:sp>
+        <p:nvSpPr>
+          <p:cNvPr id="6" name="ZoneTexte 5"/>
+          <p:cNvSpPr txBox="1"/>
+          <p:nvPr/>
+        </p:nvSpPr>
+        <p:spPr>
+          <a:xfrm>
+            <a:off x="2921000" y="3937000"/>
+            <a:ext cx="1762021" cy="424732"/>
+          </a:xfrm>
+          <a:prstGeom prst="rect">
+            <a:avLst/>
+          </a:prstGeom>
+          <a:noFill/>
+        </p:spPr>
+        <p:txBody>
+          <a:bodyPr vert="horz" wrap="none" rtlCol="0">
+            <a:spAutoFit/>
+          </a:bodyPr>
+          <a:lstStyle/>
+          <a:p>
+            <a:pPr>
+              <a:lnSpc>
+                <a:spcPct val="80000"/>
+              </a:lnSpc>
+            </a:pPr>
+            <a:r>
+              <a:rPr lang="en-GB" sz="2700" smtClean="0">
+                <a:solidFill>
+                  <a:srgbClr val="C0C0C0"/>
+                </a:solidFill>
+                <a:latin typeface="Arial"/>
+              </a:rPr>
+              <a:t>4. Planner</a:t>
+            </a:r>
+            <a:endParaRPr lang="en-GB" sz="2700">
+              <a:solidFill>
+                <a:srgbClr val="C0C0C0"/>
+              </a:solidFill>
+              <a:latin typeface="Arial"/>
+            </a:endParaRPr>
+          </a:p>
+        </p:txBody>
+      </p:sp>
+      <p:sp>
+        <p:nvSpPr>
+          <p:cNvPr id="7" name="ZoneTexte 6"/>
+          <p:cNvSpPr txBox="1"/>
+          <p:nvPr/>
+        </p:nvSpPr>
+        <p:spPr>
+          <a:xfrm>
+            <a:off x="2921000" y="4572000"/>
+            <a:ext cx="3743461" cy="424732"/>
+          </a:xfrm>
+          <a:prstGeom prst="rect">
+            <a:avLst/>
+          </a:prstGeom>
+          <a:noFill/>
+        </p:spPr>
+        <p:txBody>
+          <a:bodyPr vert="horz" wrap="none" rtlCol="0">
+            <a:spAutoFit/>
+          </a:bodyPr>
+          <a:lstStyle/>
+          <a:p>
+            <a:pPr>
+              <a:lnSpc>
+                <a:spcPct val="80000"/>
+              </a:lnSpc>
+            </a:pPr>
+            <a:r>
+              <a:rPr lang="en-GB" sz="2700" smtClean="0">
+                <a:solidFill>
+                  <a:srgbClr val="00477F"/>
+                </a:solidFill>
+                <a:latin typeface="Arial"/>
+              </a:rPr>
+              <a:t>5. Ambiguities handling</a:t>
+            </a:r>
+            <a:endParaRPr lang="en-GB" sz="2700">
+              <a:solidFill>
+                <a:srgbClr val="00477F"/>
+              </a:solidFill>
+              <a:latin typeface="Arial"/>
+            </a:endParaRPr>
+          </a:p>
+        </p:txBody>
+      </p:sp>
+      <p:sp>
+        <p:nvSpPr>
+          <p:cNvPr id="8" name="ZoneTexte 7"/>
+          <p:cNvSpPr txBox="1"/>
+          <p:nvPr/>
+        </p:nvSpPr>
+        <p:spPr>
+          <a:xfrm>
+            <a:off x="2527300" y="4533900"/>
+            <a:ext cx="635000" cy="461665"/>
+          </a:xfrm>
+          <a:prstGeom prst="rect">
+            <a:avLst/>
+          </a:prstGeom>
+          <a:noFill/>
+        </p:spPr>
+        <p:txBody>
+          <a:bodyPr vert="horz" rtlCol="0">
+            <a:spAutoFit/>
+          </a:bodyPr>
+          <a:lstStyle/>
+          <a:p>
+            <a:r>
+              <a:rPr lang="en-GB" sz="2400" smtClean="0">
+                <a:solidFill>
+                  <a:srgbClr val="00477F"/>
+                </a:solidFill>
+                <a:latin typeface="Arial"/>
+                <a:cs typeface="Arial"/>
+              </a:rPr>
+              <a:t>►</a:t>
+            </a:r>
+            <a:endParaRPr lang="en-GB" sz="2400">
+              <a:solidFill>
+                <a:srgbClr val="00477F"/>
+              </a:solidFill>
+              <a:latin typeface="Arial"/>
+            </a:endParaRPr>
+          </a:p>
+        </p:txBody>
+      </p:sp>
+      <p:sp>
+        <p:nvSpPr>
+          <p:cNvPr id="9" name="ZoneTexte 8"/>
+          <p:cNvSpPr txBox="1"/>
+          <p:nvPr/>
+        </p:nvSpPr>
+        <p:spPr>
+          <a:xfrm>
+            <a:off x="2921000" y="5207000"/>
+            <a:ext cx="4147289" cy="424732"/>
+          </a:xfrm>
+          <a:prstGeom prst="rect">
+            <a:avLst/>
+          </a:prstGeom>
+          <a:noFill/>
+        </p:spPr>
+        <p:txBody>
+          <a:bodyPr vert="horz" wrap="none" rtlCol="0">
+            <a:spAutoFit/>
+          </a:bodyPr>
+          <a:lstStyle/>
+          <a:p>
+            <a:pPr>
+              <a:lnSpc>
+                <a:spcPct val="80000"/>
+              </a:lnSpc>
+            </a:pPr>
+            <a:r>
+              <a:rPr lang="en-GB" sz="2700" smtClean="0">
+                <a:solidFill>
+                  <a:srgbClr val="C0C0C0"/>
+                </a:solidFill>
+                <a:latin typeface="Arial"/>
+              </a:rPr>
+              <a:t>6. Possible improvements</a:t>
+            </a:r>
+            <a:endParaRPr lang="en-GB" sz="2700">
+              <a:solidFill>
+                <a:srgbClr val="C0C0C0"/>
+              </a:solidFill>
+              <a:latin typeface="Arial"/>
+            </a:endParaRPr>
+          </a:p>
+        </p:txBody>
+      </p:sp>
+    </p:spTree>
+    <p:custDataLst>
+      <p:tags r:id="rId1"/>
+    </p:custDataLst>
+    <p:extLst>
+      <p:ext uri="{BB962C8B-B14F-4D97-AF65-F5344CB8AC3E}">
+        <p14:creationId xmlns:p14="http://schemas.microsoft.com/office/powerpoint/2010/main" val="126342274"/>
+      </p:ext>
+    </p:extLst>
+  </p:cSld>
+  <p:clrMapOvr>
+    <a:masterClrMapping/>
+  </p:clrMapOvr>
+  <p:transition>
+    <p:wipe dir="d"/>
+  </p:transition>
+</p:sld>
+</file>
+
+<file path=ppt/slides/slide15.xml><?xml version="1.0" encoding="utf-8"?>
+<p:sld xmlns:a="http://schemas.openxmlformats.org/drawingml/2006/main" xmlns:r="http://schemas.openxmlformats.org/officeDocument/2006/relationships" xmlns:p="http://schemas.openxmlformats.org/presentationml/2006/main">
+  <p:cSld>
+    <p:spTree>
+      <p:nvGrpSpPr>
+        <p:cNvPr id="1" name=""/>
+        <p:cNvGrpSpPr/>
+        <p:nvPr/>
+      </p:nvGrpSpPr>
+      <p:grpSpPr>
+        <a:xfrm>
+          <a:off x="0" y="0"/>
+          <a:ext cx="0" cy="0"/>
+          <a:chOff x="0" y="0"/>
+          <a:chExt cx="0" cy="0"/>
+        </a:xfrm>
+      </p:grpSpPr>
       <p:sp>
         <p:nvSpPr>
           <p:cNvPr id="2" name="Title 1"/>
@@ -4602,7 +4836,7 @@
           <a:p>
             <a:r>
               <a:rPr lang="en-GB" dirty="0" smtClean="0"/>
-              <a:t>Planner</a:t>
+              <a:t>Ambiguities handling</a:t>
             </a:r>
             <a:endParaRPr lang="en-GB" dirty="0"/>
           </a:p>
@@ -4620,8 +4854,8 @@
         </p:nvSpPr>
         <p:spPr>
           <a:xfrm>
-            <a:off x="457200" y="1052795"/>
-            <a:ext cx="8229600" cy="400110"/>
+            <a:off x="457200" y="1066800"/>
+            <a:ext cx="8229600" cy="1194173"/>
           </a:xfrm>
         </p:spPr>
         <p:txBody>
@@ -4632,7 +4866,7 @@
           <a:p>
             <a:r>
               <a:rPr lang="en-GB" sz="2000" dirty="0" smtClean="0"/>
-              <a:t>The planner takes a query as an input and build </a:t>
+              <a:t>Allows the robot to </a:t>
             </a:r>
             <a:r>
               <a:rPr lang="en-GB" sz="2000" b="1" dirty="0" smtClean="0">
@@ -4640,14 +4874,44 @@
                   <a:schemeClr val="tx2"/>
                 </a:solidFill>
               </a:rPr>
-              <a:t>list of triplets</a:t>
-            </a:r>
+              <a:t>ask question </a:t>
+            </a:r>
+            <a:r>
+              <a:rPr lang="en-GB" sz="2000" dirty="0" smtClean="0"/>
+              <a:t>if a </a:t>
+            </a:r>
+            <a:r>
+              <a:rPr lang="en-GB" sz="2000" b="1" dirty="0" smtClean="0">
+                <a:solidFill>
+                  <a:schemeClr val="tx2"/>
+                </a:solidFill>
+              </a:rPr>
+              <a:t>query is not clear </a:t>
+            </a:r>
+            <a:r>
+              <a:rPr lang="en-GB" sz="2000" dirty="0" smtClean="0"/>
+              <a:t>enough</a:t>
+            </a:r>
+          </a:p>
+          <a:p>
+            <a:r>
+              <a:rPr lang="en-GB" sz="2000" dirty="0" smtClean="0"/>
+              <a:t>For example, in the world below:</a:t>
+            </a:r>
+          </a:p>
+          <a:p>
+            <a:pPr marL="742950" lvl="2" indent="-342900"/>
+            <a:r>
+              <a:rPr lang="en-GB" sz="1800" i="1" dirty="0" smtClean="0"/>
+              <a:t>“what is under the box?”</a:t>
+            </a:r>
+            <a:endParaRPr lang="en-GB" sz="1800" i="1" dirty="0"/>
           </a:p>
         </p:txBody>
       </p:sp>
       <p:pic>
         <p:nvPicPr>
-          <p:cNvPr id="7170" name="Picture 2"/>
+          <p:cNvPr id="25" name="Picture 2"/>
           <p:cNvPicPr>
             <a:picLocks noChangeAspect="1" noChangeArrowheads="1"/>
           </p:cNvPicPr>
@@ -4662,8 +4926,8 @@
         </p:blipFill>
         <p:spPr bwMode="auto">
           <a:xfrm>
-            <a:off x="814388" y="1421212"/>
-            <a:ext cx="7515225" cy="1169588"/>
+            <a:off x="304800" y="2663672"/>
+            <a:ext cx="4061099" cy="2531268"/>
           </a:xfrm>
           <a:prstGeom prst="rect">
             <a:avLst/>
@@ -4677,9 +4941,39 @@
           </a:ln>
         </p:spPr>
       </p:pic>
-      <p:sp>
-        <p:nvSpPr>
-          <p:cNvPr id="26" name="Content Placeholder 2"/>
+      <p:cxnSp>
+        <p:nvCxnSpPr>
+          <p:cNvPr id="26" name="Straight Connector 25"/>
+          <p:cNvCxnSpPr/>
+          <p:nvPr/>
+        </p:nvCxnSpPr>
+        <p:spPr>
+          <a:xfrm>
+            <a:off x="4572000" y="2291006"/>
+            <a:ext cx="0" cy="3429000"/>
+          </a:xfrm>
+          <a:prstGeom prst="line">
+            <a:avLst/>
+          </a:prstGeom>
+        </p:spPr>
+        <p:style>
+          <a:lnRef idx="1">
+            <a:schemeClr val="accent1"/>
+          </a:lnRef>
+          <a:fillRef idx="0">
+            <a:schemeClr val="accent1"/>
+          </a:fillRef>
+          <a:effectRef idx="0">
+            <a:schemeClr val="accent1"/>
+          </a:effectRef>
+          <a:fontRef idx="minor">
+            <a:schemeClr val="tx1"/>
+          </a:fontRef>
+        </p:style>
+      </p:cxnSp>
+      <p:sp>
+        <p:nvSpPr>
+          <p:cNvPr id="28" name="Content Placeholder 2"/>
           <p:cNvSpPr txBox="1">
             <a:spLocks/>
           </p:cNvSpPr>
@@ -4687,8 +4981,8 @@
         </p:nvSpPr>
         <p:spPr>
           <a:xfrm>
-            <a:off x="457200" y="2730942"/>
-            <a:ext cx="8229600" cy="4053417"/>
+            <a:off x="4800600" y="2858244"/>
+            <a:ext cx="4114800" cy="2142125"/>
           </a:xfrm>
           <a:prstGeom prst="rect">
             <a:avLst/>
@@ -4772,7 +5066,7 @@
                 </a:solidFill>
               </a:defRPr>
             </a:lvl2pPr>
-            <a:lvl3pPr marL="1081088" indent="-179388" fontAlgn="base">
+            <a:lvl3pPr marL="742950" lvl="2" indent="-342900" fontAlgn="base">
               <a:spcBef>
                 <a:spcPct val="20000"/>
               </a:spcBef>
@@ -4785,7 +5079,7 @@
               <a:buSzPct val="50000"/>
               <a:buFont typeface="Webdings" pitchFamily="18" charset="2"/>
               <a:buChar char="="/>
-              <a:defRPr kumimoji="1" sz="1300">
+              <a:defRPr kumimoji="1" i="1">
                 <a:solidFill>
                   <a:srgbClr val="5F5F5F"/>
                 </a:solidFill>
@@ -4904,117 +5198,41 @@
           <a:p>
             <a:r>
               <a:rPr lang="en-GB" dirty="0"/>
-              <a:t>Here is an example for a complex case:</a:t>
-            </a:r>
-          </a:p>
-          <a:p>
-            <a:pPr marL="538163" lvl="3" indent="-274638">
-              <a:spcBef>
-                <a:spcPct val="50000"/>
-              </a:spcBef>
-              <a:buSzPct val="100000"/>
-              <a:buFont typeface="Wingdings" pitchFamily="2" charset="2"/>
-              <a:buChar char="§"/>
-            </a:pPr>
-            <a:r>
-              <a:rPr lang="en-US" sz="1700" i="1" dirty="0" smtClean="0"/>
-              <a:t>“Move the black ball in the red box”. </a:t>
+              <a:t>The machine would ask for more information</a:t>
             </a:r>
           </a:p>
           <a:p>
             <a:pPr lvl="2"/>
-            <a:endParaRPr lang="en-GB" sz="1600" dirty="0"/>
+            <a:r>
+              <a:rPr lang="en-GB" dirty="0"/>
+              <a:t>“What </a:t>
+            </a:r>
+            <a:r>
+              <a:rPr lang="en-GB" dirty="0" smtClean="0"/>
+              <a:t>object do you mean?” </a:t>
+            </a:r>
+            <a:endParaRPr lang="en-GB" dirty="0"/>
+          </a:p>
+          <a:p>
+            <a:r>
+              <a:rPr lang="en-GB" dirty="0"/>
+              <a:t>The user will then have to specify his query</a:t>
+            </a:r>
           </a:p>
           <a:p>
             <a:pPr lvl="2"/>
-            <a:endParaRPr lang="en-GB" sz="1600" dirty="0"/>
-          </a:p>
-          <a:p>
-            <a:pPr lvl="2"/>
-            <a:endParaRPr lang="en-GB" sz="1600" dirty="0"/>
-          </a:p>
-          <a:p>
-            <a:pPr lvl="2"/>
-            <a:endParaRPr lang="en-GB" sz="1600" dirty="0"/>
-          </a:p>
-          <a:p>
-            <a:pPr lvl="2"/>
-            <a:endParaRPr lang="en-GB" sz="1600" dirty="0"/>
-          </a:p>
-          <a:p>
-            <a:pPr lvl="2"/>
-            <a:endParaRPr lang="en-GB" sz="1600" dirty="0"/>
-          </a:p>
-          <a:p>
-            <a:pPr lvl="2"/>
-            <a:endParaRPr lang="en-GB" sz="1600" dirty="0"/>
-          </a:p>
-          <a:p>
-            <a:pPr marL="274638" lvl="2" indent="-274638">
-              <a:spcBef>
-                <a:spcPct val="50000"/>
-              </a:spcBef>
-              <a:buSzTx/>
-              <a:buFont typeface="Wingdings" pitchFamily="2" charset="2"/>
-              <a:buChar char="§"/>
-            </a:pPr>
-            <a:r>
-              <a:rPr lang="en-US" sz="2000" dirty="0" smtClean="0"/>
-              <a:t>And the output of the planner is:</a:t>
-            </a:r>
-          </a:p>
-          <a:p>
-            <a:pPr marL="538163" lvl="3" indent="-274638">
-              <a:spcBef>
-                <a:spcPct val="50000"/>
-              </a:spcBef>
-              <a:buSzTx/>
-              <a:buFont typeface="Wingdings" pitchFamily="2" charset="2"/>
-              <a:buChar char="§"/>
-            </a:pPr>
-            <a:r>
-              <a:rPr lang="en-US" sz="1700" i="1" dirty="0" smtClean="0"/>
-              <a:t>“Plan: pick,2 drop,1”  where 2 is the position of the black ball (Stack 2) and 1 the position of the red box (Stack 1)</a:t>
-            </a:r>
-            <a:r>
-              <a:rPr lang="en-GB" sz="2200" i="1" dirty="0"/>
-              <a:t> </a:t>
-            </a:r>
-          </a:p>
-        </p:txBody>
-      </p:sp>
-      <p:pic>
-        <p:nvPicPr>
-          <p:cNvPr id="7171" name="Picture 3"/>
-          <p:cNvPicPr>
-            <a:picLocks noChangeAspect="1" noChangeArrowheads="1"/>
-          </p:cNvPicPr>
-          <p:nvPr/>
-        </p:nvPicPr>
-        <p:blipFill>
-          <a:blip r:embed="rId3" cstate="print"/>
-          <a:srcRect/>
-          <a:stretch>
-            <a:fillRect/>
-          </a:stretch>
-        </p:blipFill>
-        <p:spPr bwMode="auto">
-          <a:xfrm>
-            <a:off x="1604097" y="3505200"/>
-            <a:ext cx="5935806" cy="2252705"/>
-          </a:xfrm>
-          <a:prstGeom prst="rect">
-            <a:avLst/>
-          </a:prstGeom>
-          <a:noFill/>
-          <a:ln w="9525">
-            <a:noFill/>
-            <a:miter lim="800000"/>
-            <a:headEnd/>
-            <a:tailEnd/>
-          </a:ln>
-        </p:spPr>
-      </p:pic>
+            <a:r>
+              <a:rPr lang="en-GB" dirty="0"/>
+              <a:t>“The big red </a:t>
+            </a:r>
+            <a:r>
+              <a:rPr lang="en-GB" dirty="0" smtClean="0"/>
+              <a:t>one”</a:t>
+            </a:r>
+            <a:endParaRPr lang="en-GB" dirty="0"/>
+          </a:p>
+        </p:txBody>
+      </p:sp>
       <p:sp>
         <p:nvSpPr>
           <p:cNvPr id="5" name="Espace réservé du pied de page 4"/>
@@ -5034,180 +5252,262 @@
           </a:p>
         </p:txBody>
       </p:sp>
+      <p:sp>
+        <p:nvSpPr>
+          <p:cNvPr id="8" name="Content Placeholder 2"/>
+          <p:cNvSpPr txBox="1">
+            <a:spLocks/>
+          </p:cNvSpPr>
+          <p:nvPr/>
+        </p:nvSpPr>
+        <p:spPr bwMode="auto">
+          <a:xfrm>
+            <a:off x="457200" y="5846802"/>
+            <a:ext cx="8229600" cy="707886"/>
+          </a:xfrm>
+          <a:prstGeom prst="rect">
+            <a:avLst/>
+          </a:prstGeom>
+          <a:noFill/>
+          <a:ln>
+            <a:noFill/>
+          </a:ln>
+          <a:effectLst/>
+          <a:extLst>
+            <a:ext uri="{909E8E84-426E-40DD-AFC4-6F175D3DCCD1}">
+              <a14:hiddenFill xmlns:a14="http://schemas.microsoft.com/office/drawing/2010/main">
+                <a:solidFill>
+                  <a:srgbClr val="C0C0C0"/>
+                </a:solidFill>
+              </a14:hiddenFill>
+            </a:ext>
+            <a:ext uri="{91240B29-F687-4F45-9708-019B960494DF}">
+              <a14:hiddenLine xmlns:a14="http://schemas.microsoft.com/office/drawing/2010/main" w="9525">
+                <a:solidFill>
+                  <a:srgbClr val="5F5F5F"/>
+                </a:solidFill>
+                <a:miter lim="800000"/>
+                <a:headEnd/>
+                <a:tailEnd/>
+              </a14:hiddenLine>
+            </a:ext>
+            <a:ext uri="{AF507438-7753-43E0-B8FC-AC1667EBCBE1}">
+              <a14:hiddenEffects xmlns:a14="http://schemas.microsoft.com/office/drawing/2010/main">
+                <a:effectLst>
+                  <a:outerShdw dist="35921" dir="2700000" algn="ctr" rotWithShape="0">
+                    <a:schemeClr val="bg2"/>
+                  </a:outerShdw>
+                </a:effectLst>
+              </a14:hiddenEffects>
+            </a:ext>
+          </a:extLst>
+        </p:spPr>
+        <p:txBody>
+          <a:bodyPr vert="horz" wrap="square" lIns="91440" tIns="45720" rIns="91440" bIns="45720" numCol="1" rtlCol="0" anchor="ctr" anchorCtr="0" compatLnSpc="1">
+            <a:prstTxWarp prst="textNoShape">
+              <a:avLst/>
+            </a:prstTxWarp>
+            <a:spAutoFit/>
+          </a:bodyPr>
+          <a:lstStyle>
+            <a:lvl1pPr marL="274638" indent="-274638" algn="l" rtl="0" eaLnBrk="1" fontAlgn="base" hangingPunct="1">
+              <a:spcBef>
+                <a:spcPct val="50000"/>
+              </a:spcBef>
+              <a:spcAft>
+                <a:spcPct val="0"/>
+              </a:spcAft>
+              <a:buClr>
+                <a:srgbClr val="004780"/>
+              </a:buClr>
+              <a:buFont typeface="Wingdings" pitchFamily="2" charset="2"/>
+              <a:buChar char="§"/>
+              <a:defRPr kumimoji="1" sz="2400">
+                <a:solidFill>
+                  <a:srgbClr val="5F5F5F"/>
+                </a:solidFill>
+                <a:latin typeface="+mn-lt"/>
+                <a:ea typeface="+mn-ea"/>
+                <a:cs typeface="+mn-cs"/>
+              </a:defRPr>
+            </a:lvl1pPr>
+            <a:lvl2pPr marL="722313" indent="-268288" algn="l" rtl="0" eaLnBrk="1" fontAlgn="base" hangingPunct="1">
+              <a:spcBef>
+                <a:spcPct val="20000"/>
+              </a:spcBef>
+              <a:spcAft>
+                <a:spcPct val="0"/>
+              </a:spcAft>
+              <a:buClr>
+                <a:srgbClr val="004780"/>
+              </a:buClr>
+              <a:buSzPct val="65000"/>
+              <a:buFont typeface="Webdings" pitchFamily="18" charset="2"/>
+              <a:buChar char="4"/>
+              <a:defRPr kumimoji="1" sz="2000">
+                <a:solidFill>
+                  <a:srgbClr val="5F5F5F"/>
+                </a:solidFill>
+                <a:latin typeface="+mn-lt"/>
+              </a:defRPr>
+            </a:lvl2pPr>
+            <a:lvl3pPr marL="1081088" indent="-179388" algn="l" rtl="0" eaLnBrk="1" fontAlgn="base" hangingPunct="1">
+              <a:spcBef>
+                <a:spcPct val="20000"/>
+              </a:spcBef>
+              <a:spcAft>
+                <a:spcPct val="0"/>
+              </a:spcAft>
+              <a:buClr>
+                <a:srgbClr val="004780"/>
+              </a:buClr>
+              <a:buSzPct val="50000"/>
+              <a:buFont typeface="Webdings" pitchFamily="18" charset="2"/>
+              <a:buChar char="="/>
+              <a:defRPr kumimoji="1" sz="1300">
+                <a:solidFill>
+                  <a:srgbClr val="5F5F5F"/>
+                </a:solidFill>
+                <a:latin typeface="+mn-lt"/>
+              </a:defRPr>
+            </a:lvl3pPr>
+            <a:lvl4pPr marL="1344613" indent="-84138" algn="l" rtl="0" eaLnBrk="1" fontAlgn="base" hangingPunct="1">
+              <a:spcBef>
+                <a:spcPct val="20000"/>
+              </a:spcBef>
+              <a:spcAft>
+                <a:spcPct val="0"/>
+              </a:spcAft>
+              <a:buClr>
+                <a:srgbClr val="004780"/>
+              </a:buClr>
+              <a:buSzPct val="80000"/>
+              <a:buFont typeface="Microsoft Sans Serif" pitchFamily="34" charset="0"/>
+              <a:buChar char="-"/>
+              <a:defRPr kumimoji="1" sz="1000">
+                <a:solidFill>
+                  <a:srgbClr val="5F5F5F"/>
+                </a:solidFill>
+                <a:latin typeface="+mn-lt"/>
+              </a:defRPr>
+            </a:lvl4pPr>
+            <a:lvl5pPr marL="1609725" indent="-85725" algn="l" rtl="0" eaLnBrk="1" fontAlgn="base" hangingPunct="1">
+              <a:spcBef>
+                <a:spcPct val="20000"/>
+              </a:spcBef>
+              <a:spcAft>
+                <a:spcPct val="0"/>
+              </a:spcAft>
+              <a:buClr>
+                <a:srgbClr val="004780"/>
+              </a:buClr>
+              <a:buSzPct val="80000"/>
+              <a:buChar char="•"/>
+              <a:defRPr kumimoji="1" sz="800">
+                <a:solidFill>
+                  <a:srgbClr val="5F5F5F"/>
+                </a:solidFill>
+                <a:latin typeface="+mn-lt"/>
+              </a:defRPr>
+            </a:lvl5pPr>
+            <a:lvl6pPr marL="2066925" indent="-85725" algn="l" rtl="0" eaLnBrk="1" fontAlgn="base" hangingPunct="1">
+              <a:spcBef>
+                <a:spcPct val="20000"/>
+              </a:spcBef>
+              <a:spcAft>
+                <a:spcPct val="0"/>
+              </a:spcAft>
+              <a:buClr>
+                <a:srgbClr val="004780"/>
+              </a:buClr>
+              <a:buSzPct val="80000"/>
+              <a:buChar char="•"/>
+              <a:defRPr kumimoji="1" sz="800">
+                <a:solidFill>
+                  <a:srgbClr val="5F5F5F"/>
+                </a:solidFill>
+                <a:latin typeface="+mn-lt"/>
+              </a:defRPr>
+            </a:lvl6pPr>
+            <a:lvl7pPr marL="2524125" indent="-85725" algn="l" rtl="0" eaLnBrk="1" fontAlgn="base" hangingPunct="1">
+              <a:spcBef>
+                <a:spcPct val="20000"/>
+              </a:spcBef>
+              <a:spcAft>
+                <a:spcPct val="0"/>
+              </a:spcAft>
+              <a:buClr>
+                <a:srgbClr val="004780"/>
+              </a:buClr>
+              <a:buSzPct val="80000"/>
+              <a:buChar char="•"/>
+              <a:defRPr kumimoji="1" sz="800">
+                <a:solidFill>
+                  <a:srgbClr val="5F5F5F"/>
+                </a:solidFill>
+                <a:latin typeface="+mn-lt"/>
+              </a:defRPr>
+            </a:lvl7pPr>
+            <a:lvl8pPr marL="2981325" indent="-85725" algn="l" rtl="0" eaLnBrk="1" fontAlgn="base" hangingPunct="1">
+              <a:spcBef>
+                <a:spcPct val="20000"/>
+              </a:spcBef>
+              <a:spcAft>
+                <a:spcPct val="0"/>
+              </a:spcAft>
+              <a:buClr>
+                <a:srgbClr val="004780"/>
+              </a:buClr>
+              <a:buSzPct val="80000"/>
+              <a:buChar char="•"/>
+              <a:defRPr kumimoji="1" sz="800">
+                <a:solidFill>
+                  <a:srgbClr val="5F5F5F"/>
+                </a:solidFill>
+                <a:latin typeface="+mn-lt"/>
+              </a:defRPr>
+            </a:lvl8pPr>
+            <a:lvl9pPr marL="3438525" indent="-85725" algn="l" rtl="0" eaLnBrk="1" fontAlgn="base" hangingPunct="1">
+              <a:spcBef>
+                <a:spcPct val="20000"/>
+              </a:spcBef>
+              <a:spcAft>
+                <a:spcPct val="0"/>
+              </a:spcAft>
+              <a:buClr>
+                <a:srgbClr val="004780"/>
+              </a:buClr>
+              <a:buSzPct val="80000"/>
+              <a:buChar char="•"/>
+              <a:defRPr kumimoji="1" sz="800">
+                <a:solidFill>
+                  <a:srgbClr val="5F5F5F"/>
+                </a:solidFill>
+                <a:latin typeface="+mn-lt"/>
+              </a:defRPr>
+            </a:lvl9pPr>
+          </a:lstStyle>
+          <a:p>
+            <a:r>
+              <a:rPr lang="en-GB" sz="2000" kern="0" dirty="0" smtClean="0"/>
+              <a:t>We had to use a file to store the information needed and reload the </a:t>
+            </a:r>
+            <a:r>
+              <a:rPr lang="en-GB" sz="2000" kern="0" dirty="0" err="1" smtClean="0"/>
+              <a:t>prolog</a:t>
+            </a:r>
+            <a:r>
+              <a:rPr lang="en-GB" sz="2000" kern="0" dirty="0" smtClean="0"/>
+              <a:t> part</a:t>
+            </a:r>
+            <a:endParaRPr lang="en-GB" sz="1800" i="1" kern="0" dirty="0"/>
+          </a:p>
+        </p:txBody>
+      </p:sp>
     </p:spTree>
     <p:extLst>
       <p:ext uri="{BB962C8B-B14F-4D97-AF65-F5344CB8AC3E}">
-        <p14:creationId xmlns:p14="http://schemas.microsoft.com/office/powerpoint/2010/main" val="464845552"/>
-      </p:ext>
-    </p:extLst>
-  </p:cSld>
-  <p:clrMapOvr>
-    <a:masterClrMapping/>
-  </p:clrMapOvr>
-  <p:transition>
-    <p:wipe dir="d"/>
-  </p:transition>
-  <p:timing>
-    <p:tnLst>
-      <p:par>
-        <p:cTn id="1" dur="indefinite" restart="never" nodeType="tmRoot"/>
-      </p:par>
-    </p:tnLst>
-  </p:timing>
-</p:sld>
-</file>
-
-<file path=ppt/slides/slide15.xml><?xml version="1.0" encoding="utf-8"?>
-<p:sld xmlns:a="http://schemas.openxmlformats.org/drawingml/2006/main" xmlns:r="http://schemas.openxmlformats.org/officeDocument/2006/relationships" xmlns:p="http://schemas.openxmlformats.org/presentationml/2006/main">
-  <p:cSld>
-    <p:spTree>
-      <p:nvGrpSpPr>
-        <p:cNvPr id="1" name=""/>
-        <p:cNvGrpSpPr/>
-        <p:nvPr/>
-      </p:nvGrpSpPr>
-      <p:grpSpPr>
-        <a:xfrm>
-          <a:off x="0" y="0"/>
-          <a:ext cx="0" cy="0"/>
-          <a:chOff x="0" y="0"/>
-          <a:chExt cx="0" cy="0"/>
-        </a:xfrm>
-      </p:grpSpPr>
-      <p:sp>
-        <p:nvSpPr>
-          <p:cNvPr id="4" name="Title 1"/>
-          <p:cNvSpPr>
-            <a:spLocks noGrp="1"/>
-          </p:cNvSpPr>
-          <p:nvPr>
-            <p:ph type="title"/>
-          </p:nvPr>
-        </p:nvSpPr>
-        <p:spPr/>
-        <p:txBody>
-          <a:bodyPr/>
-          <a:lstStyle/>
-          <a:p>
-            <a:r>
-              <a:rPr lang="en-GB" dirty="0" smtClean="0"/>
-              <a:t>Planner - Heuristic</a:t>
-            </a:r>
-            <a:endParaRPr lang="en-GB" dirty="0"/>
-          </a:p>
-        </p:txBody>
-      </p:sp>
-      <p:sp>
-        <p:nvSpPr>
-          <p:cNvPr id="7" name="Content Placeholder 2"/>
-          <p:cNvSpPr>
-            <a:spLocks noGrp="1"/>
-          </p:cNvSpPr>
-          <p:nvPr>
-            <p:ph idx="1"/>
-          </p:nvPr>
-        </p:nvSpPr>
-        <p:spPr>
-          <a:xfrm>
-            <a:off x="457200" y="1171545"/>
-            <a:ext cx="8229600" cy="1169551"/>
-          </a:xfrm>
-        </p:spPr>
-        <p:txBody>
-          <a:bodyPr vert="horz" wrap="square" lIns="91440" tIns="45720" rIns="91440" bIns="45720" rtlCol="0" anchor="ctr">
-            <a:spAutoFit/>
-          </a:bodyPr>
-          <a:lstStyle/>
-          <a:p>
-            <a:r>
-              <a:rPr lang="en-GB" sz="2000" dirty="0" smtClean="0"/>
-              <a:t>The heuristic allows the robot to handle complex cases in a </a:t>
-            </a:r>
-            <a:r>
-              <a:rPr lang="en-GB" sz="2000" b="1" dirty="0" smtClean="0">
-                <a:solidFill>
-                  <a:schemeClr val="tx2"/>
-                </a:solidFill>
-              </a:rPr>
-              <a:t>smarter</a:t>
-            </a:r>
-            <a:r>
-              <a:rPr lang="en-GB" sz="2000" dirty="0" smtClean="0"/>
-              <a:t> way</a:t>
-            </a:r>
-          </a:p>
-          <a:p>
-            <a:r>
-              <a:rPr lang="en-GB" sz="2000" dirty="0" smtClean="0"/>
-              <a:t>For example, in case of a </a:t>
-            </a:r>
-            <a:r>
-              <a:rPr lang="en-GB" sz="2000" i="1" dirty="0" smtClean="0"/>
-              <a:t>move left </a:t>
-            </a:r>
-            <a:r>
-              <a:rPr lang="en-GB" sz="2000" dirty="0" smtClean="0"/>
-              <a:t>query:</a:t>
-            </a:r>
-            <a:endParaRPr lang="en-GB" sz="2000" dirty="0"/>
-          </a:p>
-        </p:txBody>
-      </p:sp>
-      <p:pic>
-        <p:nvPicPr>
-          <p:cNvPr id="8194" name="Picture 2"/>
-          <p:cNvPicPr>
-            <a:picLocks noChangeAspect="1" noChangeArrowheads="1"/>
-          </p:cNvPicPr>
-          <p:nvPr/>
-        </p:nvPicPr>
-        <p:blipFill>
-          <a:blip r:embed="rId2" cstate="print"/>
-          <a:srcRect/>
-          <a:stretch>
-            <a:fillRect/>
-          </a:stretch>
-        </p:blipFill>
-        <p:spPr bwMode="auto">
-          <a:xfrm>
-            <a:off x="904141" y="2321500"/>
-            <a:ext cx="7335718" cy="4314825"/>
-          </a:xfrm>
-          <a:prstGeom prst="rect">
-            <a:avLst/>
-          </a:prstGeom>
-          <a:noFill/>
-          <a:ln w="9525">
-            <a:noFill/>
-            <a:miter lim="800000"/>
-            <a:headEnd/>
-            <a:tailEnd/>
-          </a:ln>
-        </p:spPr>
-      </p:pic>
-      <p:sp>
-        <p:nvSpPr>
-          <p:cNvPr id="3" name="Espace réservé du pied de page 2"/>
-          <p:cNvSpPr>
-            <a:spLocks noGrp="1"/>
-          </p:cNvSpPr>
-          <p:nvPr>
-            <p:ph type="ftr" sz="quarter" idx="10"/>
-          </p:nvPr>
-        </p:nvSpPr>
-        <p:spPr/>
-        <p:txBody>
-          <a:bodyPr/>
-          <a:lstStyle/>
-          <a:p>
-            <a:endParaRPr lang="fr-FR"/>
-          </a:p>
-        </p:txBody>
-      </p:sp>
-    </p:spTree>
-    <p:extLst>
-      <p:ext uri="{BB962C8B-B14F-4D97-AF65-F5344CB8AC3E}">
-        <p14:creationId xmlns:p14="http://schemas.microsoft.com/office/powerpoint/2010/main" val="92392103"/>
+        <p14:creationId xmlns:p14="http://schemas.microsoft.com/office/powerpoint/2010/main" val="3489243514"/>
       </p:ext>
     </p:extLst>
   </p:cSld>
@@ -5246,14 +5546,14 @@
       </p:grpSpPr>
       <p:cxnSp>
         <p:nvCxnSpPr>
-          <p:cNvPr id="11" name="Connecteur droit 10"/>
+          <p:cNvPr id="10" name="Connecteur droit 9"/>
           <p:cNvCxnSpPr/>
           <p:nvPr/>
         </p:nvCxnSpPr>
         <p:spPr>
           <a:xfrm>
-            <a:off x="2032000" y="1943100"/>
-            <a:ext cx="0" cy="4025900"/>
+            <a:off x="2667000" y="2133600"/>
+            <a:ext cx="0" cy="3390900"/>
           </a:xfrm>
           <a:prstGeom prst="line">
             <a:avLst/>
@@ -5314,7 +5614,7 @@
         </p:nvSpPr>
         <p:spPr>
           <a:xfrm>
-            <a:off x="2286000" y="1841500"/>
+            <a:off x="2921000" y="2032000"/>
             <a:ext cx="5224507" cy="424732"/>
           </a:xfrm>
           <a:prstGeom prst="rect">
@@ -5359,8 +5659,8 @@
         </p:nvSpPr>
         <p:spPr>
           <a:xfrm>
-            <a:off x="2286000" y="2476500"/>
-            <a:ext cx="2082750" cy="424732"/>
+            <a:off x="2921000" y="2667000"/>
+            <a:ext cx="2031325" cy="424732"/>
           </a:xfrm>
           <a:prstGeom prst="rect">
             <a:avLst/>
@@ -5385,7 +5685,7 @@
                 </a:solidFill>
                 <a:latin typeface="Arial"/>
               </a:rPr>
-              <a:t>2. The world</a:t>
+              <a:t>2. Grammar</a:t>
             </a:r>
             <a:endParaRPr lang="en-GB" sz="2700">
               <a:solidFill>
@@ -5404,8 +5704,8 @@
         </p:nvSpPr>
         <p:spPr>
           <a:xfrm>
-            <a:off x="2286000" y="3111500"/>
-            <a:ext cx="2031325" cy="424732"/>
+            <a:off x="2921000" y="3302000"/>
+            <a:ext cx="2165978" cy="424732"/>
           </a:xfrm>
           <a:prstGeom prst="rect">
             <a:avLst/>
@@ -5430,7 +5730,7 @@
                 </a:solidFill>
                 <a:latin typeface="Arial"/>
               </a:rPr>
-              <a:t>3. Grammar</a:t>
+              <a:t>3. Interpreter</a:t>
             </a:r>
             <a:endParaRPr lang="en-GB" sz="2700">
               <a:solidFill>
@@ -5449,8 +5749,8 @@
         </p:nvSpPr>
         <p:spPr>
           <a:xfrm>
-            <a:off x="2286000" y="3746500"/>
-            <a:ext cx="2165978" cy="424732"/>
+            <a:off x="2921000" y="3937000"/>
+            <a:ext cx="1762021" cy="424732"/>
           </a:xfrm>
           <a:prstGeom prst="rect">
             <a:avLst/>
@@ -5475,7 +5775,7 @@
                 </a:solidFill>
                 <a:latin typeface="Arial"/>
               </a:rPr>
-              <a:t>4. Interpreter</a:t>
+              <a:t>4. Planner</a:t>
             </a:r>
             <a:endParaRPr lang="en-GB" sz="2700">
               <a:solidFill>
@@ -5494,8 +5794,8 @@
         </p:nvSpPr>
         <p:spPr>
           <a:xfrm>
-            <a:off x="2286000" y="4381500"/>
-            <a:ext cx="1762021" cy="424732"/>
+            <a:off x="2921000" y="4572000"/>
+            <a:ext cx="3743461" cy="424732"/>
           </a:xfrm>
           <a:prstGeom prst="rect">
             <a:avLst/>
@@ -5520,7 +5820,7 @@
                 </a:solidFill>
                 <a:latin typeface="Arial"/>
               </a:rPr>
-              <a:t>5. Planner</a:t>
+              <a:t>5. Ambiguities handling</a:t>
             </a:r>
             <a:endParaRPr lang="en-GB" sz="2700">
               <a:solidFill>
@@ -5539,8 +5839,8 @@
         </p:nvSpPr>
         <p:spPr>
           <a:xfrm>
-            <a:off x="2286000" y="5016500"/>
-            <a:ext cx="3743461" cy="424732"/>
+            <a:off x="2921000" y="5207000"/>
+            <a:ext cx="4147289" cy="424732"/>
           </a:xfrm>
           <a:prstGeom prst="rect">
             <a:avLst/>
@@ -5565,7 +5865,7 @@
                 </a:solidFill>
                 <a:latin typeface="Arial"/>
               </a:rPr>
-              <a:t>6. Ambiguities handling</a:t>
+              <a:t>6. Possible improvements</a:t>
             </a:r>
             <a:endParaRPr lang="en-GB" sz="2700">
               <a:solidFill>
@@ -5584,7 +5884,7 @@
         </p:nvSpPr>
         <p:spPr>
           <a:xfrm>
-            <a:off x="1892300" y="4978400"/>
+            <a:off x="2527300" y="5168900"/>
             <a:ext cx="635000" cy="461665"/>
           </a:xfrm>
           <a:prstGeom prst="rect">
@@ -5617,77 +5917,13 @@
           </a:p>
         </p:txBody>
       </p:sp>
-      <p:sp>
-        <p:nvSpPr>
-          <p:cNvPr id="10" name="ZoneTexte 9"/>
-          <p:cNvSpPr txBox="1"/>
-          <p:nvPr/>
-        </p:nvSpPr>
-        <p:spPr>
-          <a:xfrm>
-            <a:off x="2286000" y="5651500"/>
-            <a:ext cx="1608133" cy="424732"/>
-          </a:xfrm>
-          <a:prstGeom prst="rect">
-            <a:avLst/>
-          </a:prstGeom>
-          <a:noFill/>
-        </p:spPr>
-        <p:txBody>
-          <a:bodyPr vert="horz" wrap="none" rtlCol="0">
-            <a:spAutoFit/>
-          </a:bodyPr>
-          <a:lstStyle/>
-          <a:p>
-            <a:pPr>
-              <a:lnSpc>
-                <a:spcPct val="80000"/>
-              </a:lnSpc>
-            </a:pPr>
-            <a:r>
-              <a:rPr lang="en-GB" sz="2700" smtClean="0">
-                <a:solidFill>
-                  <a:srgbClr val="C0C0C0"/>
-                </a:solidFill>
-                <a:latin typeface="Arial"/>
-              </a:rPr>
-              <a:t>7. Output</a:t>
-            </a:r>
-            <a:endParaRPr lang="en-GB" sz="2700">
-              <a:solidFill>
-                <a:srgbClr val="C0C0C0"/>
-              </a:solidFill>
-              <a:latin typeface="Arial"/>
-            </a:endParaRPr>
-          </a:p>
-        </p:txBody>
-      </p:sp>
-      <p:sp>
-        <p:nvSpPr>
-          <p:cNvPr id="12" name="Espace réservé du pied de page 11"/>
-          <p:cNvSpPr>
-            <a:spLocks noGrp="1"/>
-          </p:cNvSpPr>
-          <p:nvPr>
-            <p:ph type="ftr" sz="quarter" idx="10"/>
-          </p:nvPr>
-        </p:nvSpPr>
-        <p:spPr/>
-        <p:txBody>
-          <a:bodyPr/>
-          <a:lstStyle/>
-          <a:p>
-            <a:endParaRPr lang="fr-FR"/>
-          </a:p>
-        </p:txBody>
-      </p:sp>
     </p:spTree>
     <p:custDataLst>
       <p:tags r:id="rId1"/>
     </p:custDataLst>
     <p:extLst>
       <p:ext uri="{BB962C8B-B14F-4D97-AF65-F5344CB8AC3E}">
-        <p14:creationId xmlns:p14="http://schemas.microsoft.com/office/powerpoint/2010/main" val="1022584412"/>
+        <p14:creationId xmlns:p14="http://schemas.microsoft.com/office/powerpoint/2010/main" val="1448158177"/>
       </p:ext>
     </p:extLst>
   </p:cSld>
@@ -5697,13 +5933,6 @@
   <p:transition>
     <p:wipe dir="d"/>
   </p:transition>
-  <p:timing>
-    <p:tnLst>
-      <p:par>
-        <p:cTn id="1" dur="indefinite" restart="never" nodeType="tmRoot"/>
-      </p:par>
-    </p:tnLst>
-  </p:timing>
 </p:sld>
 </file>
 
@@ -5741,7 +5970,7 @@
           <a:p>
             <a:r>
               <a:rPr lang="en-GB" dirty="0" smtClean="0"/>
-              <a:t>Ambiguities handling</a:t>
+              <a:t>Possible improvements</a:t>
             </a:r>
             <a:endParaRPr lang="en-GB" dirty="0"/>
           </a:p>
@@ -5759,8 +5988,8 @@
         </p:nvSpPr>
         <p:spPr>
           <a:xfrm>
-            <a:off x="457200" y="1366594"/>
-            <a:ext cx="8229600" cy="1194173"/>
+            <a:off x="457200" y="2998113"/>
+            <a:ext cx="8229600" cy="861774"/>
           </a:xfrm>
         </p:spPr>
         <p:txBody>
@@ -5771,359 +6000,26 @@
           <a:p>
             <a:r>
               <a:rPr lang="en-GB" sz="2000" dirty="0" smtClean="0"/>
-              <a:t>Allows the robot to </a:t>
-            </a:r>
-            <a:r>
-              <a:rPr lang="en-GB" sz="2000" b="1" dirty="0" smtClean="0">
-                <a:solidFill>
-                  <a:schemeClr val="tx2"/>
-                </a:solidFill>
-              </a:rPr>
-              <a:t>ask question </a:t>
-            </a:r>
+              <a:t>Use machine learning for the </a:t>
+            </a:r>
+            <a:r>
+              <a:rPr lang="en-GB" sz="2000" dirty="0" err="1" smtClean="0"/>
+              <a:t>heurisitc</a:t>
+            </a:r>
+            <a:endParaRPr lang="en-GB" sz="2000" dirty="0"/>
+          </a:p>
+          <a:p>
             <a:r>
               <a:rPr lang="en-GB" sz="2000" dirty="0" smtClean="0"/>
-              <a:t>if a </a:t>
-            </a:r>
-            <a:r>
-              <a:rPr lang="en-GB" sz="2000" b="1" dirty="0" smtClean="0">
-                <a:solidFill>
-                  <a:schemeClr val="tx2"/>
-                </a:solidFill>
-              </a:rPr>
-              <a:t>query is not clear </a:t>
+              <a:t>Use SAT (Boolean </a:t>
+            </a:r>
+            <a:r>
+              <a:rPr lang="en-GB" sz="2000" dirty="0" err="1" smtClean="0"/>
+              <a:t>Satisfiability</a:t>
             </a:r>
             <a:r>
               <a:rPr lang="en-GB" sz="2000" dirty="0" smtClean="0"/>
-              <a:t>enough</a:t>
-            </a:r>
-          </a:p>
-          <a:p>
-            <a:r>
-              <a:rPr lang="en-GB" sz="2000" dirty="0" smtClean="0"/>
-              <a:t>For example, in the world below:</a:t>
-            </a:r>
-          </a:p>
-          <a:p>
-            <a:pPr marL="742950" lvl="2" indent="-342900"/>
-            <a:r>
-              <a:rPr lang="en-GB" sz="1800" i="1" dirty="0" smtClean="0"/>
-              <a:t>“what is under the box?”</a:t>
-            </a:r>
-            <a:endParaRPr lang="en-GB" sz="1800" i="1" dirty="0"/>
-          </a:p>
-        </p:txBody>
-      </p:sp>
-      <p:pic>
-        <p:nvPicPr>
-          <p:cNvPr id="25" name="Picture 2"/>
-          <p:cNvPicPr>
-            <a:picLocks noChangeAspect="1" noChangeArrowheads="1"/>
-          </p:cNvPicPr>
-          <p:nvPr/>
-        </p:nvPicPr>
-        <p:blipFill>
-          <a:blip r:embed="rId2" cstate="print"/>
-          <a:srcRect/>
-          <a:stretch>
-            <a:fillRect/>
-          </a:stretch>
-        </p:blipFill>
-        <p:spPr bwMode="auto">
-          <a:xfrm>
-            <a:off x="304800" y="2963466"/>
-            <a:ext cx="4061099" cy="2531268"/>
-          </a:xfrm>
-          <a:prstGeom prst="rect">
-            <a:avLst/>
-          </a:prstGeom>
-          <a:noFill/>
-          <a:ln w="9525">
-            <a:noFill/>
-            <a:miter lim="800000"/>
-            <a:headEnd/>
-            <a:tailEnd/>
-          </a:ln>
-        </p:spPr>
-      </p:pic>
-      <p:cxnSp>
-        <p:nvCxnSpPr>
-          <p:cNvPr id="26" name="Straight Connector 25"/>
-          <p:cNvCxnSpPr/>
-          <p:nvPr/>
-        </p:nvCxnSpPr>
-        <p:spPr>
-          <a:xfrm>
-            <a:off x="4572000" y="2590800"/>
-            <a:ext cx="0" cy="3429000"/>
-          </a:xfrm>
-          <a:prstGeom prst="line">
-            <a:avLst/>
-          </a:prstGeom>
-        </p:spPr>
-        <p:style>
-          <a:lnRef idx="1">
-            <a:schemeClr val="accent1"/>
-          </a:lnRef>
-          <a:fillRef idx="0">
-            <a:schemeClr val="accent1"/>
-          </a:fillRef>
-          <a:effectRef idx="0">
-            <a:schemeClr val="accent1"/>
-          </a:effectRef>
-          <a:fontRef idx="minor">
-            <a:schemeClr val="tx1"/>
-          </a:fontRef>
-        </p:style>
-      </p:cxnSp>
-      <p:sp>
-        <p:nvSpPr>
-          <p:cNvPr id="28" name="Content Placeholder 2"/>
-          <p:cNvSpPr txBox="1">
-            <a:spLocks/>
-          </p:cNvSpPr>
-          <p:nvPr/>
-        </p:nvSpPr>
-        <p:spPr>
-          <a:xfrm>
-            <a:off x="4800600" y="3158038"/>
-            <a:ext cx="4114800" cy="2142125"/>
-          </a:xfrm>
-          <a:prstGeom prst="rect">
-            <a:avLst/>
-          </a:prstGeom>
-          <a:noFill/>
-          <a:ln>
-            <a:noFill/>
-          </a:ln>
-          <a:effectLst/>
-          <a:extLst>
-            <a:ext uri="{909E8E84-426E-40DD-AFC4-6F175D3DCCD1}">
-              <a14:hiddenFill xmlns:a14="http://schemas.microsoft.com/office/drawing/2010/main">
-                <a:solidFill>
-                  <a:srgbClr val="C0C0C0"/>
-                </a:solidFill>
-              </a14:hiddenFill>
-            </a:ext>
-            <a:ext uri="{91240B29-F687-4F45-9708-019B960494DF}">
-              <a14:hiddenLine xmlns:a14="http://schemas.microsoft.com/office/drawing/2010/main" w="9525">
-                <a:solidFill>
-                  <a:srgbClr val="5F5F5F"/>
-                </a:solidFill>
-                <a:miter lim="800000"/>
-                <a:headEnd/>
-                <a:tailEnd/>
-              </a14:hiddenLine>
-            </a:ext>
-            <a:ext uri="{AF507438-7753-43E0-B8FC-AC1667EBCBE1}">
-              <a14:hiddenEffects xmlns:a14="http://schemas.microsoft.com/office/drawing/2010/main">
-                <a:effectLst>
-                  <a:outerShdw dist="35921" dir="2700000" algn="ctr" rotWithShape="0">
-                    <a:schemeClr val="bg2"/>
-                  </a:outerShdw>
-                </a:effectLst>
-              </a14:hiddenEffects>
-            </a:ext>
-          </a:extLst>
-        </p:spPr>
-        <p:txBody>
-          <a:bodyPr vert="horz" wrap="square" lIns="91440" tIns="45720" rIns="91440" bIns="45720" numCol="1" rtlCol="0" anchor="ctr" anchorCtr="0" compatLnSpc="1">
-            <a:prstTxWarp prst="textNoShape">
-              <a:avLst/>
-            </a:prstTxWarp>
-            <a:spAutoFit/>
-          </a:bodyPr>
-          <a:lstStyle>
-            <a:lvl1pPr marL="274638" indent="-274638" fontAlgn="base">
-              <a:spcBef>
-                <a:spcPct val="50000"/>
-              </a:spcBef>
-              <a:spcAft>
-                <a:spcPct val="0"/>
-              </a:spcAft>
-              <a:buClr>
-                <a:srgbClr val="004780"/>
-              </a:buClr>
-              <a:buFont typeface="Wingdings" pitchFamily="2" charset="2"/>
-              <a:buChar char="§"/>
-              <a:defRPr kumimoji="1" sz="2000">
-                <a:solidFill>
-                  <a:srgbClr val="5F5F5F"/>
-                </a:solidFill>
-              </a:defRPr>
-            </a:lvl1pPr>
-            <a:lvl2pPr marL="722313" indent="-268288" fontAlgn="base">
-              <a:spcBef>
-                <a:spcPct val="20000"/>
-              </a:spcBef>
-              <a:spcAft>
-                <a:spcPct val="0"/>
-              </a:spcAft>
-              <a:buClr>
-                <a:srgbClr val="004780"/>
-              </a:buClr>
-              <a:buSzPct val="65000"/>
-              <a:buFont typeface="Webdings" pitchFamily="18" charset="2"/>
-              <a:buChar char="4"/>
-              <a:defRPr kumimoji="1" sz="2000">
-                <a:solidFill>
-                  <a:srgbClr val="5F5F5F"/>
-                </a:solidFill>
-              </a:defRPr>
-            </a:lvl2pPr>
-            <a:lvl3pPr marL="742950" lvl="2" indent="-342900" fontAlgn="base">
-              <a:spcBef>
-                <a:spcPct val="20000"/>
-              </a:spcBef>
-              <a:spcAft>
-                <a:spcPct val="0"/>
-              </a:spcAft>
-              <a:buClr>
-                <a:srgbClr val="004780"/>
-              </a:buClr>
-              <a:buSzPct val="50000"/>
-              <a:buFont typeface="Webdings" pitchFamily="18" charset="2"/>
-              <a:buChar char="="/>
-              <a:defRPr kumimoji="1" i="1">
-                <a:solidFill>
-                  <a:srgbClr val="5F5F5F"/>
-                </a:solidFill>
-              </a:defRPr>
-            </a:lvl3pPr>
-            <a:lvl4pPr marL="1344613" indent="-84138" fontAlgn="base">
-              <a:spcBef>
-                <a:spcPct val="20000"/>
-              </a:spcBef>
-              <a:spcAft>
-                <a:spcPct val="0"/>
-              </a:spcAft>
-              <a:buClr>
-                <a:srgbClr val="004780"/>
-              </a:buClr>
-              <a:buSzPct val="80000"/>
-              <a:buFont typeface="Microsoft Sans Serif" pitchFamily="34" charset="0"/>
-              <a:buChar char="-"/>
-              <a:defRPr kumimoji="1" sz="1000">
-                <a:solidFill>
-                  <a:srgbClr val="5F5F5F"/>
-                </a:solidFill>
-              </a:defRPr>
-            </a:lvl4pPr>
-            <a:lvl5pPr marL="1609725" indent="-85725" fontAlgn="base">
-              <a:spcBef>
-                <a:spcPct val="20000"/>
-              </a:spcBef>
-              <a:spcAft>
-                <a:spcPct val="0"/>
-              </a:spcAft>
-              <a:buClr>
-                <a:srgbClr val="004780"/>
-              </a:buClr>
-              <a:buSzPct val="80000"/>
-              <a:buChar char="•"/>
-              <a:defRPr kumimoji="1" sz="800">
-                <a:solidFill>
-                  <a:srgbClr val="5F5F5F"/>
-                </a:solidFill>
-              </a:defRPr>
-            </a:lvl5pPr>
-            <a:lvl6pPr marL="2066925" indent="-85725" fontAlgn="base">
-              <a:spcBef>
-                <a:spcPct val="20000"/>
-              </a:spcBef>
-              <a:spcAft>
-                <a:spcPct val="0"/>
-              </a:spcAft>
-              <a:buClr>
-                <a:srgbClr val="004780"/>
-              </a:buClr>
-              <a:buSzPct val="80000"/>
-              <a:buChar char="•"/>
-              <a:defRPr kumimoji="1" sz="800">
-                <a:solidFill>
-                  <a:srgbClr val="5F5F5F"/>
-                </a:solidFill>
-              </a:defRPr>
-            </a:lvl6pPr>
-            <a:lvl7pPr marL="2524125" indent="-85725" fontAlgn="base">
-              <a:spcBef>
-                <a:spcPct val="20000"/>
-              </a:spcBef>
-              <a:spcAft>
-                <a:spcPct val="0"/>
-              </a:spcAft>
-              <a:buClr>
-                <a:srgbClr val="004780"/>
-              </a:buClr>
-              <a:buSzPct val="80000"/>
-              <a:buChar char="•"/>
-              <a:defRPr kumimoji="1" sz="800">
-                <a:solidFill>
-                  <a:srgbClr val="5F5F5F"/>
-                </a:solidFill>
-              </a:defRPr>
-            </a:lvl7pPr>
-            <a:lvl8pPr marL="2981325" indent="-85725" fontAlgn="base">
-              <a:spcBef>
-                <a:spcPct val="20000"/>
-              </a:spcBef>
-              <a:spcAft>
-                <a:spcPct val="0"/>
-              </a:spcAft>
-              <a:buClr>
-                <a:srgbClr val="004780"/>
-              </a:buClr>
-              <a:buSzPct val="80000"/>
-              <a:buChar char="•"/>
-              <a:defRPr kumimoji="1" sz="800">
-                <a:solidFill>
-                  <a:srgbClr val="5F5F5F"/>
-                </a:solidFill>
-              </a:defRPr>
-            </a:lvl8pPr>
-            <a:lvl9pPr marL="3438525" indent="-85725" fontAlgn="base">
-              <a:spcBef>
-                <a:spcPct val="20000"/>
-              </a:spcBef>
-              <a:spcAft>
-                <a:spcPct val="0"/>
-              </a:spcAft>
-              <a:buClr>
-                <a:srgbClr val="004780"/>
-              </a:buClr>
-              <a:buSzPct val="80000"/>
-              <a:buChar char="•"/>
-              <a:defRPr kumimoji="1" sz="800">
-                <a:solidFill>
-                  <a:srgbClr val="5F5F5F"/>
-                </a:solidFill>
-              </a:defRPr>
-            </a:lvl9pPr>
-          </a:lstStyle>
-          <a:p>
-            <a:r>
-              <a:rPr lang="en-GB" dirty="0"/>
-              <a:t>The machine would ask for more information</a:t>
-            </a:r>
-          </a:p>
-          <a:p>
-            <a:pPr lvl="2"/>
-            <a:r>
-              <a:rPr lang="en-GB" dirty="0"/>
-              <a:t>“What box ?” </a:t>
-            </a:r>
-          </a:p>
-          <a:p>
-            <a:r>
-              <a:rPr lang="en-GB" dirty="0"/>
-              <a:t>The user will then have to specify his query</a:t>
-            </a:r>
-          </a:p>
-          <a:p>
-            <a:pPr lvl="2"/>
-            <a:r>
-              <a:rPr lang="en-GB" dirty="0"/>
-              <a:t>“The big red box”</a:t>
+              <a:t> problem) to solve our problem</a:t>
             </a:r>
           </a:p>
         </p:txBody>
@@ -6150,7 +6046,7 @@
     </p:spTree>
     <p:extLst>
       <p:ext uri="{BB962C8B-B14F-4D97-AF65-F5344CB8AC3E}">
-        <p14:creationId xmlns:p14="http://schemas.microsoft.com/office/powerpoint/2010/main" val="3489243514"/>
+        <p14:creationId xmlns:p14="http://schemas.microsoft.com/office/powerpoint/2010/main" val="1860625868"/>
       </p:ext>
     </p:extLst>
   </p:cSld>
@@ -6187,486 +6083,6 @@
           <a:chExt cx="0" cy="0"/>
         </a:xfrm>
       </p:grpSpPr>
-      <p:cxnSp>
-        <p:nvCxnSpPr>
-          <p:cNvPr id="11" name="Connecteur droit 10"/>
-          <p:cNvCxnSpPr/>
-          <p:nvPr/>
-        </p:nvCxnSpPr>
-        <p:spPr>
-          <a:xfrm>
-            <a:off x="2032000" y="1943100"/>
-            <a:ext cx="0" cy="4025900"/>
-          </a:xfrm>
-          <a:prstGeom prst="line">
-            <a:avLst/>
-          </a:prstGeom>
-          <a:ln>
-            <a:solidFill>
-              <a:srgbClr val="B2B2B2"/>
-            </a:solidFill>
-          </a:ln>
-        </p:spPr>
-        <p:style>
-          <a:lnRef idx="1">
-            <a:schemeClr val="accent1"/>
-          </a:lnRef>
-          <a:fillRef idx="0">
-            <a:schemeClr val="accent1"/>
-          </a:fillRef>
-          <a:effectRef idx="0">
-            <a:schemeClr val="accent1"/>
-          </a:effectRef>
-          <a:fontRef idx="minor">
-            <a:schemeClr val="tx1"/>
-          </a:fontRef>
-        </p:style>
-      </p:cxnSp>
-      <p:sp>
-        <p:nvSpPr>
-          <p:cNvPr id="2" name="Titre 1"/>
-          <p:cNvSpPr>
-            <a:spLocks noGrp="1"/>
-          </p:cNvSpPr>
-          <p:nvPr>
-            <p:ph type="title"/>
-          </p:nvPr>
-        </p:nvSpPr>
-        <p:spPr/>
-        <p:txBody>
-          <a:bodyPr/>
-          <a:lstStyle/>
-          <a:p>
-            <a:r>
-              <a:rPr lang="en-GB" smtClean="0">
-                <a:latin typeface="Arial"/>
-              </a:rPr>
-              <a:t>Agenda</a:t>
-            </a:r>
-            <a:endParaRPr lang="en-GB">
-              <a:latin typeface="Arial"/>
-            </a:endParaRPr>
-          </a:p>
-        </p:txBody>
-      </p:sp>
-      <p:sp>
-        <p:nvSpPr>
-          <p:cNvPr id="3" name="ZoneTexte 2"/>
-          <p:cNvSpPr txBox="1"/>
-          <p:nvPr/>
-        </p:nvSpPr>
-        <p:spPr>
-          <a:xfrm>
-            <a:off x="2286000" y="1841500"/>
-            <a:ext cx="5224507" cy="424732"/>
-          </a:xfrm>
-          <a:prstGeom prst="rect">
-            <a:avLst/>
-          </a:prstGeom>
-          <a:noFill/>
-        </p:spPr>
-        <p:txBody>
-          <a:bodyPr vert="horz" wrap="none" rtlCol="0">
-            <a:spAutoFit/>
-          </a:bodyPr>
-          <a:lstStyle/>
-          <a:p>
-            <a:pPr>
-              <a:lnSpc>
-                <a:spcPct val="80000"/>
-              </a:lnSpc>
-            </a:pPr>
-            <a:r>
-              <a:rPr lang="en-GB" sz="2700" smtClean="0">
-                <a:solidFill>
-                  <a:srgbClr val="C0C0C0"/>
-                </a:solidFill>
-                <a:latin typeface="Arial"/>
-              </a:rPr>
-              <a:t>1. Presentation of the application</a:t>
-            </a:r>
-            <a:endParaRPr lang="en-GB" sz="2700">
-              <a:solidFill>
-                <a:srgbClr val="C0C0C0"/>
-              </a:solidFill>
-              <a:latin typeface="Arial"/>
-            </a:endParaRPr>
-          </a:p>
-        </p:txBody>
-      </p:sp>
-      <p:sp>
-        <p:nvSpPr>
-          <p:cNvPr id="4" name="ZoneTexte 3"/>
-          <p:cNvSpPr txBox="1"/>
-          <p:nvPr/>
-        </p:nvSpPr>
-        <p:spPr>
-          <a:xfrm>
-            <a:off x="2286000" y="2476500"/>
-            <a:ext cx="2082750" cy="424732"/>
-          </a:xfrm>
-          <a:prstGeom prst="rect">
-            <a:avLst/>
-          </a:prstGeom>
-          <a:noFill/>
-        </p:spPr>
-        <p:txBody>
-          <a:bodyPr vert="horz" wrap="none" rtlCol="0">
-            <a:spAutoFit/>
-          </a:bodyPr>
-          <a:lstStyle/>
-          <a:p>
-            <a:pPr>
-              <a:lnSpc>
-                <a:spcPct val="80000"/>
-              </a:lnSpc>
-            </a:pPr>
-            <a:r>
-              <a:rPr lang="en-GB" sz="2700" smtClean="0">
-                <a:solidFill>
-                  <a:srgbClr val="C0C0C0"/>
-                </a:solidFill>
-                <a:latin typeface="Arial"/>
-              </a:rPr>
-              <a:t>2. The world</a:t>
-            </a:r>
-            <a:endParaRPr lang="en-GB" sz="2700">
-              <a:solidFill>
-                <a:srgbClr val="C0C0C0"/>
-              </a:solidFill>
-              <a:latin typeface="Arial"/>
-            </a:endParaRPr>
-          </a:p>
-        </p:txBody>
-      </p:sp>
-      <p:sp>
-        <p:nvSpPr>
-          <p:cNvPr id="5" name="ZoneTexte 4"/>
-          <p:cNvSpPr txBox="1"/>
-          <p:nvPr/>
-        </p:nvSpPr>
-        <p:spPr>
-          <a:xfrm>
-            <a:off x="2286000" y="3111500"/>
-            <a:ext cx="2031325" cy="424732"/>
-          </a:xfrm>
-          <a:prstGeom prst="rect">
-            <a:avLst/>
-          </a:prstGeom>
-          <a:noFill/>
-        </p:spPr>
-        <p:txBody>
-          <a:bodyPr vert="horz" wrap="none" rtlCol="0">
-            <a:spAutoFit/>
-          </a:bodyPr>
-          <a:lstStyle/>
-          <a:p>
-            <a:pPr>
-              <a:lnSpc>
-                <a:spcPct val="80000"/>
-              </a:lnSpc>
-            </a:pPr>
-            <a:r>
-              <a:rPr lang="en-GB" sz="2700" smtClean="0">
-                <a:solidFill>
-                  <a:srgbClr val="C0C0C0"/>
-                </a:solidFill>
-                <a:latin typeface="Arial"/>
-              </a:rPr>
-              <a:t>3. Grammar</a:t>
-            </a:r>
-            <a:endParaRPr lang="en-GB" sz="2700">
-              <a:solidFill>
-                <a:srgbClr val="C0C0C0"/>
-              </a:solidFill>
-              <a:latin typeface="Arial"/>
-            </a:endParaRPr>
-          </a:p>
-        </p:txBody>
-      </p:sp>
-      <p:sp>
-        <p:nvSpPr>
-          <p:cNvPr id="6" name="ZoneTexte 5"/>
-          <p:cNvSpPr txBox="1"/>
-          <p:nvPr/>
-        </p:nvSpPr>
-        <p:spPr>
-          <a:xfrm>
-            <a:off x="2286000" y="3746500"/>
-            <a:ext cx="2165978" cy="424732"/>
-          </a:xfrm>
-          <a:prstGeom prst="rect">
-            <a:avLst/>
-          </a:prstGeom>
-          <a:noFill/>
-        </p:spPr>
-        <p:txBody>
-          <a:bodyPr vert="horz" wrap="none" rtlCol="0">
-            <a:spAutoFit/>
-          </a:bodyPr>
-          <a:lstStyle/>
-          <a:p>
-            <a:pPr>
-              <a:lnSpc>
-                <a:spcPct val="80000"/>
-              </a:lnSpc>
-            </a:pPr>
-            <a:r>
-              <a:rPr lang="en-GB" sz="2700" smtClean="0">
-                <a:solidFill>
-                  <a:srgbClr val="C0C0C0"/>
-                </a:solidFill>
-                <a:latin typeface="Arial"/>
-              </a:rPr>
-              <a:t>4. Interpreter</a:t>
-            </a:r>
-            <a:endParaRPr lang="en-GB" sz="2700">
-              <a:solidFill>
-                <a:srgbClr val="C0C0C0"/>
-              </a:solidFill>
-              <a:latin typeface="Arial"/>
-            </a:endParaRPr>
-          </a:p>
-        </p:txBody>
-      </p:sp>
-      <p:sp>
-        <p:nvSpPr>
-          <p:cNvPr id="7" name="ZoneTexte 6"/>
-          <p:cNvSpPr txBox="1"/>
-          <p:nvPr/>
-        </p:nvSpPr>
-        <p:spPr>
-          <a:xfrm>
-            <a:off x="2286000" y="4381500"/>
-            <a:ext cx="1762021" cy="424732"/>
-          </a:xfrm>
-          <a:prstGeom prst="rect">
-            <a:avLst/>
-          </a:prstGeom>
-          <a:noFill/>
-        </p:spPr>
-        <p:txBody>
-          <a:bodyPr vert="horz" wrap="none" rtlCol="0">
-            <a:spAutoFit/>
-          </a:bodyPr>
-          <a:lstStyle/>
-          <a:p>
-            <a:pPr>
-              <a:lnSpc>
-                <a:spcPct val="80000"/>
-              </a:lnSpc>
-            </a:pPr>
-            <a:r>
-              <a:rPr lang="en-GB" sz="2700" smtClean="0">
-                <a:solidFill>
-                  <a:srgbClr val="C0C0C0"/>
-                </a:solidFill>
-                <a:latin typeface="Arial"/>
-              </a:rPr>
-              <a:t>5. Planner</a:t>
-            </a:r>
-            <a:endParaRPr lang="en-GB" sz="2700">
-              <a:solidFill>
-                <a:srgbClr val="C0C0C0"/>
-              </a:solidFill>
-              <a:latin typeface="Arial"/>
-            </a:endParaRPr>
-          </a:p>
-        </p:txBody>
-      </p:sp>
-      <p:sp>
-        <p:nvSpPr>
-          <p:cNvPr id="8" name="ZoneTexte 7"/>
-          <p:cNvSpPr txBox="1"/>
-          <p:nvPr/>
-        </p:nvSpPr>
-        <p:spPr>
-          <a:xfrm>
-            <a:off x="2286000" y="5016500"/>
-            <a:ext cx="3743461" cy="424732"/>
-          </a:xfrm>
-          <a:prstGeom prst="rect">
-            <a:avLst/>
-          </a:prstGeom>
-          <a:noFill/>
-        </p:spPr>
-        <p:txBody>
-          <a:bodyPr vert="horz" wrap="none" rtlCol="0">
-            <a:spAutoFit/>
-          </a:bodyPr>
-          <a:lstStyle/>
-          <a:p>
-            <a:pPr>
-              <a:lnSpc>
-                <a:spcPct val="80000"/>
-              </a:lnSpc>
-            </a:pPr>
-            <a:r>
-              <a:rPr lang="en-GB" sz="2700" smtClean="0">
-                <a:solidFill>
-                  <a:srgbClr val="C0C0C0"/>
-                </a:solidFill>
-                <a:latin typeface="Arial"/>
-              </a:rPr>
-              <a:t>6. Ambiguities handling</a:t>
-            </a:r>
-            <a:endParaRPr lang="en-GB" sz="2700">
-              <a:solidFill>
-                <a:srgbClr val="C0C0C0"/>
-              </a:solidFill>
-              <a:latin typeface="Arial"/>
-            </a:endParaRPr>
-          </a:p>
-        </p:txBody>
-      </p:sp>
-      <p:sp>
-        <p:nvSpPr>
-          <p:cNvPr id="9" name="ZoneTexte 8"/>
-          <p:cNvSpPr txBox="1"/>
-          <p:nvPr/>
-        </p:nvSpPr>
-        <p:spPr>
-          <a:xfrm>
-            <a:off x="2286000" y="5651500"/>
-            <a:ext cx="1608133" cy="424732"/>
-          </a:xfrm>
-          <a:prstGeom prst="rect">
-            <a:avLst/>
-          </a:prstGeom>
-          <a:noFill/>
-        </p:spPr>
-        <p:txBody>
-          <a:bodyPr vert="horz" wrap="none" rtlCol="0">
-            <a:spAutoFit/>
-          </a:bodyPr>
-          <a:lstStyle/>
-          <a:p>
-            <a:pPr>
-              <a:lnSpc>
-                <a:spcPct val="80000"/>
-              </a:lnSpc>
-            </a:pPr>
-            <a:r>
-              <a:rPr lang="en-GB" sz="2700" smtClean="0">
-                <a:solidFill>
-                  <a:srgbClr val="00477F"/>
-                </a:solidFill>
-                <a:latin typeface="Arial"/>
-              </a:rPr>
-              <a:t>7. Output</a:t>
-            </a:r>
-            <a:endParaRPr lang="en-GB" sz="2700">
-              <a:solidFill>
-                <a:srgbClr val="00477F"/>
-              </a:solidFill>
-              <a:latin typeface="Arial"/>
-            </a:endParaRPr>
-          </a:p>
-        </p:txBody>
-      </p:sp>
-      <p:sp>
-        <p:nvSpPr>
-          <p:cNvPr id="10" name="ZoneTexte 9"/>
-          <p:cNvSpPr txBox="1"/>
-          <p:nvPr/>
-        </p:nvSpPr>
-        <p:spPr>
-          <a:xfrm>
-            <a:off x="1892300" y="5613400"/>
-            <a:ext cx="635000" cy="461665"/>
-          </a:xfrm>
-          <a:prstGeom prst="rect">
-            <a:avLst/>
-          </a:prstGeom>
-          <a:noFill/>
-        </p:spPr>
-        <p:txBody>
-          <a:bodyPr vert="horz" rtlCol="0">
-            <a:spAutoFit/>
-          </a:bodyPr>
-          <a:lstStyle/>
-          <a:p>
-            <a:r>
-              <a:rPr lang="en-GB" sz="2400" smtClean="0">
-                <a:solidFill>
-                  <a:srgbClr val="00477F"/>
-                </a:solidFill>
-                <a:latin typeface="Arial"/>
-                <a:cs typeface="Arial"/>
-              </a:rPr>
-              <a:t>►</a:t>
-            </a:r>
-            <a:endParaRPr lang="en-GB" sz="2400">
-              <a:solidFill>
-                <a:srgbClr val="00477F"/>
-              </a:solidFill>
-              <a:latin typeface="Arial"/>
-            </a:endParaRPr>
-          </a:p>
-        </p:txBody>
-      </p:sp>
-      <p:sp>
-        <p:nvSpPr>
-          <p:cNvPr id="12" name="Espace réservé du pied de page 11"/>
-          <p:cNvSpPr>
-            <a:spLocks noGrp="1"/>
-          </p:cNvSpPr>
-          <p:nvPr>
-            <p:ph type="ftr" sz="quarter" idx="10"/>
-          </p:nvPr>
-        </p:nvSpPr>
-        <p:spPr/>
-        <p:txBody>
-          <a:bodyPr/>
-          <a:lstStyle/>
-          <a:p>
-            <a:endParaRPr lang="fr-FR"/>
-          </a:p>
-        </p:txBody>
-      </p:sp>
-    </p:spTree>
-    <p:custDataLst>
-      <p:tags r:id="rId1"/>
-    </p:custDataLst>
-    <p:extLst>
-      <p:ext uri="{BB962C8B-B14F-4D97-AF65-F5344CB8AC3E}">
-        <p14:creationId xmlns:p14="http://schemas.microsoft.com/office/powerpoint/2010/main" val="59264784"/>
-      </p:ext>
-    </p:extLst>
-  </p:cSld>
-  <p:clrMapOvr>
-    <a:masterClrMapping/>
-  </p:clrMapOvr>
-  <p:transition>
-    <p:wipe dir="d"/>
-  </p:transition>
-  <p:timing>
-    <p:tnLst>
-      <p:par>
-        <p:cTn id="1" dur="indefinite" restart="never" nodeType="tmRoot"/>
-      </p:par>
-    </p:tnLst>
-  </p:timing>
-</p:sld>
-</file>
-
-<file path=ppt/slides/slide19.xml><?xml version="1.0" encoding="utf-8"?>
-<p:sld xmlns:a="http://schemas.openxmlformats.org/drawingml/2006/main" xmlns:r="http://schemas.openxmlformats.org/officeDocument/2006/relationships" xmlns:p="http://schemas.openxmlformats.org/presentationml/2006/main">
-  <p:cSld>
-    <p:spTree>
-      <p:nvGrpSpPr>
-        <p:cNvPr id="1" name=""/>
-        <p:cNvGrpSpPr/>
-        <p:nvPr/>
-      </p:nvGrpSpPr>
-      <p:grpSpPr>
-        <a:xfrm>
-          <a:off x="0" y="0"/>
-          <a:ext cx="0" cy="0"/>
-          <a:chOff x="0" y="0"/>
-          <a:chExt cx="0" cy="0"/>
-        </a:xfrm>
-      </p:grpSpPr>
       <p:sp>
         <p:nvSpPr>
           <p:cNvPr id="2" name="Title 1"/>
@@ -6684,76 +6100,18 @@
           <a:p>
             <a:r>
               <a:rPr lang="en-GB" dirty="0" smtClean="0"/>
-              <a:t>Output</a:t>
-            </a:r>
-          </a:p>
-        </p:txBody>
-      </p:sp>
-      <p:sp>
-        <p:nvSpPr>
-          <p:cNvPr id="3" name="Content Placeholder 2"/>
-          <p:cNvSpPr>
-            <a:spLocks noGrp="1"/>
-          </p:cNvSpPr>
-          <p:nvPr>
-            <p:ph idx="1"/>
-          </p:nvPr>
-        </p:nvSpPr>
-        <p:spPr>
-          <a:xfrm>
-            <a:off x="457200" y="990600"/>
-            <a:ext cx="8229600" cy="1631216"/>
-          </a:xfrm>
-        </p:spPr>
-        <p:txBody>
-          <a:bodyPr vert="horz" wrap="square" lIns="91440" tIns="45720" rIns="91440" bIns="45720" rtlCol="0" anchor="ctr">
-            <a:spAutoFit/>
-          </a:bodyPr>
-          <a:lstStyle/>
-          <a:p>
-            <a:r>
-              <a:rPr lang="en-GB" sz="2000" dirty="0" smtClean="0"/>
-              <a:t>The output is a web interface developed in HTML and </a:t>
-            </a:r>
-            <a:r>
-              <a:rPr lang="en-GB" sz="2000" dirty="0" err="1"/>
-              <a:t>J</a:t>
-            </a:r>
-            <a:r>
-              <a:rPr lang="en-GB" sz="2000" dirty="0" err="1" smtClean="0"/>
-              <a:t>avascript</a:t>
-            </a:r>
-            <a:r>
-              <a:rPr lang="en-GB" sz="2000" dirty="0" smtClean="0"/>
-              <a:t>.</a:t>
-            </a:r>
-          </a:p>
-          <a:p>
-            <a:r>
-              <a:rPr lang="en-GB" sz="2000" dirty="0" smtClean="0"/>
-              <a:t>All actions are represented with the SVG (Scalable Vector Graphics) library</a:t>
-            </a:r>
-          </a:p>
-          <a:p>
-            <a:r>
-              <a:rPr lang="en-GB" sz="2000" dirty="0" smtClean="0"/>
-              <a:t>The web client picks up results by means of an </a:t>
-            </a:r>
-            <a:r>
-              <a:rPr lang="en-GB" sz="2000" dirty="0"/>
-              <a:t>A</a:t>
-            </a:r>
-            <a:r>
-              <a:rPr lang="en-GB" sz="2000" dirty="0" smtClean="0"/>
-              <a:t>jax request</a:t>
-            </a:r>
+              <a:t>Questions</a:t>
+            </a:r>
+            <a:endParaRPr lang="en-GB" dirty="0"/>
           </a:p>
         </p:txBody>
       </p:sp>
       <p:pic>
         <p:nvPicPr>
-          <p:cNvPr id="7" name="Picture" descr="10362028_714591681934559_2138798012_o"/>
-          <p:cNvPicPr/>
+          <p:cNvPr id="9218" name="Picture 2" descr="http://www.n9ws.com/images/upload/question-mark-270114102737.png"/>
+          <p:cNvPicPr>
+            <a:picLocks noChangeAspect="1" noChangeArrowheads="1"/>
+          </p:cNvPicPr>
           <p:nvPr/>
         </p:nvPicPr>
         <p:blipFill>
@@ -6765,24 +6123,18 @@
         </p:blipFill>
         <p:spPr bwMode="auto">
           <a:xfrm>
-            <a:off x="919956" y="2743200"/>
-            <a:ext cx="7304088" cy="3834406"/>
+            <a:off x="2400301" y="1257300"/>
+            <a:ext cx="4343399" cy="4343400"/>
           </a:xfrm>
           <a:prstGeom prst="rect">
             <a:avLst/>
           </a:prstGeom>
           <a:noFill/>
-          <a:ln w="9525">
-            <a:noFill/>
-            <a:miter lim="800000"/>
-            <a:headEnd/>
-            <a:tailEnd/>
-          </a:ln>
         </p:spPr>
       </p:pic>
       <p:sp>
         <p:nvSpPr>
-          <p:cNvPr id="5" name="Espace réservé du pied de page 4"/>
+          <p:cNvPr id="4" name="Espace réservé du pied de page 3"/>
           <p:cNvSpPr>
             <a:spLocks noGrp="1"/>
           </p:cNvSpPr>
@@ -6800,11 +6152,6 @@
         </p:txBody>
       </p:sp>
     </p:spTree>
-    <p:extLst>
-      <p:ext uri="{BB962C8B-B14F-4D97-AF65-F5344CB8AC3E}">
-        <p14:creationId xmlns:p14="http://schemas.microsoft.com/office/powerpoint/2010/main" val="1008876803"/>
-      </p:ext>
-    </p:extLst>
   </p:cSld>
   <p:clrMapOvr>
     <a:masterClrMapping/>
@@ -6812,13 +6159,6 @@
   <p:transition>
     <p:wipe dir="d"/>
   </p:transition>
-  <p:timing>
-    <p:tnLst>
-      <p:par>
-        <p:cTn id="1" dur="indefinite" restart="never" nodeType="tmRoot"/>
-      </p:par>
-    </p:tnLst>
-  </p:timing>
 </p:sld>
 </file>
 
@@ -6841,14 +6181,14 @@
       </p:grpSpPr>
       <p:cxnSp>
         <p:nvCxnSpPr>
-          <p:cNvPr id="11" name="Connecteur droit 10"/>
+          <p:cNvPr id="10" name="Connecteur droit 9"/>
           <p:cNvCxnSpPr/>
           <p:nvPr/>
         </p:nvCxnSpPr>
         <p:spPr>
           <a:xfrm>
-            <a:off x="2032000" y="1943100"/>
-            <a:ext cx="0" cy="4025900"/>
+            <a:off x="2667000" y="2133600"/>
+            <a:ext cx="0" cy="3390900"/>
           </a:xfrm>
           <a:prstGeom prst="line">
             <a:avLst/>
@@ -6909,7 +6249,7 @@
         </p:nvSpPr>
         <p:spPr>
           <a:xfrm>
-            <a:off x="2286000" y="1841500"/>
+            <a:off x="2921000" y="2032000"/>
             <a:ext cx="5224507" cy="424732"/>
           </a:xfrm>
           <a:prstGeom prst="rect">
@@ -6954,7 +6294,7 @@
         </p:nvSpPr>
         <p:spPr>
           <a:xfrm>
-            <a:off x="1892300" y="1803400"/>
+            <a:off x="2527300" y="1993900"/>
             <a:ext cx="635000" cy="461665"/>
           </a:xfrm>
           <a:prstGeom prst="rect">
@@ -6995,8 +6335,8 @@
         </p:nvSpPr>
         <p:spPr>
           <a:xfrm>
-            <a:off x="2286000" y="2476500"/>
-            <a:ext cx="2082750" cy="424732"/>
+            <a:off x="2921000" y="2667000"/>
+            <a:ext cx="2031325" cy="424732"/>
           </a:xfrm>
           <a:prstGeom prst="rect">
             <a:avLst/>
@@ -7021,7 +6361,7 @@
                 </a:solidFill>
                 <a:latin typeface="Arial"/>
               </a:rPr>
-              <a:t>2. The world</a:t>
+              <a:t>2. Grammar</a:t>
             </a:r>
             <a:endParaRPr lang="en-GB" sz="2700">
               <a:solidFill>
@@ -7040,8 +6380,8 @@
         </p:nvSpPr>
         <p:spPr>
           <a:xfrm>
-            <a:off x="2286000" y="3111500"/>
-            <a:ext cx="2031325" cy="424732"/>
+            <a:off x="2921000" y="3302000"/>
+            <a:ext cx="2165978" cy="424732"/>
           </a:xfrm>
           <a:prstGeom prst="rect">
             <a:avLst/>
@@ -7066,7 +6406,7 @@
                 </a:solidFill>
                 <a:latin typeface="Arial"/>
               </a:rPr>
-              <a:t>3. Grammar</a:t>
+              <a:t>3. Interpreter</a:t>
             </a:r>
             <a:endParaRPr lang="en-GB" sz="2700">
               <a:solidFill>
@@ -7085,8 +6425,8 @@
         </p:nvSpPr>
         <p:spPr>
           <a:xfrm>
-            <a:off x="2286000" y="3746500"/>
-            <a:ext cx="2165978" cy="424732"/>
+            <a:off x="2921000" y="3937000"/>
+            <a:ext cx="1762021" cy="424732"/>
           </a:xfrm>
           <a:prstGeom prst="rect">
             <a:avLst/>
@@ -7111,7 +6451,7 @@
                 </a:solidFill>
                 <a:latin typeface="Arial"/>
               </a:rPr>
-              <a:t>4. Interpreter</a:t>
+              <a:t>4. Planner</a:t>
             </a:r>
             <a:endParaRPr lang="en-GB" sz="2700">
               <a:solidFill>
@@ -7130,8 +6470,8 @@
         </p:nvSpPr>
         <p:spPr>
           <a:xfrm>
-            <a:off x="2286000" y="4381500"/>
-            <a:ext cx="1762021" cy="424732"/>
+            <a:off x="2921000" y="4572000"/>
+            <a:ext cx="3743461" cy="424732"/>
           </a:xfrm>
           <a:prstGeom prst="rect">
             <a:avLst/>
@@ -7156,7 +6496,7 @@
                 </a:solidFill>
                 <a:latin typeface="Arial"/>
               </a:rPr>
-              <a:t>5. Planner</a:t>
+              <a:t>5. Ambiguities handling</a:t>
             </a:r>
             <a:endParaRPr lang="en-GB" sz="2700">
               <a:solidFill>
@@ -7175,8 +6515,8 @@
         </p:nvSpPr>
         <p:spPr>
           <a:xfrm>
-            <a:off x="2286000" y="5016500"/>
-            <a:ext cx="3743461" cy="424732"/>
+            <a:off x="2921000" y="5207000"/>
+            <a:ext cx="4147289" cy="424732"/>
           </a:xfrm>
           <a:prstGeom prst="rect">
             <a:avLst/>
@@ -7201,7 +6541,7 @@
                 </a:solidFill>
                 <a:latin typeface="Arial"/>
               </a:rPr>
-              <a:t>6. Ambiguities handling</a:t>
+              <a:t>6. Possible improvements</a:t>
             </a:r>
             <a:endParaRPr lang="en-GB" sz="2700">
               <a:solidFill>
@@ -7212,182 +6552,15 @@
           </a:p>
         </p:txBody>
       </p:sp>
-      <p:sp>
-        <p:nvSpPr>
-          <p:cNvPr id="10" name="ZoneTexte 9"/>
-          <p:cNvSpPr txBox="1"/>
-          <p:nvPr/>
-        </p:nvSpPr>
-        <p:spPr>
-          <a:xfrm>
-            <a:off x="2286000" y="5651500"/>
-            <a:ext cx="1608133" cy="424732"/>
-          </a:xfrm>
-          <a:prstGeom prst="rect">
-            <a:avLst/>
-          </a:prstGeom>
-          <a:noFill/>
-        </p:spPr>
-        <p:txBody>
-          <a:bodyPr vert="horz" wrap="none" rtlCol="0">
-            <a:spAutoFit/>
-          </a:bodyPr>
-          <a:lstStyle/>
-          <a:p>
-            <a:pPr>
-              <a:lnSpc>
-                <a:spcPct val="80000"/>
-              </a:lnSpc>
-            </a:pPr>
-            <a:r>
-              <a:rPr lang="en-GB" sz="2700" smtClean="0">
-                <a:solidFill>
-                  <a:srgbClr val="C0C0C0"/>
-                </a:solidFill>
-                <a:latin typeface="Arial"/>
-              </a:rPr>
-              <a:t>7. Output</a:t>
-            </a:r>
-            <a:endParaRPr lang="en-GB" sz="2700">
-              <a:solidFill>
-                <a:srgbClr val="C0C0C0"/>
-              </a:solidFill>
-              <a:latin typeface="Arial"/>
-            </a:endParaRPr>
-          </a:p>
-        </p:txBody>
-      </p:sp>
-      <p:sp>
-        <p:nvSpPr>
-          <p:cNvPr id="12" name="Espace réservé du pied de page 11"/>
-          <p:cNvSpPr>
-            <a:spLocks noGrp="1"/>
-          </p:cNvSpPr>
-          <p:nvPr>
-            <p:ph type="ftr" sz="quarter" idx="10"/>
-          </p:nvPr>
-        </p:nvSpPr>
-        <p:spPr/>
-        <p:txBody>
-          <a:bodyPr/>
-          <a:lstStyle/>
-          <a:p>
-            <a:endParaRPr lang="fr-FR"/>
-          </a:p>
-        </p:txBody>
-      </p:sp>
     </p:spTree>
     <p:custDataLst>
       <p:tags r:id="rId1"/>
     </p:custDataLst>
     <p:extLst>
       <p:ext uri="{BB962C8B-B14F-4D97-AF65-F5344CB8AC3E}">
-        <p14:creationId xmlns:p14="http://schemas.microsoft.com/office/powerpoint/2010/main" val="1294863535"/>
+        <p14:creationId xmlns:p14="http://schemas.microsoft.com/office/powerpoint/2010/main" val="2532004101"/>
       </p:ext>
     </p:extLst>
-  </p:cSld>
-  <p:clrMapOvr>
-    <a:masterClrMapping/>
-  </p:clrMapOvr>
-  <p:transition>
-    <p:wipe dir="d"/>
-  </p:transition>
-  <p:timing>
-    <p:tnLst>
-      <p:par>
-        <p:cTn id="1" dur="indefinite" restart="never" nodeType="tmRoot"/>
-      </p:par>
-    </p:tnLst>
-  </p:timing>
-</p:sld>
-</file>
-
-<file path=ppt/slides/slide20.xml><?xml version="1.0" encoding="utf-8"?>
-<p:sld xmlns:a="http://schemas.openxmlformats.org/drawingml/2006/main" xmlns:r="http://schemas.openxmlformats.org/officeDocument/2006/relationships" xmlns:p="http://schemas.openxmlformats.org/presentationml/2006/main">
-  <p:cSld>
-    <p:spTree>
-      <p:nvGrpSpPr>
-        <p:cNvPr id="1" name=""/>
-        <p:cNvGrpSpPr/>
-        <p:nvPr/>
-      </p:nvGrpSpPr>
-      <p:grpSpPr>
-        <a:xfrm>
-          <a:off x="0" y="0"/>
-          <a:ext cx="0" cy="0"/>
-          <a:chOff x="0" y="0"/>
-          <a:chExt cx="0" cy="0"/>
-        </a:xfrm>
-      </p:grpSpPr>
-      <p:sp>
-        <p:nvSpPr>
-          <p:cNvPr id="2" name="Title 1"/>
-          <p:cNvSpPr>
-            <a:spLocks noGrp="1"/>
-          </p:cNvSpPr>
-          <p:nvPr>
-            <p:ph type="title"/>
-          </p:nvPr>
-        </p:nvSpPr>
-        <p:spPr/>
-        <p:txBody>
-          <a:bodyPr/>
-          <a:lstStyle/>
-          <a:p>
-            <a:r>
-              <a:rPr lang="en-GB" dirty="0" smtClean="0"/>
-              <a:t>Questions</a:t>
-            </a:r>
-            <a:endParaRPr lang="en-GB" dirty="0"/>
-          </a:p>
-        </p:txBody>
-      </p:sp>
-      <p:pic>
-        <p:nvPicPr>
-          <p:cNvPr id="9218" name="Picture 2" descr="http://www.n9ws.com/images/upload/question-mark-270114102737.png"/>
-          <p:cNvPicPr>
-            <a:picLocks noChangeAspect="1" noChangeArrowheads="1"/>
-          </p:cNvPicPr>
-          <p:nvPr/>
-        </p:nvPicPr>
-        <p:blipFill>
-          <a:blip r:embed="rId2" cstate="print"/>
-          <a:srcRect/>
-          <a:stretch>
-            <a:fillRect/>
-          </a:stretch>
-        </p:blipFill>
-        <p:spPr bwMode="auto">
-          <a:xfrm>
-            <a:off x="2400301" y="1257300"/>
-            <a:ext cx="4343399" cy="4343400"/>
-          </a:xfrm>
-          <a:prstGeom prst="rect">
-            <a:avLst/>
-          </a:prstGeom>
-          <a:noFill/>
-        </p:spPr>
-      </p:pic>
-      <p:sp>
-        <p:nvSpPr>
-          <p:cNvPr id="4" name="Espace réservé du pied de page 3"/>
-          <p:cNvSpPr>
-            <a:spLocks noGrp="1"/>
-          </p:cNvSpPr>
-          <p:nvPr>
-            <p:ph type="ftr" sz="quarter" idx="10"/>
-          </p:nvPr>
-        </p:nvSpPr>
-        <p:spPr/>
-        <p:txBody>
-          <a:bodyPr/>
-          <a:lstStyle/>
-          <a:p>
-            <a:endParaRPr lang="fr-FR"/>
-          </a:p>
-        </p:txBody>
-      </p:sp>
-    </p:spTree>
   </p:cSld>
   <p:clrMapOvr>
     <a:masterClrMapping/>
@@ -7462,21 +6635,34 @@
           <a:p>
             <a:r>
               <a:rPr lang="en-GB" sz="2400" dirty="0" smtClean="0"/>
-              <a:t>Simple client-server architecture</a:t>
-            </a:r>
-          </a:p>
-          <a:p>
+              <a:t>Simple client-server </a:t>
+            </a:r>
             <a:r>
               <a:rPr lang="en-GB" sz="2400" dirty="0" smtClean="0"/>
-              <a:t>On server side: Parser, Interpreter, Planner, Solver</a:t>
-            </a:r>
+              <a:t>architecture</a:t>
+            </a:r>
+          </a:p>
+          <a:p>
+            <a:r>
+              <a:rPr lang="en-GB" dirty="0"/>
+              <a:t>On client side: Collect of the query and graphical </a:t>
+            </a:r>
+            <a:r>
+              <a:rPr lang="en-GB" dirty="0" smtClean="0"/>
+              <a:t>display</a:t>
+            </a:r>
+            <a:endParaRPr lang="en-GB" sz="2400" dirty="0" smtClean="0"/>
           </a:p>
           <a:p>
             <a:r>
               <a:rPr lang="en-GB" sz="2400" dirty="0" smtClean="0"/>
-              <a:t>On client side: Collect of the query and graphical display</a:t>
-            </a:r>
-            <a:endParaRPr lang="en-GB" sz="2400" dirty="0"/>
+              <a:t>On server side: Parser, Interpreter, Planner, </a:t>
+            </a:r>
+            <a:r>
+              <a:rPr lang="en-GB" sz="2400" dirty="0" smtClean="0"/>
+              <a:t>Solver</a:t>
+            </a:r>
+            <a:endParaRPr lang="en-GB" sz="2400" dirty="0" smtClean="0"/>
           </a:p>
         </p:txBody>
       </p:sp>
@@ -7573,14 +6759,14 @@
       </p:grpSpPr>
       <p:cxnSp>
         <p:nvCxnSpPr>
-          <p:cNvPr id="11" name="Connecteur droit 10"/>
+          <p:cNvPr id="10" name="Connecteur droit 9"/>
           <p:cNvCxnSpPr/>
           <p:nvPr/>
         </p:nvCxnSpPr>
         <p:spPr>
           <a:xfrm>
-            <a:off x="2032000" y="1943100"/>
-            <a:ext cx="0" cy="4025900"/>
+            <a:off x="2667000" y="2133600"/>
+            <a:ext cx="0" cy="3390900"/>
           </a:xfrm>
           <a:prstGeom prst="line">
             <a:avLst/>
@@ -7641,7 +6827,7 @@
         </p:nvSpPr>
         <p:spPr>
           <a:xfrm>
-            <a:off x="2286000" y="1841500"/>
+            <a:off x="2921000" y="2032000"/>
             <a:ext cx="5224507" cy="424732"/>
           </a:xfrm>
           <a:prstGeom prst="rect">
@@ -7686,8 +6872,8 @@
         </p:nvSpPr>
         <p:spPr>
           <a:xfrm>
-            <a:off x="2286000" y="2476500"/>
-            <a:ext cx="2082750" cy="424732"/>
+            <a:off x="2921000" y="2667000"/>
+            <a:ext cx="2031325" cy="424732"/>
           </a:xfrm>
           <a:prstGeom prst="rect">
             <a:avLst/>
@@ -7712,7 +6898,7 @@
                 </a:solidFill>
                 <a:latin typeface="Arial"/>
               </a:rPr>
-              <a:t>2. The world</a:t>
+              <a:t>2. Grammar</a:t>
             </a:r>
             <a:endParaRPr lang="en-GB" sz="2700">
               <a:solidFill>
@@ -7731,7 +6917,7 @@
         </p:nvSpPr>
         <p:spPr>
           <a:xfrm>
-            <a:off x="1892300" y="2438400"/>
+            <a:off x="2527300" y="2628900"/>
             <a:ext cx="635000" cy="461665"/>
           </a:xfrm>
           <a:prstGeom prst="rect">
@@ -7772,8 +6958,8 @@
         </p:nvSpPr>
         <p:spPr>
           <a:xfrm>
-            <a:off x="2286000" y="3111500"/>
-            <a:ext cx="2031325" cy="424732"/>
+            <a:off x="2921000" y="3302000"/>
+            <a:ext cx="2165978" cy="424732"/>
           </a:xfrm>
           <a:prstGeom prst="rect">
             <a:avLst/>
@@ -7798,7 +6984,7 @@
                 </a:solidFill>
                 <a:latin typeface="Arial"/>
               </a:rPr>
-              <a:t>3. Grammar</a:t>
+              <a:t>3. Interpreter</a:t>
             </a:r>
             <a:endParaRPr lang="en-GB" sz="2700">
               <a:solidFill>
@@ -7817,8 +7003,8 @@
         </p:nvSpPr>
         <p:spPr>
           <a:xfrm>
-            <a:off x="2286000" y="3746500"/>
-            <a:ext cx="2165978" cy="424732"/>
+            <a:off x="2921000" y="3937000"/>
+            <a:ext cx="1762021" cy="424732"/>
           </a:xfrm>
           <a:prstGeom prst="rect">
             <a:avLst/>
@@ -7843,7 +7029,7 @@
                 </a:solidFill>
                 <a:latin typeface="Arial"/>
               </a:rPr>
-              <a:t>4. Interpreter</a:t>
+              <a:t>4. Planner</a:t>
             </a:r>
             <a:endParaRPr lang="en-GB" sz="2700">
               <a:solidFill>
@@ -7862,8 +7048,8 @@
         </p:nvSpPr>
         <p:spPr>
           <a:xfrm>
-            <a:off x="2286000" y="4381500"/>
-            <a:ext cx="1762021" cy="424732"/>
+            <a:off x="2921000" y="4572000"/>
+            <a:ext cx="3743461" cy="424732"/>
           </a:xfrm>
           <a:prstGeom prst="rect">
             <a:avLst/>
@@ -7888,7 +7074,7 @@
                 </a:solidFill>
                 <a:latin typeface="Arial"/>
               </a:rPr>
-              <a:t>5. Planner</a:t>
+              <a:t>5. Ambiguities handling</a:t>
             </a:r>
             <a:endParaRPr lang="en-GB" sz="2700">
               <a:solidFill>
@@ -7907,8 +7093,8 @@
         </p:nvSpPr>
         <p:spPr>
           <a:xfrm>
-            <a:off x="2286000" y="5016500"/>
-            <a:ext cx="3743461" cy="424732"/>
+            <a:off x="2921000" y="5207000"/>
+            <a:ext cx="4147289" cy="424732"/>
           </a:xfrm>
           <a:prstGeom prst="rect">
             <a:avLst/>
@@ -7933,7 +7119,7 @@
                 </a:solidFill>
                 <a:latin typeface="Arial"/>
               </a:rPr>
-              <a:t>6. Ambiguities handling</a:t>
+              <a:t>6. Possible improvements</a:t>
             </a:r>
             <a:endParaRPr lang="en-GB" sz="2700">
               <a:solidFill>
@@ -7944,77 +7130,13 @@
           </a:p>
         </p:txBody>
       </p:sp>
-      <p:sp>
-        <p:nvSpPr>
-          <p:cNvPr id="10" name="ZoneTexte 9"/>
-          <p:cNvSpPr txBox="1"/>
-          <p:nvPr/>
-        </p:nvSpPr>
-        <p:spPr>
-          <a:xfrm>
-            <a:off x="2286000" y="5651500"/>
-            <a:ext cx="1608133" cy="424732"/>
-          </a:xfrm>
-          <a:prstGeom prst="rect">
-            <a:avLst/>
-          </a:prstGeom>
-          <a:noFill/>
-        </p:spPr>
-        <p:txBody>
-          <a:bodyPr vert="horz" wrap="none" rtlCol="0">
-            <a:spAutoFit/>
-          </a:bodyPr>
-          <a:lstStyle/>
-          <a:p>
-            <a:pPr>
-              <a:lnSpc>
-                <a:spcPct val="80000"/>
-              </a:lnSpc>
-            </a:pPr>
-            <a:r>
-              <a:rPr lang="en-GB" sz="2700" smtClean="0">
-                <a:solidFill>
-                  <a:srgbClr val="C0C0C0"/>
-                </a:solidFill>
-                <a:latin typeface="Arial"/>
-              </a:rPr>
-              <a:t>7. Output</a:t>
-            </a:r>
-            <a:endParaRPr lang="en-GB" sz="2700">
-              <a:solidFill>
-                <a:srgbClr val="C0C0C0"/>
-              </a:solidFill>
-              <a:latin typeface="Arial"/>
-            </a:endParaRPr>
-          </a:p>
-        </p:txBody>
-      </p:sp>
-      <p:sp>
-        <p:nvSpPr>
-          <p:cNvPr id="12" name="Espace réservé du pied de page 11"/>
-          <p:cNvSpPr>
-            <a:spLocks noGrp="1"/>
-          </p:cNvSpPr>
-          <p:nvPr>
-            <p:ph type="ftr" sz="quarter" idx="10"/>
-          </p:nvPr>
-        </p:nvSpPr>
-        <p:spPr/>
-        <p:txBody>
-          <a:bodyPr/>
-          <a:lstStyle/>
-          <a:p>
-            <a:endParaRPr lang="fr-FR"/>
-          </a:p>
-        </p:txBody>
-      </p:sp>
     </p:spTree>
     <p:custDataLst>
       <p:tags r:id="rId1"/>
     </p:custDataLst>
     <p:extLst>
       <p:ext uri="{BB962C8B-B14F-4D97-AF65-F5344CB8AC3E}">
-        <p14:creationId xmlns:p14="http://schemas.microsoft.com/office/powerpoint/2010/main" val="3974514376"/>
+        <p14:creationId xmlns:p14="http://schemas.microsoft.com/office/powerpoint/2010/main" val="70588675"/>
       </p:ext>
     </p:extLst>
   </p:cSld>
@@ -8024,13 +7146,6 @@
   <p:transition>
     <p:wipe dir="d"/>
   </p:transition>
-  <p:timing>
-    <p:tnLst>
-      <p:par>
-        <p:cTn id="1" dur="indefinite" restart="never" nodeType="tmRoot"/>
-      </p:par>
-    </p:tnLst>
-  </p:timing>
 </p:sld>
 </file>
 
@@ -8068,7 +7183,7 @@
           <a:p>
             <a:r>
               <a:rPr lang="en-GB" dirty="0" smtClean="0"/>
-              <a:t>The world</a:t>
+              <a:t>Grammar</a:t>
             </a:r>
             <a:endParaRPr lang="en-GB" dirty="0"/>
           </a:p>
@@ -8076,7 +7191,7 @@
       </p:sp>
       <p:sp>
         <p:nvSpPr>
-          <p:cNvPr id="10" name="Content Placeholder 2"/>
+          <p:cNvPr id="3" name="Content Placeholder 2"/>
           <p:cNvSpPr>
             <a:spLocks noGrp="1"/>
           </p:cNvSpPr>
@@ -8084,174 +7199,138 @@
             <p:ph idx="1"/>
           </p:nvPr>
         </p:nvSpPr>
-        <p:spPr>
-          <a:xfrm>
-            <a:off x="457200" y="1371600"/>
-            <a:ext cx="8229600" cy="2085764"/>
-          </a:xfrm>
-        </p:spPr>
+        <p:spPr/>
         <p:txBody>
           <a:bodyPr vert="horz" lIns="91440" tIns="45720" rIns="91440" bIns="45720" rtlCol="0" anchor="t">
-            <a:spAutoFit/>
+            <a:noAutofit/>
           </a:bodyPr>
           <a:lstStyle/>
           <a:p>
-            <a:pPr marL="198024" lvl="0" indent="-198024" defTabSz="704087">
+            <a:pPr marL="257175" lvl="0" indent="-257175">
+              <a:spcBef>
+                <a:spcPts val="500"/>
+              </a:spcBef>
+              <a:defRPr sz="1800"/>
+            </a:pPr>
+            <a:r>
+              <a:rPr lang="en-US" dirty="0" smtClean="0"/>
+              <a:t>One of the major improvements is the possibility for the user to ask</a:t>
+            </a:r>
+            <a:r>
+              <a:rPr lang="en-US" b="1" dirty="0" smtClean="0">
+                <a:solidFill>
+                  <a:schemeClr val="tx2"/>
+                </a:solidFill>
+              </a:rPr>
+              <a:t> 3 new types of questions</a:t>
+            </a:r>
+            <a:r>
+              <a:rPr lang="en-US" dirty="0" smtClean="0"/>
+              <a:t> containing the following keywords: where, what and count.</a:t>
+            </a:r>
+          </a:p>
+          <a:p>
+            <a:pPr marL="257175" lvl="0" indent="-257175">
+              <a:spcBef>
+                <a:spcPts val="500"/>
+              </a:spcBef>
+              <a:defRPr sz="1800"/>
+            </a:pPr>
+            <a:r>
+              <a:rPr lang="en-US" dirty="0" smtClean="0"/>
+              <a:t>For example:</a:t>
+            </a:r>
+          </a:p>
+          <a:p>
+            <a:pPr marL="685800" lvl="2" indent="-285750">
               <a:spcBef>
                 <a:spcPts val="400"/>
               </a:spcBef>
               <a:defRPr sz="1800"/>
             </a:pPr>
             <a:r>
-              <a:rPr lang="en-US" sz="1848" dirty="0" smtClean="0"/>
-              <a:t>The world can contain objects of different </a:t>
-            </a:r>
-            <a:r>
-              <a:rPr lang="en-US" sz="1848" b="1" dirty="0" smtClean="0">
-                <a:solidFill>
-                  <a:schemeClr val="tx2"/>
-                </a:solidFill>
-              </a:rPr>
-              <a:t>forms</a:t>
-            </a:r>
-            <a:r>
-              <a:rPr lang="en-US" sz="1848" dirty="0" smtClean="0"/>
-              <a:t>, </a:t>
-            </a:r>
-            <a:r>
-              <a:rPr lang="en-US" sz="1848" b="1" dirty="0" smtClean="0">
-                <a:solidFill>
-                  <a:schemeClr val="tx2"/>
-                </a:solidFill>
-              </a:rPr>
-              <a:t>colors</a:t>
-            </a:r>
-            <a:r>
-              <a:rPr lang="en-US" sz="1848" dirty="0" smtClean="0"/>
-              <a:t> and </a:t>
-            </a:r>
-            <a:r>
-              <a:rPr lang="en-US" sz="1848" b="1" dirty="0" smtClean="0">
-                <a:solidFill>
-                  <a:schemeClr val="tx2"/>
-                </a:solidFill>
-              </a:rPr>
-              <a:t>sizes</a:t>
-            </a:r>
-            <a:r>
-              <a:rPr lang="en-US" sz="1848" dirty="0" smtClean="0"/>
-              <a:t>:</a:t>
-            </a:r>
-          </a:p>
-          <a:p>
-            <a:pPr marL="528065" lvl="2" indent="-220027" defTabSz="704087">
+              <a:rPr lang="en-US" sz="2000" i="1" dirty="0" smtClean="0"/>
+              <a:t>“where is the white big ball?” </a:t>
+            </a:r>
+            <a:endParaRPr lang="en-US" sz="2400" dirty="0" smtClean="0"/>
+          </a:p>
+          <a:p>
+            <a:pPr marL="685800" lvl="2" indent="-285750">
               <a:spcBef>
-                <a:spcPts val="300"/>
+                <a:spcPts val="400"/>
               </a:spcBef>
               <a:defRPr sz="1800"/>
             </a:pPr>
             <a:r>
-              <a:rPr lang="en-US" sz="1540" i="1" dirty="0" smtClean="0"/>
-              <a:t>Forms: bricks, planks, balls, pyramids, boxes, tables. </a:t>
-            </a:r>
-            <a:endParaRPr lang="en-US" sz="1848" dirty="0" smtClean="0"/>
-          </a:p>
-          <a:p>
-            <a:pPr marL="528065" lvl="2" indent="-220027" defTabSz="704087">
+              <a:rPr lang="en-US" sz="2000" i="1" dirty="0" smtClean="0"/>
+              <a:t>“what are the objects in the world?”</a:t>
+            </a:r>
+            <a:endParaRPr lang="en-US" sz="2400" dirty="0" smtClean="0"/>
+          </a:p>
+          <a:p>
+            <a:pPr marL="685800" lvl="2" indent="-285750">
               <a:spcBef>
-                <a:spcPts val="300"/>
+                <a:spcPts val="400"/>
               </a:spcBef>
               <a:defRPr sz="1800"/>
             </a:pPr>
             <a:r>
-              <a:rPr lang="en-US" sz="1540" i="1" dirty="0" smtClean="0"/>
-              <a:t>Colors: red, black, blue, green, yellow, white. </a:t>
-            </a:r>
-            <a:endParaRPr lang="en-US" sz="1848" dirty="0" smtClean="0"/>
-          </a:p>
-          <a:p>
-            <a:pPr marL="528065" lvl="2" indent="-220027" defTabSz="704087">
+              <a:rPr lang="en-US" sz="2000" i="1" dirty="0" smtClean="0"/>
+              <a:t>“how many ball are in the world?” </a:t>
+            </a:r>
+          </a:p>
+          <a:p>
+            <a:pPr marL="342900" lvl="1" indent="-342900">
               <a:spcBef>
-                <a:spcPts val="300"/>
+                <a:spcPts val="600"/>
+              </a:spcBef>
+              <a:buChar char="•"/>
+              <a:defRPr sz="1800"/>
+            </a:pPr>
+            <a:endParaRPr lang="en-US" sz="2400" dirty="0" smtClean="0"/>
+          </a:p>
+          <a:p>
+            <a:pPr marL="257175" indent="-257175">
+              <a:spcBef>
+                <a:spcPts val="500"/>
               </a:spcBef>
               <a:defRPr sz="1800"/>
             </a:pPr>
             <a:r>
-              <a:rPr lang="en-US" sz="1540" i="1" dirty="0" smtClean="0"/>
-              <a:t>Sizes: large, medium, small.</a:t>
-            </a:r>
-          </a:p>
-          <a:p>
-            <a:pPr marL="264032" lvl="0" indent="-264032" defTabSz="704087">
+              <a:rPr lang="en-US" sz="1800" dirty="0" smtClean="0"/>
+              <a:t>The user can also perform request to obtain information about an entire </a:t>
+            </a:r>
+            <a:r>
+              <a:rPr lang="en-US" sz="1800" b="1" dirty="0" smtClean="0">
+                <a:solidFill>
+                  <a:schemeClr val="tx2"/>
+                </a:solidFill>
+              </a:rPr>
+              <a:t>stack</a:t>
+            </a:r>
+            <a:r>
+              <a:rPr lang="en-US" sz="1800" dirty="0" smtClean="0"/>
+              <a:t>.</a:t>
+            </a:r>
+          </a:p>
+          <a:p>
+            <a:pPr marL="685800" lvl="2" indent="-285750">
               <a:spcBef>
-                <a:spcPts val="300"/>
+                <a:spcPts val="400"/>
               </a:spcBef>
               <a:defRPr sz="1800"/>
             </a:pPr>
-            <a:endParaRPr lang="en-US" sz="1540" i="1" dirty="0" smtClean="0"/>
-          </a:p>
-          <a:p>
-            <a:pPr marL="264032" lvl="0" indent="-264032" defTabSz="704087">
-              <a:spcBef>
-                <a:spcPts val="300"/>
-              </a:spcBef>
-              <a:defRPr sz="1800"/>
-            </a:pPr>
-            <a:r>
-              <a:rPr lang="en-US" sz="1848" dirty="0" smtClean="0"/>
-              <a:t>The world is ruled by </a:t>
-            </a:r>
-            <a:r>
-              <a:rPr lang="en-US" sz="1848" b="1" dirty="0" smtClean="0">
-                <a:solidFill>
-                  <a:schemeClr val="tx2"/>
-                </a:solidFill>
-              </a:rPr>
-              <a:t>physical rules</a:t>
-            </a:r>
-            <a:r>
-              <a:rPr lang="en-US" sz="1848" dirty="0" smtClean="0"/>
-              <a:t> : e.g. it’s impossible to put an object on top of a ball.</a:t>
-            </a:r>
-            <a:endParaRPr lang="en-US" sz="1848" dirty="0"/>
-          </a:p>
-        </p:txBody>
-      </p:sp>
-      <p:pic>
-        <p:nvPicPr>
-          <p:cNvPr id="3074" name="Picture 2"/>
-          <p:cNvPicPr>
-            <a:picLocks noChangeAspect="1" noChangeArrowheads="1"/>
-          </p:cNvPicPr>
-          <p:nvPr/>
-        </p:nvPicPr>
-        <p:blipFill>
-          <a:blip r:embed="rId2" cstate="print"/>
-          <a:srcRect/>
-          <a:stretch>
-            <a:fillRect/>
-          </a:stretch>
-        </p:blipFill>
-        <p:spPr bwMode="auto">
-          <a:xfrm>
-            <a:off x="2362200" y="3532300"/>
-            <a:ext cx="4419600" cy="2754720"/>
-          </a:xfrm>
-          <a:prstGeom prst="rect">
-            <a:avLst/>
-          </a:prstGeom>
-          <a:noFill/>
-          <a:ln w="9525">
-            <a:noFill/>
-            <a:miter lim="800000"/>
-            <a:headEnd/>
-            <a:tailEnd/>
-          </a:ln>
-        </p:spPr>
-      </p:pic>
-      <p:sp>
-        <p:nvSpPr>
-          <p:cNvPr id="4" name="Espace réservé du pied de page 3"/>
+            <a:r>
+              <a:rPr lang="en-US" sz="2000" i="1" dirty="0" smtClean="0"/>
+              <a:t>“what are the objects in stack 2?” </a:t>
+            </a:r>
+            <a:endParaRPr lang="en-US" sz="2000" i="1" dirty="0"/>
+          </a:p>
+        </p:txBody>
+      </p:sp>
+      <p:sp>
+        <p:nvSpPr>
+          <p:cNvPr id="5" name="Espace réservé du pied de page 4"/>
           <p:cNvSpPr>
             <a:spLocks noGrp="1"/>
           </p:cNvSpPr>
@@ -8268,65 +7347,10 @@
           </a:p>
         </p:txBody>
       </p:sp>
-      <p:sp>
-        <p:nvSpPr>
-          <p:cNvPr id="6" name="Shape 60"/>
-          <p:cNvSpPr/>
-          <p:nvPr/>
-        </p:nvSpPr>
-        <p:spPr>
-          <a:xfrm>
-            <a:off x="3010130" y="6276201"/>
-            <a:ext cx="3123740" cy="276999"/>
-          </a:xfrm>
-          <a:prstGeom prst="rect">
-            <a:avLst/>
-          </a:prstGeom>
-          <a:ln w="12700">
-            <a:miter lim="400000"/>
-          </a:ln>
-          <a:extLst>
-            <a:ext uri="{C572A759-6A51-4108-AA02-DFA0A04FC94B}">
-              <ma14:wrappingTextBoxFlag xmlns:ma14="http://schemas.microsoft.com/office/mac/drawingml/2011/main" xmlns="" val="1"/>
-            </a:ext>
-          </a:extLst>
-        </p:spPr>
-        <p:txBody>
-          <a:bodyPr wrap="square" lIns="45719" rIns="45719">
-            <a:spAutoFit/>
-          </a:bodyPr>
-          <a:lstStyle>
-            <a:lvl1pPr algn="ctr">
-              <a:defRPr sz="1200">
-                <a:solidFill>
-                  <a:srgbClr val="888888"/>
-                </a:solidFill>
-              </a:defRPr>
-            </a:lvl1pPr>
-          </a:lstStyle>
-          <a:p>
-            <a:pPr lvl="0">
-              <a:defRPr sz="1800">
-                <a:solidFill>
-                  <a:srgbClr val="000000"/>
-                </a:solidFill>
-              </a:defRPr>
-            </a:pPr>
-            <a:r>
-              <a:rPr sz="1200" i="1" dirty="0">
-                <a:solidFill>
-                  <a:srgbClr val="888888"/>
-                </a:solidFill>
-              </a:rPr>
-              <a:t>Picture 1. Screenshot of the small world</a:t>
-            </a:r>
-          </a:p>
-        </p:txBody>
-      </p:sp>
     </p:spTree>
     <p:extLst>
       <p:ext uri="{BB962C8B-B14F-4D97-AF65-F5344CB8AC3E}">
-        <p14:creationId xmlns:p14="http://schemas.microsoft.com/office/powerpoint/2010/main" val="1099653964"/>
+        <p14:creationId xmlns:p14="http://schemas.microsoft.com/office/powerpoint/2010/main" val="427125282"/>
       </p:ext>
     </p:extLst>
   </p:cSld>
@@ -8365,14 +7389,14 @@
       </p:grpSpPr>
       <p:cxnSp>
         <p:nvCxnSpPr>
-          <p:cNvPr id="11" name="Connecteur droit 10"/>
+          <p:cNvPr id="12" name="Connecteur droit 11"/>
           <p:cNvCxnSpPr/>
           <p:nvPr/>
         </p:nvCxnSpPr>
         <p:spPr>
           <a:xfrm>
-            <a:off x="2032000" y="1943100"/>
-            <a:ext cx="0" cy="4025900"/>
+            <a:off x="2667000" y="1905000"/>
+            <a:ext cx="0" cy="3898900"/>
           </a:xfrm>
           <a:prstGeom prst="line">
             <a:avLst/>
@@ -8433,7 +7457,7 @@
         </p:nvSpPr>
         <p:spPr>
           <a:xfrm>
-            <a:off x="2286000" y="1841500"/>
+            <a:off x="2921000" y="1803400"/>
             <a:ext cx="5224507" cy="424732"/>
           </a:xfrm>
           <a:prstGeom prst="rect">
@@ -8478,8 +7502,8 @@
         </p:nvSpPr>
         <p:spPr>
           <a:xfrm>
-            <a:off x="2286000" y="2476500"/>
-            <a:ext cx="2082750" cy="424732"/>
+            <a:off x="2921000" y="2438400"/>
+            <a:ext cx="2031325" cy="424732"/>
           </a:xfrm>
           <a:prstGeom prst="rect">
             <a:avLst/>
@@ -8504,7 +7528,7 @@
                 </a:solidFill>
                 <a:latin typeface="Arial"/>
               </a:rPr>
-              <a:t>2. The world</a:t>
+              <a:t>2. Grammar</a:t>
             </a:r>
             <a:endParaRPr lang="en-GB" sz="2700">
               <a:solidFill>
@@ -8523,8 +7547,8 @@
         </p:nvSpPr>
         <p:spPr>
           <a:xfrm>
-            <a:off x="2286000" y="3111500"/>
-            <a:ext cx="2031325" cy="424732"/>
+            <a:off x="2921000" y="3073400"/>
+            <a:ext cx="2165978" cy="424732"/>
           </a:xfrm>
           <a:prstGeom prst="rect">
             <a:avLst/>
@@ -8549,7 +7573,7 @@
                 </a:solidFill>
                 <a:latin typeface="Arial"/>
               </a:rPr>
-              <a:t>3. Grammar</a:t>
+              <a:t>3. Interpreter</a:t>
             </a:r>
             <a:endParaRPr lang="en-GB" sz="2700">
               <a:solidFill>
@@ -8568,7 +7592,7 @@
         </p:nvSpPr>
         <p:spPr>
           <a:xfrm>
-            <a:off x="1892300" y="3073400"/>
+            <a:off x="2527300" y="3035300"/>
             <a:ext cx="635000" cy="461665"/>
           </a:xfrm>
           <a:prstGeom prst="rect">
@@ -8609,8 +7633,88 @@
         </p:nvSpPr>
         <p:spPr>
           <a:xfrm>
-            <a:off x="2286000" y="3746500"/>
-            <a:ext cx="2165978" cy="424732"/>
+            <a:off x="3302000" y="3517900"/>
+            <a:ext cx="1763624" cy="276999"/>
+          </a:xfrm>
+          <a:prstGeom prst="rect">
+            <a:avLst/>
+          </a:prstGeom>
+          <a:noFill/>
+        </p:spPr>
+        <p:txBody>
+          <a:bodyPr vert="horz" wrap="none" rtlCol="0">
+            <a:spAutoFit/>
+          </a:bodyPr>
+          <a:lstStyle/>
+          <a:p>
+            <a:r>
+              <a:rPr lang="en-GB" sz="1200" i="1" smtClean="0">
+                <a:solidFill>
+                  <a:srgbClr val="00477F"/>
+                </a:solidFill>
+                <a:latin typeface="Arial"/>
+              </a:rPr>
+              <a:t>3. 1 Interpretation rules</a:t>
+            </a:r>
+            <a:endParaRPr lang="en-GB" sz="1200" i="1">
+              <a:solidFill>
+                <a:srgbClr val="00477F"/>
+              </a:solidFill>
+              <a:latin typeface="Arial"/>
+            </a:endParaRPr>
+          </a:p>
+        </p:txBody>
+      </p:sp>
+      <p:sp>
+        <p:nvSpPr>
+          <p:cNvPr id="8" name="ZoneTexte 7"/>
+          <p:cNvSpPr txBox="1"/>
+          <p:nvPr/>
+        </p:nvSpPr>
+        <p:spPr>
+          <a:xfrm>
+            <a:off x="3302000" y="3771900"/>
+            <a:ext cx="1226618" cy="276999"/>
+          </a:xfrm>
+          <a:prstGeom prst="rect">
+            <a:avLst/>
+          </a:prstGeom>
+          <a:noFill/>
+        </p:spPr>
+        <p:txBody>
+          <a:bodyPr vert="horz" wrap="none" rtlCol="0">
+            <a:spAutoFit/>
+          </a:bodyPr>
+          <a:lstStyle/>
+          <a:p>
+            <a:r>
+              <a:rPr lang="en-GB" sz="1200" i="1" smtClean="0">
+                <a:solidFill>
+                  <a:srgbClr val="C0C0C0"/>
+                </a:solidFill>
+                <a:latin typeface="Arial"/>
+              </a:rPr>
+              <a:t>3. 2 Quantifiers</a:t>
+            </a:r>
+            <a:endParaRPr lang="en-GB" sz="1200" i="1">
+              <a:solidFill>
+                <a:srgbClr val="C0C0C0"/>
+              </a:solidFill>
+              <a:latin typeface="Arial"/>
+            </a:endParaRPr>
+          </a:p>
+        </p:txBody>
+      </p:sp>
+      <p:sp>
+        <p:nvSpPr>
+          <p:cNvPr id="9" name="ZoneTexte 8"/>
+          <p:cNvSpPr txBox="1"/>
+          <p:nvPr/>
+        </p:nvSpPr>
+        <p:spPr>
+          <a:xfrm>
+            <a:off x="2921000" y="4216400"/>
+            <a:ext cx="1762021" cy="424732"/>
           </a:xfrm>
           <a:prstGeom prst="rect">
             <a:avLst/>
@@ -8635,7 +7739,7 @@
                 </a:solidFill>
                 <a:latin typeface="Arial"/>
               </a:rPr>
-              <a:t>4. Interpreter</a:t>
+              <a:t>4. Planner</a:t>
             </a:r>
             <a:endParaRPr lang="en-GB" sz="2700">
               <a:solidFill>
@@ -8648,14 +7752,14 @@
       </p:sp>
       <p:sp>
         <p:nvSpPr>
-          <p:cNvPr id="8" name="ZoneTexte 7"/>
+          <p:cNvPr id="10" name="ZoneTexte 9"/>
           <p:cNvSpPr txBox="1"/>
           <p:nvPr/>
         </p:nvSpPr>
         <p:spPr>
           <a:xfrm>
-            <a:off x="2286000" y="4381500"/>
-            <a:ext cx="1762021" cy="424732"/>
+            <a:off x="2921000" y="4851400"/>
+            <a:ext cx="3743461" cy="424732"/>
           </a:xfrm>
           <a:prstGeom prst="rect">
             <a:avLst/>
@@ -8680,7 +7784,7 @@
                 </a:solidFill>
                 <a:latin typeface="Arial"/>
               </a:rPr>
-              <a:t>5. Planner</a:t>
+              <a:t>5. Ambiguities handling</a:t>
             </a:r>
             <a:endParaRPr lang="en-GB" sz="2700">
               <a:solidFill>
@@ -8693,14 +7797,14 @@
       </p:sp>
       <p:sp>
         <p:nvSpPr>
-          <p:cNvPr id="9" name="ZoneTexte 8"/>
+          <p:cNvPr id="11" name="ZoneTexte 10"/>
           <p:cNvSpPr txBox="1"/>
           <p:nvPr/>
         </p:nvSpPr>
         <p:spPr>
           <a:xfrm>
-            <a:off x="2286000" y="5016500"/>
-            <a:ext cx="3743461" cy="424732"/>
+            <a:off x="2921000" y="5486400"/>
+            <a:ext cx="4147289" cy="424732"/>
           </a:xfrm>
           <a:prstGeom prst="rect">
             <a:avLst/>
@@ -8725,7 +7829,7 @@
                 </a:solidFill>
                 <a:latin typeface="Arial"/>
               </a:rPr>
-              <a:t>6. Ambiguities handling</a:t>
+              <a:t>6. Possible improvements</a:t>
             </a:r>
             <a:endParaRPr lang="en-GB" sz="2700">
               <a:solidFill>
@@ -8736,77 +7840,13 @@
           </a:p>
         </p:txBody>
       </p:sp>
-      <p:sp>
-        <p:nvSpPr>
-          <p:cNvPr id="10" name="ZoneTexte 9"/>
-          <p:cNvSpPr txBox="1"/>
-          <p:nvPr/>
-        </p:nvSpPr>
-        <p:spPr>
-          <a:xfrm>
-            <a:off x="2286000" y="5651500"/>
-            <a:ext cx="1608133" cy="424732"/>
-          </a:xfrm>
-          <a:prstGeom prst="rect">
-            <a:avLst/>
-          </a:prstGeom>
-          <a:noFill/>
-        </p:spPr>
-        <p:txBody>
-          <a:bodyPr vert="horz" wrap="none" rtlCol="0">
-            <a:spAutoFit/>
-          </a:bodyPr>
-          <a:lstStyle/>
-          <a:p>
-            <a:pPr>
-              <a:lnSpc>
-                <a:spcPct val="80000"/>
-              </a:lnSpc>
-            </a:pPr>
-            <a:r>
-              <a:rPr lang="en-GB" sz="2700" smtClean="0">
-                <a:solidFill>
-                  <a:srgbClr val="C0C0C0"/>
-                </a:solidFill>
-                <a:latin typeface="Arial"/>
-              </a:rPr>
-              <a:t>7. Output</a:t>
-            </a:r>
-            <a:endParaRPr lang="en-GB" sz="2700">
-              <a:solidFill>
-                <a:srgbClr val="C0C0C0"/>
-              </a:solidFill>
-              <a:latin typeface="Arial"/>
-            </a:endParaRPr>
-          </a:p>
-        </p:txBody>
-      </p:sp>
-      <p:sp>
-        <p:nvSpPr>
-          <p:cNvPr id="12" name="Espace réservé du pied de page 11"/>
-          <p:cNvSpPr>
-            <a:spLocks noGrp="1"/>
-          </p:cNvSpPr>
-          <p:nvPr>
-            <p:ph type="ftr" sz="quarter" idx="10"/>
-          </p:nvPr>
-        </p:nvSpPr>
-        <p:spPr/>
-        <p:txBody>
-          <a:bodyPr/>
-          <a:lstStyle/>
-          <a:p>
-            <a:endParaRPr lang="fr-FR"/>
-          </a:p>
-        </p:txBody>
-      </p:sp>
     </p:spTree>
     <p:custDataLst>
       <p:tags r:id="rId1"/>
     </p:custDataLst>
     <p:extLst>
       <p:ext uri="{BB962C8B-B14F-4D97-AF65-F5344CB8AC3E}">
-        <p14:creationId xmlns:p14="http://schemas.microsoft.com/office/powerpoint/2010/main" val="3079118635"/>
+        <p14:creationId xmlns:p14="http://schemas.microsoft.com/office/powerpoint/2010/main" val="2039082230"/>
       </p:ext>
     </p:extLst>
   </p:cSld>
@@ -8816,13 +7856,6 @@
   <p:transition>
     <p:wipe dir="d"/>
   </p:transition>
-  <p:timing>
-    <p:tnLst>
-      <p:par>
-        <p:cTn id="1" dur="indefinite" restart="never" nodeType="tmRoot"/>
-      </p:par>
-    </p:tnLst>
-  </p:timing>
 </p:sld>
 </file>
 
@@ -8855,12 +7888,14 @@
         </p:nvSpPr>
         <p:spPr/>
         <p:txBody>
-          <a:bodyPr/>
+          <a:bodyPr>
+            <a:normAutofit/>
+          </a:bodyPr>
           <a:lstStyle/>
           <a:p>
             <a:r>
               <a:rPr lang="en-GB" dirty="0" smtClean="0"/>
-              <a:t>Grammar</a:t>
+              <a:t>Interpreter – Interpretation rules (1/2)</a:t>
             </a:r>
             <a:endParaRPr lang="en-GB" dirty="0"/>
           </a:p>
@@ -8876,138 +7911,331 @@
             <p:ph idx="1"/>
           </p:nvPr>
         </p:nvSpPr>
-        <p:spPr/>
-        <p:txBody>
-          <a:bodyPr vert="horz" lIns="91440" tIns="45720" rIns="91440" bIns="45720" rtlCol="0" anchor="t">
+        <p:spPr>
+          <a:xfrm>
+            <a:off x="457200" y="1493837"/>
+            <a:ext cx="8458200" cy="830997"/>
+          </a:xfrm>
+        </p:spPr>
+        <p:txBody>
+          <a:bodyPr vert="horz" lIns="91440" tIns="45720" rIns="91440" bIns="45720" rtlCol="0" anchor="ctr">
             <a:noAutofit/>
           </a:bodyPr>
           <a:lstStyle/>
           <a:p>
-            <a:pPr marL="257175" lvl="0" indent="-257175">
+            <a:r>
+              <a:rPr lang="en-GB" sz="2000" spc="-20" dirty="0" smtClean="0"/>
+              <a:t>We make a set of rules to </a:t>
+            </a:r>
+            <a:r>
+              <a:rPr lang="en-GB" sz="2000" b="1" spc="-20" dirty="0" smtClean="0">
+                <a:solidFill>
+                  <a:schemeClr val="tx2"/>
+                </a:solidFill>
+              </a:rPr>
+              <a:t>recursively</a:t>
+            </a:r>
+            <a:r>
+              <a:rPr lang="en-GB" sz="2000" spc="-20" dirty="0" smtClean="0"/>
+              <a:t> satisfy every node in the tree, </a:t>
+            </a:r>
+            <a:r>
+              <a:rPr lang="en-GB" sz="2000" spc="-20" dirty="0" err="1" smtClean="0"/>
+              <a:t>e.g</a:t>
+            </a:r>
+            <a:r>
+              <a:rPr lang="en-GB" sz="2000" spc="-20" dirty="0" smtClean="0"/>
+              <a:t>:</a:t>
+            </a:r>
+            <a:endParaRPr lang="en-GB" sz="2000" spc="-20" dirty="0"/>
+          </a:p>
+        </p:txBody>
+      </p:sp>
+      <p:pic>
+        <p:nvPicPr>
+          <p:cNvPr id="4098" name="Picture 2"/>
+          <p:cNvPicPr>
+            <a:picLocks noChangeAspect="1" noChangeArrowheads="1"/>
+          </p:cNvPicPr>
+          <p:nvPr/>
+        </p:nvPicPr>
+        <p:blipFill>
+          <a:blip r:embed="rId2" cstate="print"/>
+          <a:srcRect/>
+          <a:stretch>
+            <a:fillRect/>
+          </a:stretch>
+        </p:blipFill>
+        <p:spPr bwMode="auto">
+          <a:xfrm>
+            <a:off x="2195513" y="2343150"/>
+            <a:ext cx="4752975" cy="933450"/>
+          </a:xfrm>
+          <a:prstGeom prst="rect">
+            <a:avLst/>
+          </a:prstGeom>
+          <a:noFill/>
+          <a:ln w="9525">
+            <a:noFill/>
+            <a:miter lim="800000"/>
+            <a:headEnd/>
+            <a:tailEnd/>
+          </a:ln>
+        </p:spPr>
+      </p:pic>
+      <p:sp>
+        <p:nvSpPr>
+          <p:cNvPr id="5" name="Content Placeholder 2"/>
+          <p:cNvSpPr txBox="1">
+            <a:spLocks/>
+          </p:cNvSpPr>
+          <p:nvPr/>
+        </p:nvSpPr>
+        <p:spPr>
+          <a:xfrm>
+            <a:off x="457200" y="3546302"/>
+            <a:ext cx="8229600" cy="2195473"/>
+          </a:xfrm>
+          <a:prstGeom prst="rect">
+            <a:avLst/>
+          </a:prstGeom>
+        </p:spPr>
+        <p:txBody>
+          <a:bodyPr vert="horz" lIns="91440" tIns="45720" rIns="91440" bIns="45720" rtlCol="0" anchor="ctr">
+            <a:spAutoFit/>
+          </a:bodyPr>
+          <a:lstStyle/>
+          <a:p>
+            <a:pPr marL="274638" marR="0" lvl="0" indent="-274638" defTabSz="914400" fontAlgn="base" latinLnBrk="0">
+              <a:lnSpc>
+                <a:spcPct val="100000"/>
+              </a:lnSpc>
               <a:spcBef>
-                <a:spcPts val="500"/>
+                <a:spcPct val="50000"/>
               </a:spcBef>
-              <a:defRPr sz="1800"/>
+              <a:spcAft>
+                <a:spcPct val="0"/>
+              </a:spcAft>
+              <a:buClr>
+                <a:srgbClr val="004780"/>
+              </a:buClr>
+              <a:buSzTx/>
+              <a:buFont typeface="Wingdings" pitchFamily="2" charset="2"/>
+              <a:buChar char="§"/>
+              <a:tabLst/>
+              <a:defRPr/>
             </a:pPr>
             <a:r>
-              <a:rPr lang="en-US" dirty="0" smtClean="0"/>
-              <a:t>One of the major improvements is the possibility for the user to ask</a:t>
-            </a:r>
-            <a:r>
-              <a:rPr lang="en-US" b="1" dirty="0" smtClean="0">
+              <a:rPr kumimoji="1" lang="en-GB" sz="2000" dirty="0" smtClean="0">
+                <a:solidFill>
+                  <a:srgbClr val="5F5F5F"/>
+                </a:solidFill>
+              </a:rPr>
+              <a:t>We implemented a set of </a:t>
+            </a:r>
+            <a:r>
+              <a:rPr kumimoji="1" lang="en-GB" sz="2000" b="1" dirty="0" smtClean="0">
                 <a:solidFill>
                   <a:schemeClr val="tx2"/>
                 </a:solidFill>
               </a:rPr>
-              <a:t> 3 new types of questions</a:t>
-            </a:r>
-            <a:r>
-              <a:rPr lang="en-US" dirty="0" smtClean="0"/>
-              <a:t> containing the following keywords: where, what and count.</a:t>
-            </a:r>
-          </a:p>
-          <a:p>
-            <a:pPr marL="257175" lvl="0" indent="-257175">
-              <a:spcBef>
-                <a:spcPts val="500"/>
-              </a:spcBef>
-              <a:defRPr sz="1800"/>
-            </a:pPr>
-            <a:r>
-              <a:rPr lang="en-US" dirty="0" smtClean="0"/>
-              <a:t>For example:</a:t>
-            </a:r>
-          </a:p>
-          <a:p>
-            <a:pPr marL="685800" lvl="2" indent="-285750">
+              <a:t>62 rules </a:t>
+            </a:r>
+            <a:r>
+              <a:rPr kumimoji="1" lang="en-GB" sz="2000" dirty="0" smtClean="0">
+                <a:solidFill>
+                  <a:srgbClr val="5F5F5F"/>
+                </a:solidFill>
+              </a:rPr>
+              <a:t>to:</a:t>
+            </a:r>
+          </a:p>
+          <a:p>
+            <a:pPr marL="685800" lvl="2" indent="-285750" fontAlgn="base">
               <a:spcBef>
                 <a:spcPts val="400"/>
               </a:spcBef>
+              <a:spcAft>
+                <a:spcPct val="0"/>
+              </a:spcAft>
+              <a:buClr>
+                <a:srgbClr val="004780"/>
+              </a:buClr>
+              <a:buSzPct val="50000"/>
+              <a:buFont typeface="Webdings" pitchFamily="18" charset="2"/>
+              <a:buChar char="="/>
               <a:defRPr sz="1800"/>
             </a:pPr>
             <a:r>
-              <a:rPr lang="en-US" sz="2000" i="1" dirty="0" smtClean="0"/>
-              <a:t>“where is the white big ball?” </a:t>
-            </a:r>
-            <a:endParaRPr lang="en-US" sz="2400" dirty="0" smtClean="0"/>
-          </a:p>
-          <a:p>
-            <a:pPr marL="685800" lvl="2" indent="-285750">
+              <a:rPr kumimoji="1" lang="en-GB" sz="2000" i="1" dirty="0" smtClean="0">
+                <a:solidFill>
+                  <a:srgbClr val="5F5F5F"/>
+                </a:solidFill>
+              </a:rPr>
+              <a:t>Get object satisfying description. </a:t>
+            </a:r>
+          </a:p>
+          <a:p>
+            <a:pPr marL="685800" lvl="2" indent="-285750" fontAlgn="base">
               <a:spcBef>
                 <a:spcPts val="400"/>
               </a:spcBef>
+              <a:spcAft>
+                <a:spcPct val="0"/>
+              </a:spcAft>
+              <a:buClr>
+                <a:srgbClr val="004780"/>
+              </a:buClr>
+              <a:buSzPct val="50000"/>
+              <a:buFont typeface="Webdings" pitchFamily="18" charset="2"/>
+              <a:buChar char="="/>
               <a:defRPr sz="1800"/>
             </a:pPr>
             <a:r>
-              <a:rPr lang="en-US" sz="2000" i="1" dirty="0" smtClean="0"/>
-              <a:t>“what are the object in the world?”</a:t>
-            </a:r>
-            <a:endParaRPr lang="en-US" sz="2400" dirty="0" smtClean="0"/>
-          </a:p>
-          <a:p>
-            <a:pPr marL="685800" lvl="2" indent="-285750">
+              <a:rPr kumimoji="1" lang="en-GB" sz="2000" i="1" dirty="0" smtClean="0">
+                <a:solidFill>
+                  <a:srgbClr val="5F5F5F"/>
+                </a:solidFill>
+              </a:rPr>
+              <a:t>Handle </a:t>
+            </a:r>
+            <a:r>
+              <a:rPr kumimoji="1" lang="en-GB" sz="2000" b="1" i="1" dirty="0" smtClean="0">
+                <a:solidFill>
+                  <a:srgbClr val="5F5F5F"/>
+                </a:solidFill>
+              </a:rPr>
+              <a:t>the</a:t>
+            </a:r>
+            <a:r>
+              <a:rPr kumimoji="1" lang="en-GB" sz="2000" i="1" dirty="0" smtClean="0">
+                <a:solidFill>
+                  <a:srgbClr val="5F5F5F"/>
+                </a:solidFill>
+              </a:rPr>
+              <a:t>, </a:t>
+            </a:r>
+            <a:r>
+              <a:rPr kumimoji="1" lang="en-GB" sz="2000" b="1" i="1" dirty="0" smtClean="0">
+                <a:solidFill>
+                  <a:srgbClr val="5F5F5F"/>
+                </a:solidFill>
+              </a:rPr>
+              <a:t>any</a:t>
+            </a:r>
+            <a:r>
+              <a:rPr kumimoji="1" lang="en-GB" sz="2000" i="1" dirty="0" smtClean="0">
+                <a:solidFill>
+                  <a:srgbClr val="5F5F5F"/>
+                </a:solidFill>
+              </a:rPr>
+              <a:t>, </a:t>
+            </a:r>
+            <a:r>
+              <a:rPr kumimoji="1" lang="en-GB" sz="2000" i="1" dirty="0" smtClean="0">
+                <a:solidFill>
+                  <a:srgbClr val="5F5F5F"/>
+                </a:solidFill>
+              </a:rPr>
+              <a:t>or </a:t>
+            </a:r>
+            <a:r>
+              <a:rPr kumimoji="1" lang="en-GB" sz="2000" b="1" i="1" dirty="0" smtClean="0">
+                <a:solidFill>
+                  <a:srgbClr val="5F5F5F"/>
+                </a:solidFill>
+              </a:rPr>
+              <a:t>all</a:t>
+            </a:r>
+            <a:r>
+              <a:rPr kumimoji="1" lang="en-GB" sz="2000" i="1" dirty="0" smtClean="0">
+                <a:solidFill>
+                  <a:srgbClr val="5F5F5F"/>
+                </a:solidFill>
+              </a:rPr>
+              <a:t> cases for basic entities. </a:t>
+            </a:r>
+          </a:p>
+          <a:p>
+            <a:pPr marL="685800" lvl="2" indent="-285750" fontAlgn="base">
               <a:spcBef>
                 <a:spcPts val="400"/>
               </a:spcBef>
+              <a:spcAft>
+                <a:spcPct val="0"/>
+              </a:spcAft>
+              <a:buClr>
+                <a:srgbClr val="004780"/>
+              </a:buClr>
+              <a:buSzPct val="50000"/>
+              <a:buFont typeface="Webdings" pitchFamily="18" charset="2"/>
+              <a:buChar char="="/>
               <a:defRPr sz="1800"/>
             </a:pPr>
             <a:r>
-              <a:rPr lang="en-US" sz="2000" i="1" dirty="0" smtClean="0"/>
-              <a:t>“how many ball are in the world?” </a:t>
-            </a:r>
-          </a:p>
-          <a:p>
-            <a:pPr marL="342900" lvl="1" indent="-342900">
-              <a:spcBef>
-                <a:spcPts val="600"/>
-              </a:spcBef>
-              <a:buChar char="•"/>
-              <a:defRPr sz="1800"/>
-            </a:pPr>
-            <a:endParaRPr lang="en-US" sz="2400" dirty="0" smtClean="0"/>
-          </a:p>
-          <a:p>
-            <a:pPr marL="257175" indent="-257175">
-              <a:spcBef>
-                <a:spcPts val="500"/>
-              </a:spcBef>
-              <a:defRPr sz="1800"/>
-            </a:pPr>
-            <a:r>
-              <a:rPr lang="en-US" sz="1800" dirty="0" smtClean="0"/>
-              <a:t>The user can also perform request to obtain information about an entire </a:t>
-            </a:r>
-            <a:r>
-              <a:rPr lang="en-US" sz="1800" b="1" dirty="0" smtClean="0">
-                <a:solidFill>
-                  <a:schemeClr val="tx2"/>
+              <a:rPr kumimoji="1" lang="en-GB" sz="2000" i="1" dirty="0" smtClean="0">
+                <a:solidFill>
+                  <a:srgbClr val="5F5F5F"/>
                 </a:solidFill>
               </a:rPr>
-              <a:t>stack</a:t>
-            </a:r>
-            <a:r>
-              <a:rPr lang="en-US" sz="1800" dirty="0" smtClean="0"/>
-              <a:t>.</a:t>
-            </a:r>
-          </a:p>
-          <a:p>
-            <a:pPr marL="685800" lvl="2" indent="-285750">
+              <a:t>Get object which satisfies relation to "object X". </a:t>
+            </a:r>
+          </a:p>
+          <a:p>
+            <a:pPr marL="685800" lvl="2" indent="-285750" fontAlgn="base">
               <a:spcBef>
                 <a:spcPts val="400"/>
               </a:spcBef>
+              <a:spcAft>
+                <a:spcPct val="0"/>
+              </a:spcAft>
+              <a:buClr>
+                <a:srgbClr val="004780"/>
+              </a:buClr>
+              <a:buSzPct val="50000"/>
+              <a:buFont typeface="Webdings" pitchFamily="18" charset="2"/>
+              <a:buChar char="="/>
               <a:defRPr sz="1800"/>
             </a:pPr>
             <a:r>
-              <a:rPr lang="en-US" sz="2000" i="1" dirty="0" smtClean="0"/>
-              <a:t>“what are the objects in stack 2?” </a:t>
-            </a:r>
-            <a:endParaRPr lang="en-US" sz="2000" i="1" dirty="0"/>
-          </a:p>
-        </p:txBody>
-      </p:sp>
-      <p:sp>
-        <p:nvSpPr>
-          <p:cNvPr id="5" name="Espace réservé du pied de page 4"/>
+              <a:rPr kumimoji="1" lang="en-GB" sz="2000" i="1" dirty="0" smtClean="0">
+                <a:solidFill>
+                  <a:srgbClr val="5F5F5F"/>
+                </a:solidFill>
+              </a:rPr>
+              <a:t>Get object which satisfies relation to stack. </a:t>
+            </a:r>
+          </a:p>
+          <a:p>
+            <a:pPr marL="685800" lvl="2" indent="-285750" fontAlgn="base">
+              <a:spcBef>
+                <a:spcPts val="400"/>
+              </a:spcBef>
+              <a:spcAft>
+                <a:spcPct val="0"/>
+              </a:spcAft>
+              <a:buClr>
+                <a:srgbClr val="004780"/>
+              </a:buClr>
+              <a:buSzPct val="50000"/>
+              <a:buFont typeface="Webdings" pitchFamily="18" charset="2"/>
+              <a:buChar char="="/>
+              <a:defRPr sz="1800"/>
+            </a:pPr>
+            <a:r>
+              <a:rPr kumimoji="1" lang="en-GB" sz="2000" i="1" dirty="0" smtClean="0">
+                <a:solidFill>
+                  <a:srgbClr val="5F5F5F"/>
+                </a:solidFill>
+              </a:rPr>
+              <a:t>Process output to goal. </a:t>
+            </a:r>
+          </a:p>
+        </p:txBody>
+      </p:sp>
+      <p:sp>
+        <p:nvSpPr>
+          <p:cNvPr id="6" name="Espace réservé du pied de page 5"/>
           <p:cNvSpPr>
             <a:spLocks noGrp="1"/>
           </p:cNvSpPr>
@@ -9027,7 +8255,7 @@
     </p:spTree>
     <p:extLst>
       <p:ext uri="{BB962C8B-B14F-4D97-AF65-F5344CB8AC3E}">
-        <p14:creationId xmlns:p14="http://schemas.microsoft.com/office/powerpoint/2010/main" val="427125282"/>
+        <p14:creationId xmlns:p14="http://schemas.microsoft.com/office/powerpoint/2010/main" val="566941740"/>
       </p:ext>
     </p:extLst>
   </p:cSld>
@@ -9064,44 +8292,9 @@
           <a:chExt cx="0" cy="0"/>
         </a:xfrm>
       </p:grpSpPr>
-      <p:cxnSp>
-        <p:nvCxnSpPr>
-          <p:cNvPr id="13" name="Connecteur droit 12"/>
-          <p:cNvCxnSpPr/>
-          <p:nvPr/>
-        </p:nvCxnSpPr>
-        <p:spPr>
-          <a:xfrm>
-            <a:off x="2032000" y="1714500"/>
-            <a:ext cx="0" cy="4533900"/>
-          </a:xfrm>
-          <a:prstGeom prst="line">
-            <a:avLst/>
-          </a:prstGeom>
-          <a:ln>
-            <a:solidFill>
-              <a:srgbClr val="B2B2B2"/>
-            </a:solidFill>
-          </a:ln>
-        </p:spPr>
-        <p:style>
-          <a:lnRef idx="1">
-            <a:schemeClr val="accent1"/>
-          </a:lnRef>
-          <a:fillRef idx="0">
-            <a:schemeClr val="accent1"/>
-          </a:fillRef>
-          <a:effectRef idx="0">
-            <a:schemeClr val="accent1"/>
-          </a:effectRef>
-          <a:fontRef idx="minor">
-            <a:schemeClr val="tx1"/>
-          </a:fontRef>
-        </p:style>
-      </p:cxnSp>
-      <p:sp>
-        <p:nvSpPr>
-          <p:cNvPr id="2" name="Titre 1"/>
+      <p:sp>
+        <p:nvSpPr>
+          <p:cNvPr id="2" name="Title 1"/>
           <p:cNvSpPr>
             <a:spLocks noGrp="1"/>
           </p:cNvSpPr>
@@ -9111,460 +8304,139 @@
         </p:nvSpPr>
         <p:spPr/>
         <p:txBody>
-          <a:bodyPr/>
-          <a:lstStyle/>
-          <a:p>
-            <a:r>
-              <a:rPr lang="en-GB" smtClean="0">
-                <a:latin typeface="Arial"/>
-              </a:rPr>
-              <a:t>Agenda</a:t>
-            </a:r>
-            <a:endParaRPr lang="en-GB">
-              <a:latin typeface="Arial"/>
-            </a:endParaRPr>
-          </a:p>
-        </p:txBody>
-      </p:sp>
-      <p:sp>
-        <p:nvSpPr>
-          <p:cNvPr id="3" name="ZoneTexte 2"/>
-          <p:cNvSpPr txBox="1"/>
+          <a:bodyPr>
+            <a:normAutofit/>
+          </a:bodyPr>
+          <a:lstStyle/>
+          <a:p>
+            <a:r>
+              <a:rPr lang="en-GB" dirty="0" smtClean="0"/>
+              <a:t>Interpreter – Interpretation rules (2/2)</a:t>
+            </a:r>
+            <a:endParaRPr lang="en-GB" dirty="0"/>
+          </a:p>
+        </p:txBody>
+      </p:sp>
+      <p:sp>
+        <p:nvSpPr>
+          <p:cNvPr id="3" name="Content Placeholder 2"/>
+          <p:cNvSpPr>
+            <a:spLocks noGrp="1"/>
+          </p:cNvSpPr>
+          <p:nvPr>
+            <p:ph idx="1"/>
+          </p:nvPr>
+        </p:nvSpPr>
+        <p:spPr>
+          <a:xfrm>
+            <a:off x="457200" y="1493837"/>
+            <a:ext cx="8229600" cy="830997"/>
+          </a:xfrm>
+        </p:spPr>
+        <p:txBody>
+          <a:bodyPr vert="horz" lIns="91440" tIns="45720" rIns="91440" bIns="45720" rtlCol="0" anchor="ctr">
+            <a:noAutofit/>
+          </a:bodyPr>
+          <a:lstStyle/>
+          <a:p>
+            <a:r>
+              <a:rPr lang="en-GB" sz="2000" dirty="0" smtClean="0"/>
+              <a:t>Further, we have some rules to see if an object is e.g. </a:t>
+            </a:r>
+            <a:r>
+              <a:rPr lang="en-GB" sz="2000" dirty="0" smtClean="0"/>
+              <a:t>beside </a:t>
+            </a:r>
+            <a:r>
+              <a:rPr lang="en-GB" sz="2000" dirty="0" smtClean="0"/>
+              <a:t>any other object </a:t>
+            </a:r>
+            <a:endParaRPr lang="en-GB" sz="2000" dirty="0"/>
+          </a:p>
+        </p:txBody>
+      </p:sp>
+      <p:sp>
+        <p:nvSpPr>
+          <p:cNvPr id="5" name="Content Placeholder 2"/>
+          <p:cNvSpPr txBox="1">
+            <a:spLocks/>
+          </p:cNvSpPr>
           <p:nvPr/>
         </p:nvSpPr>
         <p:spPr>
           <a:xfrm>
-            <a:off x="2286000" y="1612900"/>
-            <a:ext cx="5224507" cy="424732"/>
+            <a:off x="457200" y="3421558"/>
+            <a:ext cx="8229600" cy="707886"/>
           </a:xfrm>
           <a:prstGeom prst="rect">
             <a:avLst/>
           </a:prstGeom>
-          <a:noFill/>
-        </p:spPr>
-        <p:txBody>
-          <a:bodyPr vert="horz" wrap="none" rtlCol="0">
+        </p:spPr>
+        <p:txBody>
+          <a:bodyPr vert="horz" lIns="91440" tIns="45720" rIns="91440" bIns="45720" rtlCol="0" anchor="ctr">
             <a:spAutoFit/>
           </a:bodyPr>
           <a:lstStyle/>
           <a:p>
-            <a:pPr>
-              <a:lnSpc>
-                <a:spcPct val="80000"/>
-              </a:lnSpc>
+            <a:pPr marL="274638" lvl="0" indent="-274638" fontAlgn="base">
+              <a:spcBef>
+                <a:spcPct val="50000"/>
+              </a:spcBef>
+              <a:spcAft>
+                <a:spcPct val="0"/>
+              </a:spcAft>
+              <a:buClr>
+                <a:srgbClr val="004780"/>
+              </a:buClr>
+              <a:buFont typeface="Wingdings" pitchFamily="2" charset="2"/>
+              <a:buChar char="§"/>
             </a:pPr>
             <a:r>
-              <a:rPr lang="en-GB" sz="2700" smtClean="0">
-                <a:solidFill>
-                  <a:srgbClr val="C0C0C0"/>
-                </a:solidFill>
-                <a:latin typeface="Arial"/>
+              <a:rPr kumimoji="1" lang="en-GB" sz="2000" dirty="0" smtClean="0">
+                <a:solidFill>
+                  <a:srgbClr val="5F5F5F"/>
+                </a:solidFill>
               </a:rPr>
-              <a:t>1. Presentation of the application</a:t>
-            </a:r>
-            <a:endParaRPr lang="en-GB" sz="2700">
-              <a:solidFill>
-                <a:srgbClr val="C0C0C0"/>
-              </a:solidFill>
-              <a:latin typeface="Arial"/>
-            </a:endParaRPr>
-          </a:p>
-        </p:txBody>
-      </p:sp>
-      <p:sp>
-        <p:nvSpPr>
-          <p:cNvPr id="4" name="ZoneTexte 3"/>
-          <p:cNvSpPr txBox="1"/>
+              <a:t>We also added rules to support the new count, where and what questions. </a:t>
+            </a:r>
+          </a:p>
+        </p:txBody>
+      </p:sp>
+      <p:pic>
+        <p:nvPicPr>
+          <p:cNvPr id="5122" name="Picture 2"/>
+          <p:cNvPicPr>
+            <a:picLocks noChangeAspect="1" noChangeArrowheads="1"/>
+          </p:cNvPicPr>
           <p:nvPr/>
-        </p:nvSpPr>
-        <p:spPr>
-          <a:xfrm>
-            <a:off x="2286000" y="2247900"/>
-            <a:ext cx="2082750" cy="424732"/>
+        </p:nvPicPr>
+        <p:blipFill>
+          <a:blip r:embed="rId2" cstate="print"/>
+          <a:srcRect/>
+          <a:stretch>
+            <a:fillRect/>
+          </a:stretch>
+        </p:blipFill>
+        <p:spPr bwMode="auto">
+          <a:xfrm>
+            <a:off x="2071688" y="2333625"/>
+            <a:ext cx="5000625" cy="714375"/>
           </a:xfrm>
           <a:prstGeom prst="rect">
             <a:avLst/>
           </a:prstGeom>
           <a:noFill/>
-        </p:spPr>
-        <p:txBody>
-          <a:bodyPr vert="horz" wrap="none" rtlCol="0">
-            <a:spAutoFit/>
-          </a:bodyPr>
-          <a:lstStyle/>
-          <a:p>
-            <a:pPr>
-              <a:lnSpc>
-                <a:spcPct val="80000"/>
-              </a:lnSpc>
-            </a:pPr>
-            <a:r>
-              <a:rPr lang="en-GB" sz="2700" smtClean="0">
-                <a:solidFill>
-                  <a:srgbClr val="C0C0C0"/>
-                </a:solidFill>
-                <a:latin typeface="Arial"/>
-              </a:rPr>
-              <a:t>2. The world</a:t>
-            </a:r>
-            <a:endParaRPr lang="en-GB" sz="2700">
-              <a:solidFill>
-                <a:srgbClr val="C0C0C0"/>
-              </a:solidFill>
-              <a:latin typeface="Arial"/>
-            </a:endParaRPr>
-          </a:p>
-        </p:txBody>
-      </p:sp>
-      <p:sp>
-        <p:nvSpPr>
-          <p:cNvPr id="5" name="ZoneTexte 4"/>
-          <p:cNvSpPr txBox="1"/>
-          <p:nvPr/>
-        </p:nvSpPr>
-        <p:spPr>
-          <a:xfrm>
-            <a:off x="2286000" y="2882900"/>
-            <a:ext cx="2031325" cy="424732"/>
-          </a:xfrm>
-          <a:prstGeom prst="rect">
-            <a:avLst/>
-          </a:prstGeom>
-          <a:noFill/>
-        </p:spPr>
-        <p:txBody>
-          <a:bodyPr vert="horz" wrap="none" rtlCol="0">
-            <a:spAutoFit/>
-          </a:bodyPr>
-          <a:lstStyle/>
-          <a:p>
-            <a:pPr>
-              <a:lnSpc>
-                <a:spcPct val="80000"/>
-              </a:lnSpc>
-            </a:pPr>
-            <a:r>
-              <a:rPr lang="en-GB" sz="2700" smtClean="0">
-                <a:solidFill>
-                  <a:srgbClr val="C0C0C0"/>
-                </a:solidFill>
-                <a:latin typeface="Arial"/>
-              </a:rPr>
-              <a:t>3. Grammar</a:t>
-            </a:r>
-            <a:endParaRPr lang="en-GB" sz="2700">
-              <a:solidFill>
-                <a:srgbClr val="C0C0C0"/>
-              </a:solidFill>
-              <a:latin typeface="Arial"/>
-            </a:endParaRPr>
-          </a:p>
-        </p:txBody>
-      </p:sp>
-      <p:sp>
-        <p:nvSpPr>
-          <p:cNvPr id="6" name="ZoneTexte 5"/>
-          <p:cNvSpPr txBox="1"/>
-          <p:nvPr/>
-        </p:nvSpPr>
-        <p:spPr>
-          <a:xfrm>
-            <a:off x="2286000" y="3517900"/>
-            <a:ext cx="2165978" cy="424732"/>
-          </a:xfrm>
-          <a:prstGeom prst="rect">
-            <a:avLst/>
-          </a:prstGeom>
-          <a:noFill/>
-        </p:spPr>
-        <p:txBody>
-          <a:bodyPr vert="horz" wrap="none" rtlCol="0">
-            <a:spAutoFit/>
-          </a:bodyPr>
-          <a:lstStyle/>
-          <a:p>
-            <a:pPr>
-              <a:lnSpc>
-                <a:spcPct val="80000"/>
-              </a:lnSpc>
-            </a:pPr>
-            <a:r>
-              <a:rPr lang="en-GB" sz="2700" smtClean="0">
-                <a:solidFill>
-                  <a:srgbClr val="00477F"/>
-                </a:solidFill>
-                <a:latin typeface="Arial"/>
-              </a:rPr>
-              <a:t>4. Interpreter</a:t>
-            </a:r>
-            <a:endParaRPr lang="en-GB" sz="2700">
-              <a:solidFill>
-                <a:srgbClr val="00477F"/>
-              </a:solidFill>
-              <a:latin typeface="Arial"/>
-            </a:endParaRPr>
-          </a:p>
-        </p:txBody>
-      </p:sp>
-      <p:sp>
-        <p:nvSpPr>
-          <p:cNvPr id="7" name="ZoneTexte 6"/>
-          <p:cNvSpPr txBox="1"/>
-          <p:nvPr/>
-        </p:nvSpPr>
-        <p:spPr>
-          <a:xfrm>
-            <a:off x="1892300" y="3479800"/>
-            <a:ext cx="635000" cy="461665"/>
-          </a:xfrm>
-          <a:prstGeom prst="rect">
-            <a:avLst/>
-          </a:prstGeom>
-          <a:noFill/>
-        </p:spPr>
-        <p:txBody>
-          <a:bodyPr vert="horz" rtlCol="0">
-            <a:spAutoFit/>
-          </a:bodyPr>
-          <a:lstStyle/>
-          <a:p>
-            <a:r>
-              <a:rPr lang="en-GB" sz="2400" smtClean="0">
-                <a:solidFill>
-                  <a:srgbClr val="00477F"/>
-                </a:solidFill>
-                <a:latin typeface="Arial"/>
-                <a:cs typeface="Arial"/>
-              </a:rPr>
-              <a:t>►</a:t>
-            </a:r>
-            <a:endParaRPr lang="en-GB" sz="2400">
-              <a:solidFill>
-                <a:srgbClr val="00477F"/>
-              </a:solidFill>
-              <a:latin typeface="Arial"/>
-            </a:endParaRPr>
-          </a:p>
-        </p:txBody>
-      </p:sp>
-      <p:sp>
-        <p:nvSpPr>
-          <p:cNvPr id="8" name="ZoneTexte 7"/>
-          <p:cNvSpPr txBox="1"/>
-          <p:nvPr/>
-        </p:nvSpPr>
-        <p:spPr>
-          <a:xfrm>
-            <a:off x="2667000" y="3962400"/>
-            <a:ext cx="1763624" cy="276999"/>
-          </a:xfrm>
-          <a:prstGeom prst="rect">
-            <a:avLst/>
-          </a:prstGeom>
-          <a:noFill/>
-        </p:spPr>
-        <p:txBody>
-          <a:bodyPr vert="horz" wrap="none" rtlCol="0">
-            <a:spAutoFit/>
-          </a:bodyPr>
-          <a:lstStyle/>
-          <a:p>
-            <a:r>
-              <a:rPr lang="en-GB" sz="1200" i="1" smtClean="0">
-                <a:solidFill>
-                  <a:srgbClr val="00477F"/>
-                </a:solidFill>
-                <a:latin typeface="Arial"/>
-              </a:rPr>
-              <a:t>4. 1 Interpretation rules</a:t>
-            </a:r>
-            <a:endParaRPr lang="en-GB" sz="1200" i="1">
-              <a:solidFill>
-                <a:srgbClr val="00477F"/>
-              </a:solidFill>
-              <a:latin typeface="Arial"/>
-            </a:endParaRPr>
-          </a:p>
-        </p:txBody>
-      </p:sp>
-      <p:sp>
-        <p:nvSpPr>
-          <p:cNvPr id="9" name="ZoneTexte 8"/>
-          <p:cNvSpPr txBox="1"/>
-          <p:nvPr/>
-        </p:nvSpPr>
-        <p:spPr>
-          <a:xfrm>
-            <a:off x="2667000" y="4216400"/>
-            <a:ext cx="1226618" cy="276999"/>
-          </a:xfrm>
-          <a:prstGeom prst="rect">
-            <a:avLst/>
-          </a:prstGeom>
-          <a:noFill/>
-        </p:spPr>
-        <p:txBody>
-          <a:bodyPr vert="horz" wrap="none" rtlCol="0">
-            <a:spAutoFit/>
-          </a:bodyPr>
-          <a:lstStyle/>
-          <a:p>
-            <a:r>
-              <a:rPr lang="en-GB" sz="1200" i="1" smtClean="0">
-                <a:solidFill>
-                  <a:srgbClr val="C0C0C0"/>
-                </a:solidFill>
-                <a:latin typeface="Arial"/>
-              </a:rPr>
-              <a:t>4. 2 Quantifiers</a:t>
-            </a:r>
-            <a:endParaRPr lang="en-GB" sz="1200" i="1">
-              <a:solidFill>
-                <a:srgbClr val="C0C0C0"/>
-              </a:solidFill>
-              <a:latin typeface="Arial"/>
-            </a:endParaRPr>
-          </a:p>
-        </p:txBody>
-      </p:sp>
-      <p:sp>
-        <p:nvSpPr>
-          <p:cNvPr id="10" name="ZoneTexte 9"/>
-          <p:cNvSpPr txBox="1"/>
-          <p:nvPr/>
-        </p:nvSpPr>
-        <p:spPr>
-          <a:xfrm>
-            <a:off x="2286000" y="4660900"/>
-            <a:ext cx="1762021" cy="424732"/>
-          </a:xfrm>
-          <a:prstGeom prst="rect">
-            <a:avLst/>
-          </a:prstGeom>
-          <a:noFill/>
-        </p:spPr>
-        <p:txBody>
-          <a:bodyPr vert="horz" wrap="none" rtlCol="0">
-            <a:spAutoFit/>
-          </a:bodyPr>
-          <a:lstStyle/>
-          <a:p>
-            <a:pPr>
-              <a:lnSpc>
-                <a:spcPct val="80000"/>
-              </a:lnSpc>
-            </a:pPr>
-            <a:r>
-              <a:rPr lang="en-GB" sz="2700" smtClean="0">
-                <a:solidFill>
-                  <a:srgbClr val="C0C0C0"/>
-                </a:solidFill>
-                <a:latin typeface="Arial"/>
-              </a:rPr>
-              <a:t>5. Planner</a:t>
-            </a:r>
-            <a:endParaRPr lang="en-GB" sz="2700">
-              <a:solidFill>
-                <a:srgbClr val="C0C0C0"/>
-              </a:solidFill>
-              <a:latin typeface="Arial"/>
-            </a:endParaRPr>
-          </a:p>
-        </p:txBody>
-      </p:sp>
-      <p:sp>
-        <p:nvSpPr>
-          <p:cNvPr id="11" name="ZoneTexte 10"/>
-          <p:cNvSpPr txBox="1"/>
-          <p:nvPr/>
-        </p:nvSpPr>
-        <p:spPr>
-          <a:xfrm>
-            <a:off x="2286000" y="5295900"/>
-            <a:ext cx="3743461" cy="424732"/>
-          </a:xfrm>
-          <a:prstGeom prst="rect">
-            <a:avLst/>
-          </a:prstGeom>
-          <a:noFill/>
-        </p:spPr>
-        <p:txBody>
-          <a:bodyPr vert="horz" wrap="none" rtlCol="0">
-            <a:spAutoFit/>
-          </a:bodyPr>
-          <a:lstStyle/>
-          <a:p>
-            <a:pPr>
-              <a:lnSpc>
-                <a:spcPct val="80000"/>
-              </a:lnSpc>
-            </a:pPr>
-            <a:r>
-              <a:rPr lang="en-GB" sz="2700" smtClean="0">
-                <a:solidFill>
-                  <a:srgbClr val="C0C0C0"/>
-                </a:solidFill>
-                <a:latin typeface="Arial"/>
-              </a:rPr>
-              <a:t>6. Ambiguities handling</a:t>
-            </a:r>
-            <a:endParaRPr lang="en-GB" sz="2700">
-              <a:solidFill>
-                <a:srgbClr val="C0C0C0"/>
-              </a:solidFill>
-              <a:latin typeface="Arial"/>
-            </a:endParaRPr>
-          </a:p>
-        </p:txBody>
-      </p:sp>
-      <p:sp>
-        <p:nvSpPr>
-          <p:cNvPr id="12" name="ZoneTexte 11"/>
-          <p:cNvSpPr txBox="1"/>
-          <p:nvPr/>
-        </p:nvSpPr>
-        <p:spPr>
-          <a:xfrm>
-            <a:off x="2286000" y="5930900"/>
-            <a:ext cx="1608133" cy="424732"/>
-          </a:xfrm>
-          <a:prstGeom prst="rect">
-            <a:avLst/>
-          </a:prstGeom>
-          <a:noFill/>
-        </p:spPr>
-        <p:txBody>
-          <a:bodyPr vert="horz" wrap="none" rtlCol="0">
-            <a:spAutoFit/>
-          </a:bodyPr>
-          <a:lstStyle/>
-          <a:p>
-            <a:pPr>
-              <a:lnSpc>
-                <a:spcPct val="80000"/>
-              </a:lnSpc>
-            </a:pPr>
-            <a:r>
-              <a:rPr lang="en-GB" sz="2700" smtClean="0">
-                <a:solidFill>
-                  <a:srgbClr val="C0C0C0"/>
-                </a:solidFill>
-                <a:latin typeface="Arial"/>
-              </a:rPr>
-              <a:t>7. Output</a:t>
-            </a:r>
-            <a:endParaRPr lang="en-GB" sz="2700">
-              <a:solidFill>
-                <a:srgbClr val="C0C0C0"/>
-              </a:solidFill>
-              <a:latin typeface="Arial"/>
-            </a:endParaRPr>
-          </a:p>
-        </p:txBody>
-      </p:sp>
-      <p:sp>
-        <p:nvSpPr>
-          <p:cNvPr id="14" name="Espace réservé du pied de page 13"/>
+          <a:ln w="9525">
+            <a:noFill/>
+            <a:miter lim="800000"/>
+            <a:headEnd/>
+            <a:tailEnd/>
+          </a:ln>
+        </p:spPr>
+      </p:pic>
+      <p:sp>
+        <p:nvSpPr>
+          <p:cNvPr id="6" name="Espace réservé du pied de page 5"/>
           <p:cNvSpPr>
             <a:spLocks noGrp="1"/>
           </p:cNvSpPr>
@@ -9582,12 +8454,9 @@
         </p:txBody>
       </p:sp>
     </p:spTree>
-    <p:custDataLst>
-      <p:tags r:id="rId1"/>
-    </p:custDataLst>
     <p:extLst>
       <p:ext uri="{BB962C8B-B14F-4D97-AF65-F5344CB8AC3E}">
-        <p14:creationId xmlns:p14="http://schemas.microsoft.com/office/powerpoint/2010/main" val="1123953762"/>
+        <p14:creationId xmlns:p14="http://schemas.microsoft.com/office/powerpoint/2010/main" val="699135888"/>
       </p:ext>
     </p:extLst>
   </p:cSld>
@@ -9624,9 +8493,44 @@
           <a:chExt cx="0" cy="0"/>
         </a:xfrm>
       </p:grpSpPr>
-      <p:sp>
-        <p:nvSpPr>
-          <p:cNvPr id="2" name="Title 1"/>
+      <p:cxnSp>
+        <p:nvCxnSpPr>
+          <p:cNvPr id="12" name="Connecteur droit 11"/>
+          <p:cNvCxnSpPr/>
+          <p:nvPr/>
+        </p:nvCxnSpPr>
+        <p:spPr>
+          <a:xfrm>
+            <a:off x="2667000" y="1905000"/>
+            <a:ext cx="0" cy="3898900"/>
+          </a:xfrm>
+          <a:prstGeom prst="line">
+            <a:avLst/>
+          </a:prstGeom>
+          <a:ln>
+            <a:solidFill>
+              <a:srgbClr val="B2B2B2"/>
+            </a:solidFill>
+          </a:ln>
+        </p:spPr>
+        <p:style>
+          <a:lnRef idx="1">
+            <a:schemeClr val="accent1"/>
+          </a:lnRef>
+          <a:fillRef idx="0">
+            <a:schemeClr val="accent1"/>
+          </a:fillRef>
+          <a:effectRef idx="0">
+            <a:schemeClr val="accent1"/>
+          </a:effectRef>
+          <a:fontRef idx="minor">
+            <a:schemeClr val="tx1"/>
+          </a:fontRef>
+        </p:style>
+      </p:cxnSp>
+      <p:sp>
+        <p:nvSpPr>
+          <p:cNvPr id="2" name="Titre 1"/>
           <p:cNvSpPr>
             <a:spLocks noGrp="1"/>
           </p:cNvSpPr>
@@ -9636,387 +8540,419 @@
         </p:nvSpPr>
         <p:spPr/>
         <p:txBody>
-          <a:bodyPr>
-            <a:normAutofit/>
-          </a:bodyPr>
-          <a:lstStyle/>
-          <a:p>
-            <a:r>
-              <a:rPr lang="en-GB" dirty="0" smtClean="0"/>
-              <a:t>Interpreter – Interpretation rules (1/2)</a:t>
-            </a:r>
-            <a:endParaRPr lang="en-GB" dirty="0"/>
-          </a:p>
-        </p:txBody>
-      </p:sp>
-      <p:sp>
-        <p:nvSpPr>
-          <p:cNvPr id="3" name="Content Placeholder 2"/>
-          <p:cNvSpPr>
-            <a:spLocks noGrp="1"/>
-          </p:cNvSpPr>
-          <p:nvPr>
-            <p:ph idx="1"/>
-          </p:nvPr>
+          <a:bodyPr/>
+          <a:lstStyle/>
+          <a:p>
+            <a:r>
+              <a:rPr lang="en-GB" smtClean="0">
+                <a:latin typeface="Arial"/>
+              </a:rPr>
+              <a:t>Agenda</a:t>
+            </a:r>
+            <a:endParaRPr lang="en-GB">
+              <a:latin typeface="Arial"/>
+            </a:endParaRPr>
+          </a:p>
+        </p:txBody>
+      </p:sp>
+      <p:sp>
+        <p:nvSpPr>
+          <p:cNvPr id="3" name="ZoneTexte 2"/>
+          <p:cNvSpPr txBox="1"/>
+          <p:nvPr/>
         </p:nvSpPr>
         <p:spPr>
           <a:xfrm>
-            <a:off x="457200" y="1493837"/>
-            <a:ext cx="8458200" cy="830997"/>
-          </a:xfrm>
-        </p:spPr>
-        <p:txBody>
-          <a:bodyPr vert="horz" lIns="91440" tIns="45720" rIns="91440" bIns="45720" rtlCol="0" anchor="ctr">
-            <a:noAutofit/>
-          </a:bodyPr>
-          <a:lstStyle/>
-          <a:p>
-            <a:r>
-              <a:rPr lang="en-GB" sz="2000" spc="-20" dirty="0" smtClean="0"/>
-              <a:t>We make a set of rules to </a:t>
-            </a:r>
-            <a:r>
-              <a:rPr lang="en-GB" sz="2000" b="1" spc="-20" dirty="0" smtClean="0">
-                <a:solidFill>
-                  <a:schemeClr val="tx2"/>
-                </a:solidFill>
-              </a:rPr>
-              <a:t>recursively</a:t>
-            </a:r>
-            <a:r>
-              <a:rPr lang="en-GB" sz="2000" spc="-20" dirty="0" smtClean="0"/>
-              <a:t> satisfy every node in the tree, </a:t>
-            </a:r>
-            <a:r>
-              <a:rPr lang="en-GB" sz="2000" spc="-20" dirty="0" err="1" smtClean="0"/>
-              <a:t>e.g</a:t>
-            </a:r>
-            <a:r>
-              <a:rPr lang="en-GB" sz="2000" spc="-20" dirty="0" smtClean="0"/>
-              <a:t>:</a:t>
-            </a:r>
-            <a:endParaRPr lang="en-GB" sz="2000" spc="-20" dirty="0"/>
-          </a:p>
-        </p:txBody>
-      </p:sp>
-      <p:pic>
-        <p:nvPicPr>
-          <p:cNvPr id="4098" name="Picture 2"/>
-          <p:cNvPicPr>
-            <a:picLocks noChangeAspect="1" noChangeArrowheads="1"/>
-          </p:cNvPicPr>
-          <p:nvPr/>
-        </p:nvPicPr>
-        <p:blipFill>
-          <a:blip r:embed="rId2" cstate="print"/>
-          <a:srcRect/>
-          <a:stretch>
-            <a:fillRect/>
-          </a:stretch>
-        </p:blipFill>
-        <p:spPr bwMode="auto">
-          <a:xfrm>
-            <a:off x="2195513" y="2343150"/>
-            <a:ext cx="4752975" cy="933450"/>
+            <a:off x="2921000" y="1803400"/>
+            <a:ext cx="5224507" cy="424732"/>
           </a:xfrm>
           <a:prstGeom prst="rect">
             <a:avLst/>
           </a:prstGeom>
           <a:noFill/>
-          <a:ln w="9525">
-            <a:noFill/>
-            <a:miter lim="800000"/>
-            <a:headEnd/>
-            <a:tailEnd/>
-          </a:ln>
-        </p:spPr>
-      </p:pic>
-      <p:sp>
-        <p:nvSpPr>
-          <p:cNvPr id="5" name="Content Placeholder 2"/>
-          <p:cNvSpPr txBox="1">
-            <a:spLocks/>
-          </p:cNvSpPr>
-          <p:nvPr/>
-        </p:nvSpPr>
-        <p:spPr>
-          <a:xfrm>
-            <a:off x="457200" y="3546302"/>
-            <a:ext cx="8229600" cy="2195473"/>
-          </a:xfrm>
-          <a:prstGeom prst="rect">
-            <a:avLst/>
-          </a:prstGeom>
-        </p:spPr>
-        <p:txBody>
-          <a:bodyPr vert="horz" lIns="91440" tIns="45720" rIns="91440" bIns="45720" rtlCol="0" anchor="ctr">
+        </p:spPr>
+        <p:txBody>
+          <a:bodyPr vert="horz" wrap="none" rtlCol="0">
             <a:spAutoFit/>
           </a:bodyPr>
           <a:lstStyle/>
           <a:p>
-            <a:pPr marL="274638" marR="0" lvl="0" indent="-274638" defTabSz="914400" fontAlgn="base" latinLnBrk="0">
+            <a:pPr>
               <a:lnSpc>
-                <a:spcPct val="100000"/>
+                <a:spcPct val="80000"/>
               </a:lnSpc>
-              <a:spcBef>
-                <a:spcPct val="50000"/>
-              </a:spcBef>
-              <a:spcAft>
-                <a:spcPct val="0"/>
-              </a:spcAft>
-              <a:buClr>
-                <a:srgbClr val="004780"/>
-              </a:buClr>
-              <a:buSzTx/>
-              <a:buFont typeface="Wingdings" pitchFamily="2" charset="2"/>
-              <a:buChar char="§"/>
-              <a:tabLst/>
-              <a:defRPr/>
             </a:pPr>
             <a:r>
-              <a:rPr kumimoji="1" lang="en-GB" sz="2000" dirty="0" smtClean="0">
-                <a:solidFill>
-                  <a:srgbClr val="5F5F5F"/>
-                </a:solidFill>
+              <a:rPr lang="en-GB" sz="2700" smtClean="0">
+                <a:solidFill>
+                  <a:srgbClr val="C0C0C0"/>
+                </a:solidFill>
+                <a:latin typeface="Arial"/>
               </a:rPr>
-              <a:t>We implemented a set of </a:t>
-            </a:r>
-            <a:r>
-              <a:rPr kumimoji="1" lang="en-GB" sz="2000" b="1" dirty="0" smtClean="0">
-                <a:solidFill>
-                  <a:schemeClr val="tx2"/>
-                </a:solidFill>
+              <a:t>1. Presentation of the application</a:t>
+            </a:r>
+            <a:endParaRPr lang="en-GB" sz="2700">
+              <a:solidFill>
+                <a:srgbClr val="C0C0C0"/>
+              </a:solidFill>
+              <a:latin typeface="Arial"/>
+            </a:endParaRPr>
+          </a:p>
+        </p:txBody>
+      </p:sp>
+      <p:sp>
+        <p:nvSpPr>
+          <p:cNvPr id="4" name="ZoneTexte 3"/>
+          <p:cNvSpPr txBox="1"/>
+          <p:nvPr/>
+        </p:nvSpPr>
+        <p:spPr>
+          <a:xfrm>
+            <a:off x="2921000" y="2438400"/>
+            <a:ext cx="2031325" cy="424732"/>
+          </a:xfrm>
+          <a:prstGeom prst="rect">
+            <a:avLst/>
+          </a:prstGeom>
+          <a:noFill/>
+        </p:spPr>
+        <p:txBody>
+          <a:bodyPr vert="horz" wrap="none" rtlCol="0">
+            <a:spAutoFit/>
+          </a:bodyPr>
+          <a:lstStyle/>
+          <a:p>
+            <a:pPr>
+              <a:lnSpc>
+                <a:spcPct val="80000"/>
+              </a:lnSpc>
+            </a:pPr>
+            <a:r>
+              <a:rPr lang="en-GB" sz="2700" smtClean="0">
+                <a:solidFill>
+                  <a:srgbClr val="C0C0C0"/>
+                </a:solidFill>
+                <a:latin typeface="Arial"/>
               </a:rPr>
-              <a:t>62 rules </a:t>
-            </a:r>
-            <a:r>
-              <a:rPr kumimoji="1" lang="en-GB" sz="2000" dirty="0" smtClean="0">
-                <a:solidFill>
-                  <a:srgbClr val="5F5F5F"/>
-                </a:solidFill>
+              <a:t>2. Grammar</a:t>
+            </a:r>
+            <a:endParaRPr lang="en-GB" sz="2700">
+              <a:solidFill>
+                <a:srgbClr val="C0C0C0"/>
+              </a:solidFill>
+              <a:latin typeface="Arial"/>
+            </a:endParaRPr>
+          </a:p>
+        </p:txBody>
+      </p:sp>
+      <p:sp>
+        <p:nvSpPr>
+          <p:cNvPr id="5" name="ZoneTexte 4"/>
+          <p:cNvSpPr txBox="1"/>
+          <p:nvPr/>
+        </p:nvSpPr>
+        <p:spPr>
+          <a:xfrm>
+            <a:off x="2921000" y="3073400"/>
+            <a:ext cx="2165978" cy="424732"/>
+          </a:xfrm>
+          <a:prstGeom prst="rect">
+            <a:avLst/>
+          </a:prstGeom>
+          <a:noFill/>
+        </p:spPr>
+        <p:txBody>
+          <a:bodyPr vert="horz" wrap="none" rtlCol="0">
+            <a:spAutoFit/>
+          </a:bodyPr>
+          <a:lstStyle/>
+          <a:p>
+            <a:pPr>
+              <a:lnSpc>
+                <a:spcPct val="80000"/>
+              </a:lnSpc>
+            </a:pPr>
+            <a:r>
+              <a:rPr lang="en-GB" sz="2700" smtClean="0">
+                <a:solidFill>
+                  <a:srgbClr val="00477F"/>
+                </a:solidFill>
+                <a:latin typeface="Arial"/>
               </a:rPr>
-              <a:t>to:</a:t>
-            </a:r>
-          </a:p>
-          <a:p>
-            <a:pPr marL="685800" lvl="2" indent="-285750" fontAlgn="base">
-              <a:spcBef>
-                <a:spcPts val="400"/>
-              </a:spcBef>
-              <a:spcAft>
-                <a:spcPct val="0"/>
-              </a:spcAft>
-              <a:buClr>
-                <a:srgbClr val="004780"/>
-              </a:buClr>
-              <a:buSzPct val="50000"/>
-              <a:buFont typeface="Webdings" pitchFamily="18" charset="2"/>
-              <a:buChar char="="/>
-              <a:defRPr sz="1800"/>
+              <a:t>3. Interpreter</a:t>
+            </a:r>
+            <a:endParaRPr lang="en-GB" sz="2700">
+              <a:solidFill>
+                <a:srgbClr val="00477F"/>
+              </a:solidFill>
+              <a:latin typeface="Arial"/>
+            </a:endParaRPr>
+          </a:p>
+        </p:txBody>
+      </p:sp>
+      <p:sp>
+        <p:nvSpPr>
+          <p:cNvPr id="6" name="ZoneTexte 5"/>
+          <p:cNvSpPr txBox="1"/>
+          <p:nvPr/>
+        </p:nvSpPr>
+        <p:spPr>
+          <a:xfrm>
+            <a:off x="2527300" y="3035300"/>
+            <a:ext cx="635000" cy="461665"/>
+          </a:xfrm>
+          <a:prstGeom prst="rect">
+            <a:avLst/>
+          </a:prstGeom>
+          <a:noFill/>
+        </p:spPr>
+        <p:txBody>
+          <a:bodyPr vert="horz" rtlCol="0">
+            <a:spAutoFit/>
+          </a:bodyPr>
+          <a:lstStyle/>
+          <a:p>
+            <a:r>
+              <a:rPr lang="en-GB" sz="2400" smtClean="0">
+                <a:solidFill>
+                  <a:srgbClr val="00477F"/>
+                </a:solidFill>
+                <a:latin typeface="Arial"/>
+                <a:cs typeface="Arial"/>
+              </a:rPr>
+              <a:t>►</a:t>
+            </a:r>
+            <a:endParaRPr lang="en-GB" sz="2400">
+              <a:solidFill>
+                <a:srgbClr val="00477F"/>
+              </a:solidFill>
+              <a:latin typeface="Arial"/>
+            </a:endParaRPr>
+          </a:p>
+        </p:txBody>
+      </p:sp>
+      <p:sp>
+        <p:nvSpPr>
+          <p:cNvPr id="7" name="ZoneTexte 6"/>
+          <p:cNvSpPr txBox="1"/>
+          <p:nvPr/>
+        </p:nvSpPr>
+        <p:spPr>
+          <a:xfrm>
+            <a:off x="3302000" y="3517900"/>
+            <a:ext cx="1763624" cy="276999"/>
+          </a:xfrm>
+          <a:prstGeom prst="rect">
+            <a:avLst/>
+          </a:prstGeom>
+          <a:noFill/>
+        </p:spPr>
+        <p:txBody>
+          <a:bodyPr vert="horz" wrap="none" rtlCol="0">
+            <a:spAutoFit/>
+          </a:bodyPr>
+          <a:lstStyle/>
+          <a:p>
+            <a:r>
+              <a:rPr lang="en-GB" sz="1200" i="1" smtClean="0">
+                <a:solidFill>
+                  <a:srgbClr val="C0C0C0"/>
+                </a:solidFill>
+                <a:latin typeface="Arial"/>
+              </a:rPr>
+              <a:t>3. 1 Interpretation rules</a:t>
+            </a:r>
+            <a:endParaRPr lang="en-GB" sz="1200" i="1">
+              <a:solidFill>
+                <a:srgbClr val="C0C0C0"/>
+              </a:solidFill>
+              <a:latin typeface="Arial"/>
+            </a:endParaRPr>
+          </a:p>
+        </p:txBody>
+      </p:sp>
+      <p:sp>
+        <p:nvSpPr>
+          <p:cNvPr id="8" name="ZoneTexte 7"/>
+          <p:cNvSpPr txBox="1"/>
+          <p:nvPr/>
+        </p:nvSpPr>
+        <p:spPr>
+          <a:xfrm>
+            <a:off x="3302000" y="3771900"/>
+            <a:ext cx="1226618" cy="276999"/>
+          </a:xfrm>
+          <a:prstGeom prst="rect">
+            <a:avLst/>
+          </a:prstGeom>
+          <a:noFill/>
+        </p:spPr>
+        <p:txBody>
+          <a:bodyPr vert="horz" wrap="none" rtlCol="0">
+            <a:spAutoFit/>
+          </a:bodyPr>
+          <a:lstStyle/>
+          <a:p>
+            <a:r>
+              <a:rPr lang="en-GB" sz="1200" i="1" smtClean="0">
+                <a:solidFill>
+                  <a:srgbClr val="00477F"/>
+                </a:solidFill>
+                <a:latin typeface="Arial"/>
+              </a:rPr>
+              <a:t>3. 2 Quantifiers</a:t>
+            </a:r>
+            <a:endParaRPr lang="en-GB" sz="1200" i="1">
+              <a:solidFill>
+                <a:srgbClr val="00477F"/>
+              </a:solidFill>
+              <a:latin typeface="Arial"/>
+            </a:endParaRPr>
+          </a:p>
+        </p:txBody>
+      </p:sp>
+      <p:sp>
+        <p:nvSpPr>
+          <p:cNvPr id="9" name="ZoneTexte 8"/>
+          <p:cNvSpPr txBox="1"/>
+          <p:nvPr/>
+        </p:nvSpPr>
+        <p:spPr>
+          <a:xfrm>
+            <a:off x="2921000" y="4216400"/>
+            <a:ext cx="1762021" cy="424732"/>
+          </a:xfrm>
+          <a:prstGeom prst="rect">
+            <a:avLst/>
+          </a:prstGeom>
+          <a:noFill/>
+        </p:spPr>
+        <p:txBody>
+          <a:bodyPr vert="horz" wrap="none" rtlCol="0">
+            <a:spAutoFit/>
+          </a:bodyPr>
+          <a:lstStyle/>
+          <a:p>
+            <a:pPr>
+              <a:lnSpc>
+                <a:spcPct val="80000"/>
+              </a:lnSpc>
             </a:pPr>
             <a:r>
-              <a:rPr kumimoji="1" lang="en-GB" sz="2000" i="1" dirty="0" smtClean="0">
-                <a:solidFill>
-                  <a:srgbClr val="5F5F5F"/>
-                </a:solidFill>
+              <a:rPr lang="en-GB" sz="2700" smtClean="0">
+                <a:solidFill>
+                  <a:srgbClr val="C0C0C0"/>
+                </a:solidFill>
+                <a:latin typeface="Arial"/>
               </a:rPr>
-              <a:t>Get object satisfying description. </a:t>
-            </a:r>
-          </a:p>
-          <a:p>
-            <a:pPr marL="685800" lvl="2" indent="-285750" fontAlgn="base">
-              <a:spcBef>
-                <a:spcPts val="400"/>
-              </a:spcBef>
-              <a:spcAft>
-                <a:spcPct val="0"/>
-              </a:spcAft>
-              <a:buClr>
-                <a:srgbClr val="004780"/>
-              </a:buClr>
-              <a:buSzPct val="50000"/>
-              <a:buFont typeface="Webdings" pitchFamily="18" charset="2"/>
-              <a:buChar char="="/>
-              <a:defRPr sz="1800"/>
+              <a:t>4. Planner</a:t>
+            </a:r>
+            <a:endParaRPr lang="en-GB" sz="2700">
+              <a:solidFill>
+                <a:srgbClr val="C0C0C0"/>
+              </a:solidFill>
+              <a:latin typeface="Arial"/>
+            </a:endParaRPr>
+          </a:p>
+        </p:txBody>
+      </p:sp>
+      <p:sp>
+        <p:nvSpPr>
+          <p:cNvPr id="10" name="ZoneTexte 9"/>
+          <p:cNvSpPr txBox="1"/>
+          <p:nvPr/>
+        </p:nvSpPr>
+        <p:spPr>
+          <a:xfrm>
+            <a:off x="2921000" y="4851400"/>
+            <a:ext cx="3743461" cy="424732"/>
+          </a:xfrm>
+          <a:prstGeom prst="rect">
+            <a:avLst/>
+          </a:prstGeom>
+          <a:noFill/>
+        </p:spPr>
+        <p:txBody>
+          <a:bodyPr vert="horz" wrap="none" rtlCol="0">
+            <a:spAutoFit/>
+          </a:bodyPr>
+          <a:lstStyle/>
+          <a:p>
+            <a:pPr>
+              <a:lnSpc>
+                <a:spcPct val="80000"/>
+              </a:lnSpc>
             </a:pPr>
             <a:r>
-              <a:rPr kumimoji="1" lang="en-GB" sz="2000" i="1" dirty="0" smtClean="0">
-                <a:solidFill>
-                  <a:srgbClr val="5F5F5F"/>
-                </a:solidFill>
+              <a:rPr lang="en-GB" sz="2700" smtClean="0">
+                <a:solidFill>
+                  <a:srgbClr val="C0C0C0"/>
+                </a:solidFill>
+                <a:latin typeface="Arial"/>
               </a:rPr>
-              <a:t>Handle </a:t>
-            </a:r>
-            <a:r>
-              <a:rPr kumimoji="1" lang="en-GB" sz="2000" b="1" i="1" dirty="0" smtClean="0">
-                <a:solidFill>
-                  <a:srgbClr val="5F5F5F"/>
-                </a:solidFill>
+              <a:t>5. Ambiguities handling</a:t>
+            </a:r>
+            <a:endParaRPr lang="en-GB" sz="2700">
+              <a:solidFill>
+                <a:srgbClr val="C0C0C0"/>
+              </a:solidFill>
+              <a:latin typeface="Arial"/>
+            </a:endParaRPr>
+          </a:p>
+        </p:txBody>
+      </p:sp>
+      <p:sp>
+        <p:nvSpPr>
+          <p:cNvPr id="11" name="ZoneTexte 10"/>
+          <p:cNvSpPr txBox="1"/>
+          <p:nvPr/>
+        </p:nvSpPr>
+        <p:spPr>
+          <a:xfrm>
+            <a:off x="2921000" y="5486400"/>
+            <a:ext cx="4147289" cy="424732"/>
+          </a:xfrm>
+          <a:prstGeom prst="rect">
+            <a:avLst/>
+          </a:prstGeom>
+          <a:noFill/>
+        </p:spPr>
+        <p:txBody>
+          <a:bodyPr vert="horz" wrap="none" rtlCol="0">
+            <a:spAutoFit/>
+          </a:bodyPr>
+          <a:lstStyle/>
+          <a:p>
+            <a:pPr>
+              <a:lnSpc>
+                <a:spcPct val="80000"/>
+              </a:lnSpc>
+            </a:pPr>
+            <a:r>
+              <a:rPr lang="en-GB" sz="2700" smtClean="0">
+                <a:solidFill>
+                  <a:srgbClr val="C0C0C0"/>
+                </a:solidFill>
+                <a:latin typeface="Arial"/>
               </a:rPr>
-              <a:t>the</a:t>
-            </a:r>
-            <a:r>
-              <a:rPr kumimoji="1" lang="en-GB" sz="2000" i="1" dirty="0" smtClean="0">
-                <a:solidFill>
-                  <a:srgbClr val="5F5F5F"/>
-                </a:solidFill>
-              </a:rPr>
-              <a:t>,</a:t>
-            </a:r>
-            <a:r>
-              <a:rPr kumimoji="1" lang="en-GB" sz="2000" b="1" i="1" dirty="0" smtClean="0">
-                <a:solidFill>
-                  <a:srgbClr val="5F5F5F"/>
-                </a:solidFill>
-              </a:rPr>
-              <a:t> </a:t>
-            </a:r>
-            <a:r>
-              <a:rPr kumimoji="1" lang="en-GB" sz="2000" b="1" i="1" dirty="0" smtClean="0">
-                <a:solidFill>
-                  <a:srgbClr val="5F5F5F"/>
-                </a:solidFill>
-              </a:rPr>
-              <a:t>any </a:t>
-            </a:r>
-            <a:r>
-              <a:rPr kumimoji="1" lang="en-GB" sz="2000" i="1" dirty="0" smtClean="0">
-                <a:solidFill>
-                  <a:srgbClr val="5F5F5F"/>
-                </a:solidFill>
-              </a:rPr>
-              <a:t>or </a:t>
-            </a:r>
-            <a:r>
-              <a:rPr kumimoji="1" lang="en-GB" sz="2000" b="1" i="1" dirty="0" smtClean="0">
-                <a:solidFill>
-                  <a:srgbClr val="5F5F5F"/>
-                </a:solidFill>
-              </a:rPr>
-              <a:t>all</a:t>
-            </a:r>
-            <a:r>
-              <a:rPr kumimoji="1" lang="en-GB" sz="2000" i="1" dirty="0" smtClean="0">
-                <a:solidFill>
-                  <a:srgbClr val="5F5F5F"/>
-                </a:solidFill>
-              </a:rPr>
-              <a:t> </a:t>
-            </a:r>
-            <a:r>
-              <a:rPr kumimoji="1" lang="en-GB" sz="2000" i="1" dirty="0" smtClean="0">
-                <a:solidFill>
-                  <a:srgbClr val="5F5F5F"/>
-                </a:solidFill>
-              </a:rPr>
-              <a:t>cases. </a:t>
-            </a:r>
-            <a:endParaRPr kumimoji="1" lang="en-GB" sz="2000" i="1" dirty="0" smtClean="0">
+              <a:t>6. Possible improvements</a:t>
+            </a:r>
+            <a:endParaRPr lang="en-GB" sz="2700">
               <a:solidFill>
-                <a:srgbClr val="5F5F5F"/>
+                <a:srgbClr val="C0C0C0"/>
               </a:solidFill>
+              <a:latin typeface="Arial"/>
             </a:endParaRPr>
           </a:p>
-          <a:p>
-            <a:pPr marL="685800" lvl="2" indent="-285750" fontAlgn="base">
-              <a:spcBef>
-                <a:spcPts val="400"/>
-              </a:spcBef>
-              <a:spcAft>
-                <a:spcPct val="0"/>
-              </a:spcAft>
-              <a:buClr>
-                <a:srgbClr val="004780"/>
-              </a:buClr>
-              <a:buSzPct val="50000"/>
-              <a:buFont typeface="Webdings" pitchFamily="18" charset="2"/>
-              <a:buChar char="="/>
-              <a:defRPr sz="1800"/>
-            </a:pPr>
-            <a:r>
-              <a:rPr kumimoji="1" lang="en-GB" sz="2000" i="1" dirty="0" smtClean="0">
-                <a:solidFill>
-                  <a:srgbClr val="5F5F5F"/>
-                </a:solidFill>
-              </a:rPr>
-              <a:t>Get object which satisfies relation to "object X". </a:t>
-            </a:r>
-          </a:p>
-          <a:p>
-            <a:pPr marL="685800" lvl="2" indent="-285750" fontAlgn="base">
-              <a:spcBef>
-                <a:spcPts val="400"/>
-              </a:spcBef>
-              <a:spcAft>
-                <a:spcPct val="0"/>
-              </a:spcAft>
-              <a:buClr>
-                <a:srgbClr val="004780"/>
-              </a:buClr>
-              <a:buSzPct val="50000"/>
-              <a:buFont typeface="Webdings" pitchFamily="18" charset="2"/>
-              <a:buChar char="="/>
-              <a:defRPr sz="1800"/>
-            </a:pPr>
-            <a:r>
-              <a:rPr kumimoji="1" lang="en-GB" sz="2000" i="1" dirty="0" smtClean="0">
-                <a:solidFill>
-                  <a:srgbClr val="5F5F5F"/>
-                </a:solidFill>
-              </a:rPr>
-              <a:t>Get object which satisfies relation to stack. </a:t>
-            </a:r>
-          </a:p>
-          <a:p>
-            <a:pPr marL="685800" lvl="2" indent="-285750" fontAlgn="base">
-              <a:spcBef>
-                <a:spcPts val="400"/>
-              </a:spcBef>
-              <a:spcAft>
-                <a:spcPct val="0"/>
-              </a:spcAft>
-              <a:buClr>
-                <a:srgbClr val="004780"/>
-              </a:buClr>
-              <a:buSzPct val="50000"/>
-              <a:buFont typeface="Webdings" pitchFamily="18" charset="2"/>
-              <a:buChar char="="/>
-              <a:defRPr sz="1800"/>
-            </a:pPr>
-            <a:r>
-              <a:rPr kumimoji="1" lang="en-GB" sz="2000" i="1" dirty="0" smtClean="0">
-                <a:solidFill>
-                  <a:srgbClr val="5F5F5F"/>
-                </a:solidFill>
-              </a:rPr>
-              <a:t>Process output to goal. </a:t>
-            </a:r>
-          </a:p>
-        </p:txBody>
-      </p:sp>
-      <p:sp>
-        <p:nvSpPr>
-          <p:cNvPr id="6" name="Espace réservé du pied de page 5"/>
-          <p:cNvSpPr>
-            <a:spLocks noGrp="1"/>
-          </p:cNvSpPr>
-          <p:nvPr>
-            <p:ph type="ftr" sz="quarter" idx="10"/>
-          </p:nvPr>
-        </p:nvSpPr>
-        <p:spPr/>
-        <p:txBody>
-          <a:bodyPr/>
-          <a:lstStyle/>
-          <a:p>
-            <a:endParaRPr lang="fr-FR"/>
-          </a:p>
         </p:txBody>
       </p:sp>
     </p:spTree>
+    <p:custDataLst>
+      <p:tags r:id="rId1"/>
+    </p:custDataLst>
     <p:extLst>
       <p:ext uri="{BB962C8B-B14F-4D97-AF65-F5344CB8AC3E}">
-        <p14:creationId xmlns:p14="http://schemas.microsoft.com/office/powerpoint/2010/main" val="566941740"/>
+        <p14:creationId xmlns:p14="http://schemas.microsoft.com/office/powerpoint/2010/main" val="3004784575"/>
       </p:ext>
     </p:extLst>
   </p:cSld>
@@ -10026,27 +8962,19 @@
   <p:transition>
     <p:wipe dir="d"/>
   </p:transition>
-  <p:timing>
-    <p:tnLst>
-      <p:par>
-        <p:cTn id="1" dur="indefinite" restart="never" nodeType="tmRoot"/>
-      </p:par>
-    </p:tnLst>
-  </p:timing>
 </p:sld>
 </file>
 
 <file path=ppt/tags/tag1.xml><?xml version="1.0" encoding="utf-8"?>
 <p:tagLst xmlns:a="http://schemas.openxmlformats.org/drawingml/2006/main" xmlns:r="http://schemas.openxmlformats.org/officeDocument/2006/relationships" xmlns:p="http://schemas.openxmlformats.org/presentationml/2006/main">
   <p:tag name="AGENDA_NAME0" val="Presentation of the application"/>
-  <p:tag name="AGENDA_NAME1" val="The world"/>
-  <p:tag name="AGENDA_NAME2" val="Grammar"/>
-  <p:tag name="AGENDA_NAME3" val="Interpreter"/>
-  <p:tag name="AGENDA_NAME4" val="- Interpretation rules"/>
-  <p:tag name="AGENDA_NAME5" val="- Quantifiers"/>
-  <p:tag name="AGENDA_NAME6" val="Planner"/>
-  <p:tag name="AGENDA_NAME7" val="Ambiguities handling"/>
-  <p:tag name="AGENDA_NAME8" val="Output"/>
+  <p:tag name="AGENDA_NAME1" val="Grammar"/>
+  <p:tag name="AGENDA_NAME2" val="Interpreter"/>
+  <p:tag name="AGENDA_NAME3" val="- Interpretation rules"/>
+  <p:tag name="AGENDA_NAME4" val="- Quantifiers"/>
+  <p:tag name="AGENDA_NAME5" val="Planner"/>
+  <p:tag name="AGENDA_NAME6" val="Ambiguities handling"/>
+  <p:tag name="AGENDA_NAME7" val="Possible improvements"/>
 </p:tagLst>
 </file>
 
@@ -10064,7 +8992,7 @@
 
 <file path=ppt/tags/tag4.xml><?xml version="1.0" encoding="utf-8"?>
 <p:tagLst xmlns:a="http://schemas.openxmlformats.org/drawingml/2006/main" xmlns:r="http://schemas.openxmlformats.org/officeDocument/2006/relationships" xmlns:p="http://schemas.openxmlformats.org/presentationml/2006/main">
-  <p:tag name="AGENDA" val="3"/>
+  <p:tag name="AGENDA" val="4"/>
 </p:tagLst>
 </file>
 
@@ -10089,12 +9017,6 @@
 <file path=ppt/tags/tag8.xml><?xml version="1.0" encoding="utf-8"?>
 <p:tagLst xmlns:a="http://schemas.openxmlformats.org/drawingml/2006/main" xmlns:r="http://schemas.openxmlformats.org/officeDocument/2006/relationships" xmlns:p="http://schemas.openxmlformats.org/presentationml/2006/main">
   <p:tag name="AGENDA" val="8"/>
-</p:tagLst>
-</file>
-
-<file path=ppt/tags/tag9.xml><?xml version="1.0" encoding="utf-8"?>
-<p:tagLst xmlns:a="http://schemas.openxmlformats.org/drawingml/2006/main" xmlns:r="http://schemas.openxmlformats.org/officeDocument/2006/relationships" xmlns:p="http://schemas.openxmlformats.org/presentationml/2006/main">
-  <p:tag name="AGENDA" val="9"/>
 </p:tagLst>
 </file>
 

--- a/Report/AI.pptx
+++ b/Report/AI.pptx
@@ -5988,8 +5988,8 @@
         </p:nvSpPr>
         <p:spPr>
           <a:xfrm>
-            <a:off x="457200" y="2998113"/>
-            <a:ext cx="8229600" cy="861774"/>
+            <a:off x="457200" y="2767281"/>
+            <a:ext cx="8229600" cy="1323439"/>
           </a:xfrm>
         </p:spPr>
         <p:txBody>
@@ -6005,6 +6005,13 @@
             <a:r>
               <a:rPr lang="en-GB" sz="2000" dirty="0" err="1" smtClean="0"/>
               <a:t>heurisitc</a:t>
+            </a:r>
+            <a:endParaRPr lang="en-GB" sz="2000" dirty="0" smtClean="0"/>
+          </a:p>
+          <a:p>
+            <a:r>
+              <a:rPr lang="en-GB" sz="2000" dirty="0" smtClean="0"/>
+              <a:t>Use of probabilistic planning for the heuristic</a:t>
             </a:r>
             <a:endParaRPr lang="en-GB" sz="2000" dirty="0"/>
           </a:p>
@@ -6635,11 +6642,7 @@
           <a:p>
             <a:r>
               <a:rPr lang="en-GB" sz="2400" dirty="0" smtClean="0"/>
-              <a:t>Simple client-server </a:t>
-            </a:r>
-            <a:r>
-              <a:rPr lang="en-GB" sz="2400" dirty="0" smtClean="0"/>
-              <a:t>architecture</a:t>
+              <a:t>Simple client-server architecture</a:t>
             </a:r>
           </a:p>
           <a:p>
@@ -6656,13 +6659,8 @@
           <a:p>
             <a:r>
               <a:rPr lang="en-GB" sz="2400" dirty="0" smtClean="0"/>
-              <a:t>On server side: Parser, Interpreter, Planner, </a:t>
-            </a:r>
-            <a:r>
-              <a:rPr lang="en-GB" sz="2400" dirty="0" smtClean="0"/>
-              <a:t>Solver</a:t>
-            </a:r>
-            <a:endParaRPr lang="en-GB" sz="2400" dirty="0" smtClean="0"/>
+              <a:t>On server side: Parser, Interpreter, Planner, Solver</a:t>
+            </a:r>
           </a:p>
         </p:txBody>
       </p:sp>
@@ -8129,15 +8127,7 @@
                   <a:srgbClr val="5F5F5F"/>
                 </a:solidFill>
               </a:rPr>
-              <a:t>, </a:t>
-            </a:r>
-            <a:r>
-              <a:rPr kumimoji="1" lang="en-GB" sz="2000" i="1" dirty="0" smtClean="0">
-                <a:solidFill>
-                  <a:srgbClr val="5F5F5F"/>
-                </a:solidFill>
-              </a:rPr>
-              <a:t>or </a:t>
+              <a:t>, or </a:t>
             </a:r>
             <a:r>
               <a:rPr kumimoji="1" lang="en-GB" sz="2000" b="1" i="1" dirty="0" smtClean="0">
@@ -8341,15 +8331,7 @@
           <a:p>
             <a:r>
               <a:rPr lang="en-GB" sz="2000" dirty="0" smtClean="0"/>
-              <a:t>Further, we have some rules to see if an object is e.g. </a:t>
-            </a:r>
-            <a:r>
-              <a:rPr lang="en-GB" sz="2000" dirty="0" smtClean="0"/>
-              <a:t>beside </a:t>
-            </a:r>
-            <a:r>
-              <a:rPr lang="en-GB" sz="2000" dirty="0" smtClean="0"/>
-              <a:t>any other object </a:t>
+              <a:t>Further, we have some rules to see if an object is e.g. beside any other object </a:t>
             </a:r>
             <a:endParaRPr lang="en-GB" sz="2000" dirty="0"/>
           </a:p>

--- a/Report/AI.pptx
+++ b/Report/AI.pptx
@@ -6630,7 +6630,7 @@
         </p:nvSpPr>
         <p:spPr>
           <a:xfrm>
-            <a:off x="457200" y="4267200"/>
+            <a:off x="457200" y="4389437"/>
             <a:ext cx="8229600" cy="1858963"/>
           </a:xfrm>
         </p:spPr>
@@ -6659,8 +6659,47 @@
           <a:p>
             <a:r>
               <a:rPr lang="en-GB" sz="2400" dirty="0" smtClean="0"/>
-              <a:t>On server side: Parser, Interpreter, Planner, Solver</a:t>
-            </a:r>
+              <a:t>On server side: Parser, Interpreter, Planner, </a:t>
+            </a:r>
+            <a:r>
+              <a:rPr lang="en-GB" sz="2400" dirty="0" smtClean="0"/>
+              <a:t>Solver</a:t>
+            </a:r>
+          </a:p>
+          <a:p>
+            <a:r>
+              <a:rPr lang="en-GB" dirty="0" smtClean="0"/>
+              <a:t>We used </a:t>
+            </a:r>
+            <a:r>
+              <a:rPr lang="en-GB" b="1" dirty="0" err="1">
+                <a:solidFill>
+                  <a:schemeClr val="tx2"/>
+                </a:solidFill>
+              </a:rPr>
+              <a:t>P</a:t>
+            </a:r>
+            <a:r>
+              <a:rPr lang="en-GB" b="1" dirty="0" err="1" smtClean="0">
+                <a:solidFill>
+                  <a:schemeClr val="tx2"/>
+                </a:solidFill>
+              </a:rPr>
+              <a:t>rolog</a:t>
+            </a:r>
+            <a:r>
+              <a:rPr lang="en-GB" dirty="0" smtClean="0">
+                <a:solidFill>
+                  <a:schemeClr val="tx2"/>
+                </a:solidFill>
+              </a:rPr>
+              <a:t> </a:t>
+            </a:r>
+            <a:r>
+              <a:rPr lang="en-GB" dirty="0" smtClean="0"/>
+              <a:t>for the project</a:t>
+            </a:r>
+            <a:endParaRPr lang="en-GB" sz="2400" dirty="0" smtClean="0"/>
           </a:p>
         </p:txBody>
       </p:sp>
